--- a/Notes/02_1_RenderingBasics.pptx
+++ b/Notes/02_1_RenderingBasics.pptx
@@ -226,7 +226,7 @@
           <a:p>
             <a:fld id="{1558EF9E-F90D-3644-932C-1F90C8EF183B}" type="datetimeFigureOut">
               <a:rPr kumimoji="1" lang="ko-KR" altLang="en-US" smtClean="0"/>
-              <a:t>2025. 2. 16.</a:t>
+              <a:t>2025. 2. 20.</a:t>
             </a:fld>
             <a:endParaRPr kumimoji="1" lang="ko-KR" altLang="en-US"/>
           </a:p>
@@ -518,14 +518,14 @@
           <a:ln/>
           <a:extLst>
             <a:ext uri="{909E8E84-426E-40dd-AFC4-6F175D3DCCD1}">
-              <a14:hiddenFill xmlns="" xmlns:a14="http://schemas.microsoft.com/office/drawing/2010/main">
+              <a14:hiddenFill xmlns:a14="http://schemas.microsoft.com/office/drawing/2010/main" xmlns="">
                 <a:solidFill>
                   <a:srgbClr val="FFFFFF"/>
                 </a:solidFill>
               </a14:hiddenFill>
             </a:ext>
             <a:ext uri="{91240B29-F687-4f45-9708-019B960494DF}">
-              <a14:hiddenLine xmlns="" xmlns:a14="http://schemas.microsoft.com/office/drawing/2010/main" w="9525">
+              <a14:hiddenLine xmlns:a14="http://schemas.microsoft.com/office/drawing/2010/main" xmlns="" w="9525">
                 <a:solidFill>
                   <a:srgbClr val="000000"/>
                 </a:solidFill>
@@ -591,14 +591,14 @@
           <a:ln/>
           <a:extLst>
             <a:ext uri="{909E8E84-426E-40dd-AFC4-6F175D3DCCD1}">
-              <a14:hiddenFill xmlns="" xmlns:a14="http://schemas.microsoft.com/office/drawing/2010/main">
+              <a14:hiddenFill xmlns:a14="http://schemas.microsoft.com/office/drawing/2010/main" xmlns="">
                 <a:solidFill>
                   <a:srgbClr val="FFFFFF"/>
                 </a:solidFill>
               </a14:hiddenFill>
             </a:ext>
             <a:ext uri="{91240B29-F687-4f45-9708-019B960494DF}">
-              <a14:hiddenLine xmlns="" xmlns:a14="http://schemas.microsoft.com/office/drawing/2010/main" w="9525">
+              <a14:hiddenLine xmlns:a14="http://schemas.microsoft.com/office/drawing/2010/main" xmlns="" w="9525">
                 <a:solidFill>
                   <a:srgbClr val="000000"/>
                 </a:solidFill>
@@ -11867,7 +11867,7 @@
                                 </p:cTn>
                               </p:par>
                               <p:par>
-                                <p:cTn id="17" presetID="1" presetClass="entr" presetSubtype="0" fill="hold" nodeType="withEffect">
+                                <p:cTn id="17" presetID="1" presetClass="entr" presetSubtype="0" fill="hold" grpId="0" nodeType="withEffect">
                                   <p:stCondLst>
                                     <p:cond delay="0"/>
                                   </p:stCondLst>
@@ -11875,6 +11875,35 @@
                                     <p:set>
                                       <p:cBhvr>
                                         <p:cTn id="18" dur="1" fill="hold">
+                                          <p:stCondLst>
+                                            <p:cond delay="0"/>
+                                          </p:stCondLst>
+                                        </p:cTn>
+                                        <p:tgtEl>
+                                          <p:spTgt spid="6">
+                                            <p:bg/>
+                                          </p:spTgt>
+                                        </p:tgtEl>
+                                        <p:attrNameLst>
+                                          <p:attrName>style.visibility</p:attrName>
+                                        </p:attrNameLst>
+                                      </p:cBhvr>
+                                      <p:to>
+                                        <p:strVal val="visible"/>
+                                      </p:to>
+                                    </p:set>
+                                  </p:childTnLst>
+                                </p:cTn>
+                              </p:par>
+                              <p:par>
+                                <p:cTn id="19" presetID="1" presetClass="entr" presetSubtype="0" fill="hold" nodeType="withEffect">
+                                  <p:stCondLst>
+                                    <p:cond delay="0"/>
+                                  </p:stCondLst>
+                                  <p:childTnLst>
+                                    <p:set>
+                                      <p:cBhvr>
+                                        <p:cTn id="20" dur="1" fill="hold">
                                           <p:stCondLst>
                                             <p:cond delay="0"/>
                                           </p:stCondLst>
@@ -11900,50 +11929,19 @@
                     </p:cTn>
                   </p:par>
                   <p:par>
-                    <p:cTn id="19" fill="hold">
+                    <p:cTn id="21" fill="hold">
                       <p:stCondLst>
                         <p:cond delay="indefinite"/>
                       </p:stCondLst>
                       <p:childTnLst>
                         <p:par>
-                          <p:cTn id="20" fill="hold">
+                          <p:cTn id="22" fill="hold">
                             <p:stCondLst>
                               <p:cond delay="0"/>
                             </p:stCondLst>
                             <p:childTnLst>
                               <p:par>
-                                <p:cTn id="21" presetID="1" presetClass="entr" presetSubtype="0" fill="hold" nodeType="clickEffect">
-                                  <p:stCondLst>
-                                    <p:cond delay="0"/>
-                                  </p:stCondLst>
-                                  <p:childTnLst>
-                                    <p:set>
-                                      <p:cBhvr>
-                                        <p:cTn id="22" dur="1" fill="hold">
-                                          <p:stCondLst>
-                                            <p:cond delay="0"/>
-                                          </p:stCondLst>
-                                        </p:cTn>
-                                        <p:tgtEl>
-                                          <p:spTgt spid="6">
-                                            <p:txEl>
-                                              <p:pRg st="7" end="7"/>
-                                            </p:txEl>
-                                          </p:spTgt>
-                                        </p:tgtEl>
-                                        <p:attrNameLst>
-                                          <p:attrName>style.visibility</p:attrName>
-                                        </p:attrNameLst>
-                                      </p:cBhvr>
-                                      <p:to>
-                                        <p:strVal val="visible"/>
-                                      </p:to>
-                                    </p:set>
-                                  </p:childTnLst>
-                                </p:cTn>
-                              </p:par>
-                              <p:par>
-                                <p:cTn id="23" presetID="1" presetClass="entr" presetSubtype="0" fill="hold" nodeType="withEffect">
+                                <p:cTn id="23" presetID="1" presetClass="entr" presetSubtype="0" fill="hold" nodeType="clickEffect">
                                   <p:stCondLst>
                                     <p:cond delay="0"/>
                                   </p:stCondLst>
@@ -11958,7 +11956,7 @@
                                         <p:tgtEl>
                                           <p:spTgt spid="6">
                                             <p:txEl>
-                                              <p:pRg st="8" end="8"/>
+                                              <p:pRg st="7" end="7"/>
                                             </p:txEl>
                                           </p:spTgt>
                                         </p:tgtEl>
@@ -11989,6 +11987,37 @@
                                         <p:tgtEl>
                                           <p:spTgt spid="6">
                                             <p:txEl>
+                                              <p:pRg st="8" end="8"/>
+                                            </p:txEl>
+                                          </p:spTgt>
+                                        </p:tgtEl>
+                                        <p:attrNameLst>
+                                          <p:attrName>style.visibility</p:attrName>
+                                        </p:attrNameLst>
+                                      </p:cBhvr>
+                                      <p:to>
+                                        <p:strVal val="visible"/>
+                                      </p:to>
+                                    </p:set>
+                                  </p:childTnLst>
+                                </p:cTn>
+                              </p:par>
+                              <p:par>
+                                <p:cTn id="27" presetID="1" presetClass="entr" presetSubtype="0" fill="hold" nodeType="withEffect">
+                                  <p:stCondLst>
+                                    <p:cond delay="0"/>
+                                  </p:stCondLst>
+                                  <p:childTnLst>
+                                    <p:set>
+                                      <p:cBhvr>
+                                        <p:cTn id="28" dur="1" fill="hold">
+                                          <p:stCondLst>
+                                            <p:cond delay="0"/>
+                                          </p:stCondLst>
+                                        </p:cTn>
+                                        <p:tgtEl>
+                                          <p:spTgt spid="6">
+                                            <p:txEl>
                                               <p:pRg st="9" end="9"/>
                                             </p:txEl>
                                           </p:spTgt>
@@ -12011,26 +12040,26 @@
                     </p:cTn>
                   </p:par>
                   <p:par>
-                    <p:cTn id="27" fill="hold">
+                    <p:cTn id="29" fill="hold">
                       <p:stCondLst>
                         <p:cond delay="indefinite"/>
                       </p:stCondLst>
                       <p:childTnLst>
                         <p:par>
-                          <p:cTn id="28" fill="hold">
+                          <p:cTn id="30" fill="hold">
                             <p:stCondLst>
                               <p:cond delay="0"/>
                             </p:stCondLst>
                             <p:childTnLst>
                               <p:par>
-                                <p:cTn id="29" presetID="1" presetClass="entr" presetSubtype="0" fill="hold" nodeType="clickEffect">
+                                <p:cTn id="31" presetID="1" presetClass="entr" presetSubtype="0" fill="hold" nodeType="clickEffect">
                                   <p:stCondLst>
                                     <p:cond delay="0"/>
                                   </p:stCondLst>
                                   <p:childTnLst>
                                     <p:set>
                                       <p:cBhvr>
-                                        <p:cTn id="30" dur="1" fill="hold">
+                                        <p:cTn id="32" dur="1" fill="hold">
                                           <p:stCondLst>
                                             <p:cond delay="0"/>
                                           </p:stCondLst>
@@ -12054,14 +12083,14 @@
                                 </p:cTn>
                               </p:par>
                               <p:par>
-                                <p:cTn id="31" presetID="1" presetClass="entr" presetSubtype="0" fill="hold" nodeType="withEffect">
+                                <p:cTn id="33" presetID="1" presetClass="entr" presetSubtype="0" fill="hold" nodeType="withEffect">
                                   <p:stCondLst>
                                     <p:cond delay="0"/>
                                   </p:stCondLst>
                                   <p:childTnLst>
                                     <p:set>
                                       <p:cBhvr>
-                                        <p:cTn id="32" dur="1" fill="hold">
+                                        <p:cTn id="34" dur="1" fill="hold">
                                           <p:stCondLst>
                                             <p:cond delay="0"/>
                                           </p:stCondLst>
@@ -12091,26 +12120,26 @@
                     </p:cTn>
                   </p:par>
                   <p:par>
-                    <p:cTn id="33" fill="hold">
+                    <p:cTn id="35" fill="hold">
                       <p:stCondLst>
                         <p:cond delay="indefinite"/>
                       </p:stCondLst>
                       <p:childTnLst>
                         <p:par>
-                          <p:cTn id="34" fill="hold">
+                          <p:cTn id="36" fill="hold">
                             <p:stCondLst>
                               <p:cond delay="0"/>
                             </p:stCondLst>
                             <p:childTnLst>
                               <p:par>
-                                <p:cTn id="35" presetID="1" presetClass="entr" presetSubtype="0" fill="hold" nodeType="clickEffect">
+                                <p:cTn id="37" presetID="1" presetClass="entr" presetSubtype="0" fill="hold" nodeType="clickEffect">
                                   <p:stCondLst>
                                     <p:cond delay="0"/>
                                   </p:stCondLst>
                                   <p:childTnLst>
                                     <p:set>
                                       <p:cBhvr>
-                                        <p:cTn id="36" dur="1" fill="hold">
+                                        <p:cTn id="38" dur="1" fill="hold">
                                           <p:stCondLst>
                                             <p:cond delay="0"/>
                                           </p:stCondLst>
@@ -12134,14 +12163,14 @@
                                 </p:cTn>
                               </p:par>
                               <p:par>
-                                <p:cTn id="37" presetID="1" presetClass="entr" presetSubtype="0" fill="hold" nodeType="withEffect">
+                                <p:cTn id="39" presetID="1" presetClass="entr" presetSubtype="0" fill="hold" nodeType="withEffect">
                                   <p:stCondLst>
                                     <p:cond delay="0"/>
                                   </p:stCondLst>
                                   <p:childTnLst>
                                     <p:set>
                                       <p:cBhvr>
-                                        <p:cTn id="38" dur="1" fill="hold">
+                                        <p:cTn id="40" dur="1" fill="hold">
                                           <p:stCondLst>
                                             <p:cond delay="0"/>
                                           </p:stCondLst>
@@ -12191,6 +12220,9 @@
         </p:cTn>
       </p:par>
     </p:tnLst>
+    <p:bldLst>
+      <p:bldP spid="6" grpId="0" uiExpand="1" build="allAtOnce" animBg="1"/>
+    </p:bldLst>
   </p:timing>
 </p:sld>
 </file>
@@ -12646,6 +12678,35 @@
                                   </p:childTnLst>
                                 </p:cTn>
                               </p:par>
+                              <p:par>
+                                <p:cTn id="9" presetID="1" presetClass="entr" presetSubtype="0" fill="hold" grpId="0" nodeType="withEffect">
+                                  <p:stCondLst>
+                                    <p:cond delay="0"/>
+                                  </p:stCondLst>
+                                  <p:childTnLst>
+                                    <p:set>
+                                      <p:cBhvr>
+                                        <p:cTn id="10" dur="1" fill="hold">
+                                          <p:stCondLst>
+                                            <p:cond delay="0"/>
+                                          </p:stCondLst>
+                                        </p:cTn>
+                                        <p:tgtEl>
+                                          <p:spTgt spid="6">
+                                            <p:bg/>
+                                          </p:spTgt>
+                                        </p:tgtEl>
+                                        <p:attrNameLst>
+                                          <p:attrName>style.visibility</p:attrName>
+                                        </p:attrNameLst>
+                                      </p:cBhvr>
+                                      <p:to>
+                                        <p:strVal val="visible"/>
+                                      </p:to>
+                                    </p:set>
+                                  </p:childTnLst>
+                                </p:cTn>
+                              </p:par>
                             </p:childTnLst>
                           </p:cTn>
                         </p:par>
@@ -12653,26 +12714,26 @@
                     </p:cTn>
                   </p:par>
                   <p:par>
-                    <p:cTn id="9" fill="hold">
+                    <p:cTn id="11" fill="hold">
                       <p:stCondLst>
                         <p:cond delay="indefinite"/>
                       </p:stCondLst>
                       <p:childTnLst>
                         <p:par>
-                          <p:cTn id="10" fill="hold">
+                          <p:cTn id="12" fill="hold">
                             <p:stCondLst>
                               <p:cond delay="0"/>
                             </p:stCondLst>
                             <p:childTnLst>
                               <p:par>
-                                <p:cTn id="11" presetID="1" presetClass="entr" presetSubtype="0" fill="hold" nodeType="clickEffect">
+                                <p:cTn id="13" presetID="1" presetClass="entr" presetSubtype="0" fill="hold" nodeType="clickEffect">
                                   <p:stCondLst>
                                     <p:cond delay="0"/>
                                   </p:stCondLst>
                                   <p:childTnLst>
                                     <p:set>
                                       <p:cBhvr>
-                                        <p:cTn id="12" dur="1" fill="hold">
+                                        <p:cTn id="14" dur="1" fill="hold">
                                           <p:stCondLst>
                                             <p:cond delay="0"/>
                                           </p:stCondLst>
@@ -12696,14 +12757,14 @@
                                 </p:cTn>
                               </p:par>
                               <p:par>
-                                <p:cTn id="13" presetID="1" presetClass="entr" presetSubtype="0" fill="hold" nodeType="withEffect">
+                                <p:cTn id="15" presetID="1" presetClass="entr" presetSubtype="0" fill="hold" nodeType="withEffect">
                                   <p:stCondLst>
                                     <p:cond delay="0"/>
                                   </p:stCondLst>
                                   <p:childTnLst>
                                     <p:set>
                                       <p:cBhvr>
-                                        <p:cTn id="14" dur="1" fill="hold">
+                                        <p:cTn id="16" dur="1" fill="hold">
                                           <p:stCondLst>
                                             <p:cond delay="0"/>
                                           </p:stCondLst>
@@ -12733,26 +12794,26 @@
                     </p:cTn>
                   </p:par>
                   <p:par>
-                    <p:cTn id="15" fill="hold">
+                    <p:cTn id="17" fill="hold">
                       <p:stCondLst>
                         <p:cond delay="indefinite"/>
                       </p:stCondLst>
                       <p:childTnLst>
                         <p:par>
-                          <p:cTn id="16" fill="hold">
+                          <p:cTn id="18" fill="hold">
                             <p:stCondLst>
                               <p:cond delay="0"/>
                             </p:stCondLst>
                             <p:childTnLst>
                               <p:par>
-                                <p:cTn id="17" presetID="1" presetClass="entr" presetSubtype="0" fill="hold" nodeType="clickEffect">
+                                <p:cTn id="19" presetID="1" presetClass="entr" presetSubtype="0" fill="hold" nodeType="clickEffect">
                                   <p:stCondLst>
                                     <p:cond delay="0"/>
                                   </p:stCondLst>
                                   <p:childTnLst>
                                     <p:set>
                                       <p:cBhvr>
-                                        <p:cTn id="18" dur="1" fill="hold">
+                                        <p:cTn id="20" dur="1" fill="hold">
                                           <p:stCondLst>
                                             <p:cond delay="0"/>
                                           </p:stCondLst>
@@ -12782,26 +12843,26 @@
                     </p:cTn>
                   </p:par>
                   <p:par>
-                    <p:cTn id="19" fill="hold">
+                    <p:cTn id="21" fill="hold">
                       <p:stCondLst>
                         <p:cond delay="indefinite"/>
                       </p:stCondLst>
                       <p:childTnLst>
                         <p:par>
-                          <p:cTn id="20" fill="hold">
+                          <p:cTn id="22" fill="hold">
                             <p:stCondLst>
                               <p:cond delay="0"/>
                             </p:stCondLst>
                             <p:childTnLst>
                               <p:par>
-                                <p:cTn id="21" presetID="1" presetClass="entr" presetSubtype="0" fill="hold" nodeType="clickEffect">
+                                <p:cTn id="23" presetID="1" presetClass="entr" presetSubtype="0" fill="hold" nodeType="clickEffect">
                                   <p:stCondLst>
                                     <p:cond delay="0"/>
                                   </p:stCondLst>
                                   <p:childTnLst>
                                     <p:set>
                                       <p:cBhvr>
-                                        <p:cTn id="22" dur="1" fill="hold">
+                                        <p:cTn id="24" dur="1" fill="hold">
                                           <p:stCondLst>
                                             <p:cond delay="0"/>
                                           </p:stCondLst>
@@ -12825,14 +12886,14 @@
                                 </p:cTn>
                               </p:par>
                               <p:par>
-                                <p:cTn id="23" presetID="1" presetClass="entr" presetSubtype="0" fill="hold" nodeType="withEffect">
+                                <p:cTn id="25" presetID="1" presetClass="entr" presetSubtype="0" fill="hold" nodeType="withEffect">
                                   <p:stCondLst>
                                     <p:cond delay="0"/>
                                   </p:stCondLst>
                                   <p:childTnLst>
                                     <p:set>
                                       <p:cBhvr>
-                                        <p:cTn id="24" dur="1" fill="hold">
+                                        <p:cTn id="26" dur="1" fill="hold">
                                           <p:stCondLst>
                                             <p:cond delay="0"/>
                                           </p:stCondLst>
@@ -12882,6 +12943,9 @@
         </p:cTn>
       </p:par>
     </p:tnLst>
+    <p:bldLst>
+      <p:bldP spid="6" grpId="0" uiExpand="1" build="allAtOnce" animBg="1"/>
+    </p:bldLst>
   </p:timing>
 </p:sld>
 </file>
@@ -13298,42 +13362,22 @@
                                   </p:childTnLst>
                                 </p:cTn>
                               </p:par>
-                            </p:childTnLst>
-                          </p:cTn>
-                        </p:par>
-                      </p:childTnLst>
-                    </p:cTn>
-                  </p:par>
-                  <p:par>
-                    <p:cTn id="9" fill="hold">
-                      <p:stCondLst>
-                        <p:cond delay="indefinite"/>
-                      </p:stCondLst>
-                      <p:childTnLst>
-                        <p:par>
-                          <p:cTn id="10" fill="hold">
-                            <p:stCondLst>
-                              <p:cond delay="0"/>
-                            </p:stCondLst>
-                            <p:childTnLst>
                               <p:par>
-                                <p:cTn id="11" presetID="1" presetClass="entr" presetSubtype="0" fill="hold" nodeType="clickEffect">
+                                <p:cTn id="9" presetID="1" presetClass="entr" presetSubtype="0" fill="hold" grpId="0" nodeType="withEffect">
                                   <p:stCondLst>
                                     <p:cond delay="0"/>
                                   </p:stCondLst>
                                   <p:childTnLst>
                                     <p:set>
                                       <p:cBhvr>
-                                        <p:cTn id="12" dur="1" fill="hold">
+                                        <p:cTn id="10" dur="1" fill="hold">
                                           <p:stCondLst>
                                             <p:cond delay="0"/>
                                           </p:stCondLst>
                                         </p:cTn>
                                         <p:tgtEl>
                                           <p:spTgt spid="6">
-                                            <p:txEl>
-                                              <p:pRg st="3" end="3"/>
-                                            </p:txEl>
+                                            <p:bg/>
                                           </p:spTgt>
                                         </p:tgtEl>
                                         <p:attrNameLst>
@@ -13347,8 +13391,26 @@
                                   </p:childTnLst>
                                 </p:cTn>
                               </p:par>
+                            </p:childTnLst>
+                          </p:cTn>
+                        </p:par>
+                      </p:childTnLst>
+                    </p:cTn>
+                  </p:par>
+                  <p:par>
+                    <p:cTn id="11" fill="hold">
+                      <p:stCondLst>
+                        <p:cond delay="indefinite"/>
+                      </p:stCondLst>
+                      <p:childTnLst>
+                        <p:par>
+                          <p:cTn id="12" fill="hold">
+                            <p:stCondLst>
+                              <p:cond delay="0"/>
+                            </p:stCondLst>
+                            <p:childTnLst>
                               <p:par>
-                                <p:cTn id="13" presetID="1" presetClass="entr" presetSubtype="0" fill="hold" nodeType="withEffect">
+                                <p:cTn id="13" presetID="1" presetClass="entr" presetSubtype="0" fill="hold" nodeType="clickEffect">
                                   <p:stCondLst>
                                     <p:cond delay="0"/>
                                   </p:stCondLst>
@@ -13363,7 +13425,7 @@
                                         <p:tgtEl>
                                           <p:spTgt spid="6">
                                             <p:txEl>
-                                              <p:pRg st="4" end="4"/>
+                                              <p:pRg st="3" end="3"/>
                                             </p:txEl>
                                           </p:spTgt>
                                         </p:tgtEl>
@@ -13394,6 +13456,37 @@
                                         <p:tgtEl>
                                           <p:spTgt spid="6">
                                             <p:txEl>
+                                              <p:pRg st="4" end="4"/>
+                                            </p:txEl>
+                                          </p:spTgt>
+                                        </p:tgtEl>
+                                        <p:attrNameLst>
+                                          <p:attrName>style.visibility</p:attrName>
+                                        </p:attrNameLst>
+                                      </p:cBhvr>
+                                      <p:to>
+                                        <p:strVal val="visible"/>
+                                      </p:to>
+                                    </p:set>
+                                  </p:childTnLst>
+                                </p:cTn>
+                              </p:par>
+                              <p:par>
+                                <p:cTn id="17" presetID="1" presetClass="entr" presetSubtype="0" fill="hold" nodeType="withEffect">
+                                  <p:stCondLst>
+                                    <p:cond delay="0"/>
+                                  </p:stCondLst>
+                                  <p:childTnLst>
+                                    <p:set>
+                                      <p:cBhvr>
+                                        <p:cTn id="18" dur="1" fill="hold">
+                                          <p:stCondLst>
+                                            <p:cond delay="0"/>
+                                          </p:stCondLst>
+                                        </p:cTn>
+                                        <p:tgtEl>
+                                          <p:spTgt spid="6">
+                                            <p:txEl>
                                               <p:pRg st="5" end="5"/>
                                             </p:txEl>
                                           </p:spTgt>
@@ -13416,26 +13509,26 @@
                     </p:cTn>
                   </p:par>
                   <p:par>
-                    <p:cTn id="17" fill="hold">
+                    <p:cTn id="19" fill="hold">
                       <p:stCondLst>
                         <p:cond delay="indefinite"/>
                       </p:stCondLst>
                       <p:childTnLst>
                         <p:par>
-                          <p:cTn id="18" fill="hold">
+                          <p:cTn id="20" fill="hold">
                             <p:stCondLst>
                               <p:cond delay="0"/>
                             </p:stCondLst>
                             <p:childTnLst>
                               <p:par>
-                                <p:cTn id="19" presetID="1" presetClass="entr" presetSubtype="0" fill="hold" nodeType="clickEffect">
+                                <p:cTn id="21" presetID="1" presetClass="entr" presetSubtype="0" fill="hold" nodeType="clickEffect">
                                   <p:stCondLst>
                                     <p:cond delay="0"/>
                                   </p:stCondLst>
                                   <p:childTnLst>
                                     <p:set>
                                       <p:cBhvr>
-                                        <p:cTn id="20" dur="1" fill="hold">
+                                        <p:cTn id="22" dur="1" fill="hold">
                                           <p:stCondLst>
                                             <p:cond delay="0"/>
                                           </p:stCondLst>
@@ -13459,14 +13552,14 @@
                                 </p:cTn>
                               </p:par>
                               <p:par>
-                                <p:cTn id="21" presetID="1" presetClass="entr" presetSubtype="0" fill="hold" nodeType="withEffect">
+                                <p:cTn id="23" presetID="1" presetClass="entr" presetSubtype="0" fill="hold" nodeType="withEffect">
                                   <p:stCondLst>
                                     <p:cond delay="0"/>
                                   </p:stCondLst>
                                   <p:childTnLst>
                                     <p:set>
                                       <p:cBhvr>
-                                        <p:cTn id="22" dur="1" fill="hold">
+                                        <p:cTn id="24" dur="1" fill="hold">
                                           <p:stCondLst>
                                             <p:cond delay="0"/>
                                           </p:stCondLst>
@@ -13496,26 +13589,26 @@
                     </p:cTn>
                   </p:par>
                   <p:par>
-                    <p:cTn id="23" fill="hold">
+                    <p:cTn id="25" fill="hold">
                       <p:stCondLst>
                         <p:cond delay="indefinite"/>
                       </p:stCondLst>
                       <p:childTnLst>
                         <p:par>
-                          <p:cTn id="24" fill="hold">
+                          <p:cTn id="26" fill="hold">
                             <p:stCondLst>
                               <p:cond delay="0"/>
                             </p:stCondLst>
                             <p:childTnLst>
                               <p:par>
-                                <p:cTn id="25" presetID="1" presetClass="entr" presetSubtype="0" fill="hold" nodeType="clickEffect">
+                                <p:cTn id="27" presetID="1" presetClass="entr" presetSubtype="0" fill="hold" nodeType="clickEffect">
                                   <p:stCondLst>
                                     <p:cond delay="0"/>
                                   </p:stCondLst>
                                   <p:childTnLst>
                                     <p:set>
                                       <p:cBhvr>
-                                        <p:cTn id="26" dur="1" fill="hold">
+                                        <p:cTn id="28" dur="1" fill="hold">
                                           <p:stCondLst>
                                             <p:cond delay="0"/>
                                           </p:stCondLst>
@@ -13539,14 +13632,14 @@
                                 </p:cTn>
                               </p:par>
                               <p:par>
-                                <p:cTn id="27" presetID="1" presetClass="entr" presetSubtype="0" fill="hold" nodeType="withEffect">
+                                <p:cTn id="29" presetID="1" presetClass="entr" presetSubtype="0" fill="hold" nodeType="withEffect">
                                   <p:stCondLst>
                                     <p:cond delay="0"/>
                                   </p:stCondLst>
                                   <p:childTnLst>
                                     <p:set>
                                       <p:cBhvr>
-                                        <p:cTn id="28" dur="1" fill="hold">
+                                        <p:cTn id="30" dur="1" fill="hold">
                                           <p:stCondLst>
                                             <p:cond delay="0"/>
                                           </p:stCondLst>
@@ -13576,26 +13669,26 @@
                     </p:cTn>
                   </p:par>
                   <p:par>
-                    <p:cTn id="29" fill="hold">
+                    <p:cTn id="31" fill="hold">
                       <p:stCondLst>
                         <p:cond delay="indefinite"/>
                       </p:stCondLst>
                       <p:childTnLst>
                         <p:par>
-                          <p:cTn id="30" fill="hold">
+                          <p:cTn id="32" fill="hold">
                             <p:stCondLst>
                               <p:cond delay="0"/>
                             </p:stCondLst>
                             <p:childTnLst>
                               <p:par>
-                                <p:cTn id="31" presetID="1" presetClass="entr" presetSubtype="0" fill="hold" nodeType="clickEffect">
+                                <p:cTn id="33" presetID="1" presetClass="entr" presetSubtype="0" fill="hold" nodeType="clickEffect">
                                   <p:stCondLst>
                                     <p:cond delay="0"/>
                                   </p:stCondLst>
                                   <p:childTnLst>
                                     <p:set>
                                       <p:cBhvr>
-                                        <p:cTn id="32" dur="1" fill="hold">
+                                        <p:cTn id="34" dur="1" fill="hold">
                                           <p:stCondLst>
                                             <p:cond delay="0"/>
                                           </p:stCondLst>
@@ -13619,14 +13712,14 @@
                                 </p:cTn>
                               </p:par>
                               <p:par>
-                                <p:cTn id="33" presetID="1" presetClass="entr" presetSubtype="0" fill="hold" nodeType="withEffect">
+                                <p:cTn id="35" presetID="1" presetClass="entr" presetSubtype="0" fill="hold" nodeType="withEffect">
                                   <p:stCondLst>
                                     <p:cond delay="0"/>
                                   </p:stCondLst>
                                   <p:childTnLst>
                                     <p:set>
                                       <p:cBhvr>
-                                        <p:cTn id="34" dur="1" fill="hold">
+                                        <p:cTn id="36" dur="1" fill="hold">
                                           <p:stCondLst>
                                             <p:cond delay="0"/>
                                           </p:stCondLst>
@@ -13676,6 +13769,9 @@
         </p:cTn>
       </p:par>
     </p:tnLst>
+    <p:bldLst>
+      <p:bldP spid="6" grpId="0" uiExpand="1" build="allAtOnce" animBg="1"/>
+    </p:bldLst>
   </p:timing>
 </p:sld>
 </file>
@@ -21716,42 +21812,22 @@
                                   </p:childTnLst>
                                 </p:cTn>
                               </p:par>
-                            </p:childTnLst>
-                          </p:cTn>
-                        </p:par>
-                      </p:childTnLst>
-                    </p:cTn>
-                  </p:par>
-                  <p:par>
-                    <p:cTn id="7" fill="hold">
-                      <p:stCondLst>
-                        <p:cond delay="indefinite"/>
-                      </p:stCondLst>
-                      <p:childTnLst>
-                        <p:par>
-                          <p:cTn id="8" fill="hold">
-                            <p:stCondLst>
-                              <p:cond delay="0"/>
-                            </p:stCondLst>
-                            <p:childTnLst>
                               <p:par>
-                                <p:cTn id="9" presetID="1" presetClass="entr" presetSubtype="0" fill="hold" nodeType="clickEffect">
+                                <p:cTn id="7" presetID="1" presetClass="entr" presetSubtype="0" fill="hold" grpId="0" nodeType="withEffect">
                                   <p:stCondLst>
                                     <p:cond delay="0"/>
                                   </p:stCondLst>
                                   <p:childTnLst>
                                     <p:set>
                                       <p:cBhvr>
-                                        <p:cTn id="10" dur="1" fill="hold">
+                                        <p:cTn id="8" dur="1" fill="hold">
                                           <p:stCondLst>
                                             <p:cond delay="0"/>
                                           </p:stCondLst>
                                         </p:cTn>
                                         <p:tgtEl>
                                           <p:spTgt spid="6">
-                                            <p:txEl>
-                                              <p:pRg st="2" end="2"/>
-                                            </p:txEl>
+                                            <p:bg/>
                                           </p:spTgt>
                                         </p:tgtEl>
                                         <p:attrNameLst>
@@ -21765,8 +21841,26 @@
                                   </p:childTnLst>
                                 </p:cTn>
                               </p:par>
+                            </p:childTnLst>
+                          </p:cTn>
+                        </p:par>
+                      </p:childTnLst>
+                    </p:cTn>
+                  </p:par>
+                  <p:par>
+                    <p:cTn id="9" fill="hold">
+                      <p:stCondLst>
+                        <p:cond delay="indefinite"/>
+                      </p:stCondLst>
+                      <p:childTnLst>
+                        <p:par>
+                          <p:cTn id="10" fill="hold">
+                            <p:stCondLst>
+                              <p:cond delay="0"/>
+                            </p:stCondLst>
+                            <p:childTnLst>
                               <p:par>
-                                <p:cTn id="11" presetID="1" presetClass="entr" presetSubtype="0" fill="hold" nodeType="withEffect">
+                                <p:cTn id="11" presetID="1" presetClass="entr" presetSubtype="0" fill="hold" nodeType="clickEffect">
                                   <p:stCondLst>
                                     <p:cond delay="0"/>
                                   </p:stCondLst>
@@ -21781,7 +21875,7 @@
                                         <p:tgtEl>
                                           <p:spTgt spid="6">
                                             <p:txEl>
-                                              <p:pRg st="3" end="3"/>
+                                              <p:pRg st="2" end="2"/>
                                             </p:txEl>
                                           </p:spTgt>
                                         </p:tgtEl>
@@ -21812,6 +21906,37 @@
                                         <p:tgtEl>
                                           <p:spTgt spid="6">
                                             <p:txEl>
+                                              <p:pRg st="3" end="3"/>
+                                            </p:txEl>
+                                          </p:spTgt>
+                                        </p:tgtEl>
+                                        <p:attrNameLst>
+                                          <p:attrName>style.visibility</p:attrName>
+                                        </p:attrNameLst>
+                                      </p:cBhvr>
+                                      <p:to>
+                                        <p:strVal val="visible"/>
+                                      </p:to>
+                                    </p:set>
+                                  </p:childTnLst>
+                                </p:cTn>
+                              </p:par>
+                              <p:par>
+                                <p:cTn id="15" presetID="1" presetClass="entr" presetSubtype="0" fill="hold" nodeType="withEffect">
+                                  <p:stCondLst>
+                                    <p:cond delay="0"/>
+                                  </p:stCondLst>
+                                  <p:childTnLst>
+                                    <p:set>
+                                      <p:cBhvr>
+                                        <p:cTn id="16" dur="1" fill="hold">
+                                          <p:stCondLst>
+                                            <p:cond delay="0"/>
+                                          </p:stCondLst>
+                                        </p:cTn>
+                                        <p:tgtEl>
+                                          <p:spTgt spid="6">
+                                            <p:txEl>
                                               <p:pRg st="4" end="4"/>
                                             </p:txEl>
                                           </p:spTgt>
@@ -21828,14 +21953,14 @@
                                 </p:cTn>
                               </p:par>
                               <p:par>
-                                <p:cTn id="15" presetID="1" presetClass="entr" presetSubtype="0" fill="hold" grpId="0" nodeType="withEffect">
+                                <p:cTn id="17" presetID="1" presetClass="entr" presetSubtype="0" fill="hold" grpId="0" nodeType="withEffect">
                                   <p:stCondLst>
                                     <p:cond delay="0"/>
                                   </p:stCondLst>
                                   <p:childTnLst>
                                     <p:set>
                                       <p:cBhvr>
-                                        <p:cTn id="16" dur="1" fill="hold">
+                                        <p:cTn id="18" dur="1" fill="hold">
                                           <p:stCondLst>
                                             <p:cond delay="0"/>
                                           </p:stCondLst>
@@ -21871,14 +21996,14 @@
                                 </p:cTn>
                               </p:par>
                               <p:par>
-                                <p:cTn id="17" presetID="1" presetClass="entr" presetSubtype="0" fill="hold" nodeType="withEffect">
+                                <p:cTn id="19" presetID="1" presetClass="entr" presetSubtype="0" fill="hold" nodeType="withEffect">
                                   <p:stCondLst>
                                     <p:cond delay="0"/>
                                   </p:stCondLst>
                                   <p:childTnLst>
                                     <p:set>
                                       <p:cBhvr>
-                                        <p:cTn id="18" dur="1" fill="hold">
+                                        <p:cTn id="20" dur="1" fill="hold">
                                           <p:stCondLst>
                                             <p:cond delay="0"/>
                                           </p:stCondLst>
@@ -21914,33 +22039,6 @@
                                 </p:cTn>
                               </p:par>
                               <p:par>
-                                <p:cTn id="19" presetID="1" presetClass="entr" presetSubtype="0" fill="hold" grpId="0" nodeType="withEffect">
-                                  <p:stCondLst>
-                                    <p:cond delay="0"/>
-                                  </p:stCondLst>
-                                  <p:childTnLst>
-                                    <p:set>
-                                      <p:cBhvr>
-                                        <p:cTn id="20" dur="1" fill="hold">
-                                          <p:stCondLst>
-                                            <p:cond delay="0"/>
-                                          </p:stCondLst>
-                                        </p:cTn>
-                                        <p:tgtEl>
-                                          <p:spTgt spid="7"/>
-                                        </p:tgtEl>
-                                        <p:attrNameLst>
-                                          <p:attrName>style.visibility</p:attrName>
-                                        </p:attrNameLst>
-                                      </p:cBhvr>
-                                      <p:to>
-                                        <p:strVal val="visible"/>
-                                      </p:to>
-                                    </p:set>
-                                  </p:childTnLst>
-                                </p:cTn>
-                              </p:par>
-                              <p:par>
                                 <p:cTn id="21" presetID="1" presetClass="entr" presetSubtype="0" fill="hold" grpId="0" nodeType="withEffect">
                                   <p:stCondLst>
                                     <p:cond delay="0"/>
@@ -21954,7 +22052,7 @@
                                           </p:stCondLst>
                                         </p:cTn>
                                         <p:tgtEl>
-                                          <p:spTgt spid="8"/>
+                                          <p:spTgt spid="7"/>
                                         </p:tgtEl>
                                         <p:attrNameLst>
                                           <p:attrName>style.visibility</p:attrName>
@@ -21981,6 +22079,33 @@
                                           </p:stCondLst>
                                         </p:cTn>
                                         <p:tgtEl>
+                                          <p:spTgt spid="8"/>
+                                        </p:tgtEl>
+                                        <p:attrNameLst>
+                                          <p:attrName>style.visibility</p:attrName>
+                                        </p:attrNameLst>
+                                      </p:cBhvr>
+                                      <p:to>
+                                        <p:strVal val="visible"/>
+                                      </p:to>
+                                    </p:set>
+                                  </p:childTnLst>
+                                </p:cTn>
+                              </p:par>
+                              <p:par>
+                                <p:cTn id="25" presetID="1" presetClass="entr" presetSubtype="0" fill="hold" grpId="0" nodeType="withEffect">
+                                  <p:stCondLst>
+                                    <p:cond delay="0"/>
+                                  </p:stCondLst>
+                                  <p:childTnLst>
+                                    <p:set>
+                                      <p:cBhvr>
+                                        <p:cTn id="26" dur="1" fill="hold">
+                                          <p:stCondLst>
+                                            <p:cond delay="0"/>
+                                          </p:stCondLst>
+                                        </p:cTn>
+                                        <p:tgtEl>
                                           <p:spTgt spid="9"/>
                                         </p:tgtEl>
                                         <p:attrNameLst>
@@ -22001,26 +22126,26 @@
                     </p:cTn>
                   </p:par>
                   <p:par>
-                    <p:cTn id="25" fill="hold">
+                    <p:cTn id="27" fill="hold">
                       <p:stCondLst>
                         <p:cond delay="indefinite"/>
                       </p:stCondLst>
                       <p:childTnLst>
                         <p:par>
-                          <p:cTn id="26" fill="hold">
+                          <p:cTn id="28" fill="hold">
                             <p:stCondLst>
                               <p:cond delay="0"/>
                             </p:stCondLst>
                             <p:childTnLst>
                               <p:par>
-                                <p:cTn id="27" presetID="1" presetClass="entr" presetSubtype="0" fill="hold" nodeType="clickEffect">
+                                <p:cTn id="29" presetID="1" presetClass="entr" presetSubtype="0" fill="hold" nodeType="clickEffect">
                                   <p:stCondLst>
                                     <p:cond delay="0"/>
                                   </p:stCondLst>
                                   <p:childTnLst>
                                     <p:set>
                                       <p:cBhvr>
-                                        <p:cTn id="28" dur="1" fill="hold">
+                                        <p:cTn id="30" dur="1" fill="hold">
                                           <p:stCondLst>
                                             <p:cond delay="0"/>
                                           </p:stCondLst>
@@ -22044,14 +22169,14 @@
                                 </p:cTn>
                               </p:par>
                               <p:par>
-                                <p:cTn id="29" presetID="1" presetClass="entr" presetSubtype="0" fill="hold" nodeType="withEffect">
+                                <p:cTn id="31" presetID="1" presetClass="entr" presetSubtype="0" fill="hold" nodeType="withEffect">
                                   <p:stCondLst>
                                     <p:cond delay="0"/>
                                   </p:stCondLst>
                                   <p:childTnLst>
                                     <p:set>
                                       <p:cBhvr>
-                                        <p:cTn id="30" dur="1" fill="hold">
+                                        <p:cTn id="32" dur="1" fill="hold">
                                           <p:stCondLst>
                                             <p:cond delay="0"/>
                                           </p:stCondLst>
@@ -22075,14 +22200,14 @@
                                 </p:cTn>
                               </p:par>
                               <p:par>
-                                <p:cTn id="31" presetID="1" presetClass="entr" presetSubtype="0" fill="hold" grpId="0" nodeType="withEffect">
+                                <p:cTn id="33" presetID="1" presetClass="entr" presetSubtype="0" fill="hold" grpId="0" nodeType="withEffect">
                                   <p:stCondLst>
                                     <p:cond delay="0"/>
                                   </p:stCondLst>
                                   <p:childTnLst>
                                     <p:set>
                                       <p:cBhvr>
-                                        <p:cTn id="32" dur="1" fill="hold">
+                                        <p:cTn id="34" dur="1" fill="hold">
                                           <p:stCondLst>
                                             <p:cond delay="0"/>
                                           </p:stCondLst>
@@ -22118,14 +22243,14 @@
                                 </p:cTn>
                               </p:par>
                               <p:par>
-                                <p:cTn id="33" presetID="1" presetClass="entr" presetSubtype="0" fill="hold" nodeType="withEffect">
+                                <p:cTn id="35" presetID="1" presetClass="entr" presetSubtype="0" fill="hold" nodeType="withEffect">
                                   <p:stCondLst>
                                     <p:cond delay="0"/>
                                   </p:stCondLst>
                                   <p:childTnLst>
                                     <p:set>
                                       <p:cBhvr>
-                                        <p:cTn id="34" dur="1" fill="hold">
+                                        <p:cTn id="36" dur="1" fill="hold">
                                           <p:stCondLst>
                                             <p:cond delay="0"/>
                                           </p:stCondLst>
@@ -22167,26 +22292,26 @@
                     </p:cTn>
                   </p:par>
                   <p:par>
-                    <p:cTn id="35" fill="hold">
+                    <p:cTn id="37" fill="hold">
                       <p:stCondLst>
                         <p:cond delay="indefinite"/>
                       </p:stCondLst>
                       <p:childTnLst>
                         <p:par>
-                          <p:cTn id="36" fill="hold">
+                          <p:cTn id="38" fill="hold">
                             <p:stCondLst>
                               <p:cond delay="0"/>
                             </p:stCondLst>
                             <p:childTnLst>
                               <p:par>
-                                <p:cTn id="37" presetID="1" presetClass="entr" presetSubtype="0" fill="hold" nodeType="clickEffect">
+                                <p:cTn id="39" presetID="1" presetClass="entr" presetSubtype="0" fill="hold" nodeType="clickEffect">
                                   <p:stCondLst>
                                     <p:cond delay="0"/>
                                   </p:stCondLst>
                                   <p:childTnLst>
                                     <p:set>
                                       <p:cBhvr>
-                                        <p:cTn id="38" dur="1" fill="hold">
+                                        <p:cTn id="40" dur="1" fill="hold">
                                           <p:stCondLst>
                                             <p:cond delay="0"/>
                                           </p:stCondLst>
@@ -22210,14 +22335,14 @@
                                 </p:cTn>
                               </p:par>
                               <p:par>
-                                <p:cTn id="39" presetID="1" presetClass="entr" presetSubtype="0" fill="hold" nodeType="withEffect">
+                                <p:cTn id="41" presetID="1" presetClass="entr" presetSubtype="0" fill="hold" nodeType="withEffect">
                                   <p:stCondLst>
                                     <p:cond delay="0"/>
                                   </p:stCondLst>
                                   <p:childTnLst>
                                     <p:set>
                                       <p:cBhvr>
-                                        <p:cTn id="40" dur="1" fill="hold">
+                                        <p:cTn id="42" dur="1" fill="hold">
                                           <p:stCondLst>
                                             <p:cond delay="0"/>
                                           </p:stCondLst>
@@ -22241,14 +22366,14 @@
                                 </p:cTn>
                               </p:par>
                               <p:par>
-                                <p:cTn id="41" presetID="1" presetClass="entr" presetSubtype="0" fill="hold" grpId="0" nodeType="withEffect">
+                                <p:cTn id="43" presetID="1" presetClass="entr" presetSubtype="0" fill="hold" grpId="0" nodeType="withEffect">
                                   <p:stCondLst>
                                     <p:cond delay="0"/>
                                   </p:stCondLst>
                                   <p:childTnLst>
                                     <p:set>
                                       <p:cBhvr>
-                                        <p:cTn id="42" dur="1" fill="hold">
+                                        <p:cTn id="44" dur="1" fill="hold">
                                           <p:stCondLst>
                                             <p:cond delay="0"/>
                                           </p:stCondLst>
@@ -22284,14 +22409,14 @@
                                 </p:cTn>
                               </p:par>
                               <p:par>
-                                <p:cTn id="43" presetID="1" presetClass="entr" presetSubtype="0" fill="hold" nodeType="withEffect">
+                                <p:cTn id="45" presetID="1" presetClass="entr" presetSubtype="0" fill="hold" nodeType="withEffect">
                                   <p:stCondLst>
                                     <p:cond delay="0"/>
                                   </p:stCondLst>
                                   <p:childTnLst>
                                     <p:set>
                                       <p:cBhvr>
-                                        <p:cTn id="44" dur="1" fill="hold">
+                                        <p:cTn id="46" dur="1" fill="hold">
                                           <p:stCondLst>
                                             <p:cond delay="0"/>
                                           </p:stCondLst>
@@ -22317,50 +22442,19 @@
                     </p:cTn>
                   </p:par>
                   <p:par>
-                    <p:cTn id="45" fill="hold">
+                    <p:cTn id="47" fill="hold">
                       <p:stCondLst>
                         <p:cond delay="indefinite"/>
                       </p:stCondLst>
                       <p:childTnLst>
                         <p:par>
-                          <p:cTn id="46" fill="hold">
+                          <p:cTn id="48" fill="hold">
                             <p:stCondLst>
                               <p:cond delay="0"/>
                             </p:stCondLst>
                             <p:childTnLst>
                               <p:par>
-                                <p:cTn id="47" presetID="1" presetClass="entr" presetSubtype="0" fill="hold" nodeType="clickEffect">
-                                  <p:stCondLst>
-                                    <p:cond delay="0"/>
-                                  </p:stCondLst>
-                                  <p:childTnLst>
-                                    <p:set>
-                                      <p:cBhvr>
-                                        <p:cTn id="48" dur="1" fill="hold">
-                                          <p:stCondLst>
-                                            <p:cond delay="0"/>
-                                          </p:stCondLst>
-                                        </p:cTn>
-                                        <p:tgtEl>
-                                          <p:spTgt spid="6">
-                                            <p:txEl>
-                                              <p:pRg st="11" end="11"/>
-                                            </p:txEl>
-                                          </p:spTgt>
-                                        </p:tgtEl>
-                                        <p:attrNameLst>
-                                          <p:attrName>style.visibility</p:attrName>
-                                        </p:attrNameLst>
-                                      </p:cBhvr>
-                                      <p:to>
-                                        <p:strVal val="visible"/>
-                                      </p:to>
-                                    </p:set>
-                                  </p:childTnLst>
-                                </p:cTn>
-                              </p:par>
-                              <p:par>
-                                <p:cTn id="49" presetID="1" presetClass="entr" presetSubtype="0" fill="hold" nodeType="withEffect">
+                                <p:cTn id="49" presetID="1" presetClass="entr" presetSubtype="0" fill="hold" nodeType="clickEffect">
                                   <p:stCondLst>
                                     <p:cond delay="0"/>
                                   </p:stCondLst>
@@ -22375,7 +22469,7 @@
                                         <p:tgtEl>
                                           <p:spTgt spid="6">
                                             <p:txEl>
-                                              <p:pRg st="12" end="12"/>
+                                              <p:pRg st="11" end="11"/>
                                             </p:txEl>
                                           </p:spTgt>
                                         </p:tgtEl>
@@ -22406,6 +22500,37 @@
                                         <p:tgtEl>
                                           <p:spTgt spid="6">
                                             <p:txEl>
+                                              <p:pRg st="12" end="12"/>
+                                            </p:txEl>
+                                          </p:spTgt>
+                                        </p:tgtEl>
+                                        <p:attrNameLst>
+                                          <p:attrName>style.visibility</p:attrName>
+                                        </p:attrNameLst>
+                                      </p:cBhvr>
+                                      <p:to>
+                                        <p:strVal val="visible"/>
+                                      </p:to>
+                                    </p:set>
+                                  </p:childTnLst>
+                                </p:cTn>
+                              </p:par>
+                              <p:par>
+                                <p:cTn id="53" presetID="1" presetClass="entr" presetSubtype="0" fill="hold" nodeType="withEffect">
+                                  <p:stCondLst>
+                                    <p:cond delay="0"/>
+                                  </p:stCondLst>
+                                  <p:childTnLst>
+                                    <p:set>
+                                      <p:cBhvr>
+                                        <p:cTn id="54" dur="1" fill="hold">
+                                          <p:stCondLst>
+                                            <p:cond delay="0"/>
+                                          </p:stCondLst>
+                                        </p:cTn>
+                                        <p:tgtEl>
+                                          <p:spTgt spid="6">
+                                            <p:txEl>
                                               <p:pRg st="13" end="13"/>
                                             </p:txEl>
                                           </p:spTgt>
@@ -22422,14 +22547,14 @@
                                 </p:cTn>
                               </p:par>
                               <p:par>
-                                <p:cTn id="53" presetID="1" presetClass="entr" presetSubtype="0" fill="hold" grpId="0" nodeType="withEffect">
+                                <p:cTn id="55" presetID="1" presetClass="entr" presetSubtype="0" fill="hold" grpId="0" nodeType="withEffect">
                                   <p:stCondLst>
                                     <p:cond delay="0"/>
                                   </p:stCondLst>
                                   <p:childTnLst>
                                     <p:set>
                                       <p:cBhvr>
-                                        <p:cTn id="54" dur="1" fill="hold">
+                                        <p:cTn id="56" dur="1" fill="hold">
                                           <p:stCondLst>
                                             <p:cond delay="0"/>
                                           </p:stCondLst>
@@ -22455,50 +22580,19 @@
                     </p:cTn>
                   </p:par>
                   <p:par>
-                    <p:cTn id="55" fill="hold">
+                    <p:cTn id="57" fill="hold">
                       <p:stCondLst>
                         <p:cond delay="indefinite"/>
                       </p:stCondLst>
                       <p:childTnLst>
                         <p:par>
-                          <p:cTn id="56" fill="hold">
+                          <p:cTn id="58" fill="hold">
                             <p:stCondLst>
                               <p:cond delay="0"/>
                             </p:stCondLst>
                             <p:childTnLst>
                               <p:par>
-                                <p:cTn id="57" presetID="1" presetClass="entr" presetSubtype="0" fill="hold" nodeType="clickEffect">
-                                  <p:stCondLst>
-                                    <p:cond delay="0"/>
-                                  </p:stCondLst>
-                                  <p:childTnLst>
-                                    <p:set>
-                                      <p:cBhvr>
-                                        <p:cTn id="58" dur="1" fill="hold">
-                                          <p:stCondLst>
-                                            <p:cond delay="0"/>
-                                          </p:stCondLst>
-                                        </p:cTn>
-                                        <p:tgtEl>
-                                          <p:spTgt spid="6">
-                                            <p:txEl>
-                                              <p:pRg st="15" end="15"/>
-                                            </p:txEl>
-                                          </p:spTgt>
-                                        </p:tgtEl>
-                                        <p:attrNameLst>
-                                          <p:attrName>style.visibility</p:attrName>
-                                        </p:attrNameLst>
-                                      </p:cBhvr>
-                                      <p:to>
-                                        <p:strVal val="visible"/>
-                                      </p:to>
-                                    </p:set>
-                                  </p:childTnLst>
-                                </p:cTn>
-                              </p:par>
-                              <p:par>
-                                <p:cTn id="59" presetID="1" presetClass="entr" presetSubtype="0" fill="hold" nodeType="withEffect">
+                                <p:cTn id="59" presetID="1" presetClass="entr" presetSubtype="0" fill="hold" nodeType="clickEffect">
                                   <p:stCondLst>
                                     <p:cond delay="0"/>
                                   </p:stCondLst>
@@ -22513,7 +22607,7 @@
                                         <p:tgtEl>
                                           <p:spTgt spid="6">
                                             <p:txEl>
-                                              <p:pRg st="16" end="16"/>
+                                              <p:pRg st="15" end="15"/>
                                             </p:txEl>
                                           </p:spTgt>
                                         </p:tgtEl>
@@ -22544,7 +22638,7 @@
                                         <p:tgtEl>
                                           <p:spTgt spid="6">
                                             <p:txEl>
-                                              <p:pRg st="17" end="17"/>
+                                              <p:pRg st="16" end="16"/>
                                             </p:txEl>
                                           </p:spTgt>
                                         </p:tgtEl>
@@ -22568,6 +22662,37 @@
                                     <p:set>
                                       <p:cBhvr>
                                         <p:cTn id="64" dur="1" fill="hold">
+                                          <p:stCondLst>
+                                            <p:cond delay="0"/>
+                                          </p:stCondLst>
+                                        </p:cTn>
+                                        <p:tgtEl>
+                                          <p:spTgt spid="6">
+                                            <p:txEl>
+                                              <p:pRg st="17" end="17"/>
+                                            </p:txEl>
+                                          </p:spTgt>
+                                        </p:tgtEl>
+                                        <p:attrNameLst>
+                                          <p:attrName>style.visibility</p:attrName>
+                                        </p:attrNameLst>
+                                      </p:cBhvr>
+                                      <p:to>
+                                        <p:strVal val="visible"/>
+                                      </p:to>
+                                    </p:set>
+                                  </p:childTnLst>
+                                </p:cTn>
+                              </p:par>
+                              <p:par>
+                                <p:cTn id="65" presetID="1" presetClass="entr" presetSubtype="0" fill="hold" nodeType="withEffect">
+                                  <p:stCondLst>
+                                    <p:cond delay="0"/>
+                                  </p:stCondLst>
+                                  <p:childTnLst>
+                                    <p:set>
+                                      <p:cBhvr>
+                                        <p:cTn id="66" dur="1" fill="hold">
                                           <p:stCondLst>
                                             <p:cond delay="0"/>
                                           </p:stCondLst>
@@ -22618,6 +22743,7 @@
       </p:par>
     </p:tnLst>
     <p:bldLst>
+      <p:bldP spid="6" grpId="0" uiExpand="1" build="allAtOnce" animBg="1"/>
       <p:bldP spid="7" grpId="0" animBg="1"/>
       <p:bldP spid="8" grpId="0" animBg="1"/>
       <p:bldP spid="9" grpId="0" animBg="1"/>
@@ -29760,26 +29886,6 @@
                                       </p:to>
                                     </p:set>
                                   </p:childTnLst>
-                                  <p:subTnLst>
-                                    <p:animClr clrSpc="rgb" dir="cw">
-                                      <p:cBhvr override="childStyle">
-                                        <p:cTn dur="1" fill="hold" display="0" masterRel="nextClick" afterEffect="1"/>
-                                        <p:tgtEl>
-                                          <p:spTgt spid="3">
-                                            <p:txEl>
-                                              <p:pRg st="0" end="0"/>
-                                            </p:txEl>
-                                          </p:spTgt>
-                                        </p:tgtEl>
-                                        <p:attrNameLst>
-                                          <p:attrName>ppt_c</p:attrName>
-                                        </p:attrNameLst>
-                                      </p:cBhvr>
-                                      <p:to>
-                                        <a:schemeClr val="folHlink"/>
-                                      </p:to>
-                                    </p:animClr>
-                                  </p:subTnLst>
                                 </p:cTn>
                               </p:par>
                             </p:childTnLst>
@@ -29829,26 +29935,6 @@
                                       </p:to>
                                     </p:set>
                                   </p:childTnLst>
-                                  <p:subTnLst>
-                                    <p:animClr clrSpc="rgb" dir="cw">
-                                      <p:cBhvr override="childStyle">
-                                        <p:cTn dur="1" fill="hold" display="0" masterRel="nextClick" afterEffect="1"/>
-                                        <p:tgtEl>
-                                          <p:spTgt spid="3">
-                                            <p:txEl>
-                                              <p:pRg st="1" end="1"/>
-                                            </p:txEl>
-                                          </p:spTgt>
-                                        </p:tgtEl>
-                                        <p:attrNameLst>
-                                          <p:attrName>ppt_c</p:attrName>
-                                        </p:attrNameLst>
-                                      </p:cBhvr>
-                                      <p:to>
-                                        <a:schemeClr val="folHlink"/>
-                                      </p:to>
-                                    </p:animClr>
-                                  </p:subTnLst>
                                 </p:cTn>
                               </p:par>
                               <p:par>
@@ -29880,26 +29966,6 @@
                                       </p:to>
                                     </p:set>
                                   </p:childTnLst>
-                                  <p:subTnLst>
-                                    <p:animClr clrSpc="rgb" dir="cw">
-                                      <p:cBhvr override="childStyle">
-                                        <p:cTn dur="1" fill="hold" display="0" masterRel="nextClick" afterEffect="1"/>
-                                        <p:tgtEl>
-                                          <p:spTgt spid="3">
-                                            <p:txEl>
-                                              <p:pRg st="2" end="2"/>
-                                            </p:txEl>
-                                          </p:spTgt>
-                                        </p:tgtEl>
-                                        <p:attrNameLst>
-                                          <p:attrName>ppt_c</p:attrName>
-                                        </p:attrNameLst>
-                                      </p:cBhvr>
-                                      <p:to>
-                                        <a:schemeClr val="folHlink"/>
-                                      </p:to>
-                                    </p:animClr>
-                                  </p:subTnLst>
                                 </p:cTn>
                               </p:par>
                               <p:par>
@@ -29931,26 +29997,6 @@
                                       </p:to>
                                     </p:set>
                                   </p:childTnLst>
-                                  <p:subTnLst>
-                                    <p:animClr clrSpc="rgb" dir="cw">
-                                      <p:cBhvr override="childStyle">
-                                        <p:cTn dur="1" fill="hold" display="0" masterRel="nextClick" afterEffect="1"/>
-                                        <p:tgtEl>
-                                          <p:spTgt spid="3">
-                                            <p:txEl>
-                                              <p:pRg st="3" end="3"/>
-                                            </p:txEl>
-                                          </p:spTgt>
-                                        </p:tgtEl>
-                                        <p:attrNameLst>
-                                          <p:attrName>ppt_c</p:attrName>
-                                        </p:attrNameLst>
-                                      </p:cBhvr>
-                                      <p:to>
-                                        <a:schemeClr val="folHlink"/>
-                                      </p:to>
-                                    </p:animClr>
-                                  </p:subTnLst>
                                 </p:cTn>
                               </p:par>
                               <p:par>
@@ -29982,26 +30028,6 @@
                                       </p:to>
                                     </p:set>
                                   </p:childTnLst>
-                                  <p:subTnLst>
-                                    <p:animClr clrSpc="rgb" dir="cw">
-                                      <p:cBhvr override="childStyle">
-                                        <p:cTn dur="1" fill="hold" display="0" masterRel="nextClick" afterEffect="1"/>
-                                        <p:tgtEl>
-                                          <p:spTgt spid="3">
-                                            <p:txEl>
-                                              <p:pRg st="4" end="4"/>
-                                            </p:txEl>
-                                          </p:spTgt>
-                                        </p:tgtEl>
-                                        <p:attrNameLst>
-                                          <p:attrName>ppt_c</p:attrName>
-                                        </p:attrNameLst>
-                                      </p:cBhvr>
-                                      <p:to>
-                                        <a:schemeClr val="folHlink"/>
-                                      </p:to>
-                                    </p:animClr>
-                                  </p:subTnLst>
                                 </p:cTn>
                               </p:par>
                               <p:par>
@@ -30033,26 +30059,6 @@
                                       </p:to>
                                     </p:set>
                                   </p:childTnLst>
-                                  <p:subTnLst>
-                                    <p:animClr clrSpc="rgb" dir="cw">
-                                      <p:cBhvr override="childStyle">
-                                        <p:cTn dur="1" fill="hold" display="0" masterRel="nextClick" afterEffect="1"/>
-                                        <p:tgtEl>
-                                          <p:spTgt spid="3">
-                                            <p:txEl>
-                                              <p:pRg st="5" end="5"/>
-                                            </p:txEl>
-                                          </p:spTgt>
-                                        </p:tgtEl>
-                                        <p:attrNameLst>
-                                          <p:attrName>ppt_c</p:attrName>
-                                        </p:attrNameLst>
-                                      </p:cBhvr>
-                                      <p:to>
-                                        <a:schemeClr val="folHlink"/>
-                                      </p:to>
-                                    </p:animClr>
-                                  </p:subTnLst>
                                 </p:cTn>
                               </p:par>
                               <p:par>
@@ -30084,26 +30090,6 @@
                                       </p:to>
                                     </p:set>
                                   </p:childTnLst>
-                                  <p:subTnLst>
-                                    <p:animClr clrSpc="rgb" dir="cw">
-                                      <p:cBhvr override="childStyle">
-                                        <p:cTn dur="1" fill="hold" display="0" masterRel="nextClick" afterEffect="1"/>
-                                        <p:tgtEl>
-                                          <p:spTgt spid="3">
-                                            <p:txEl>
-                                              <p:pRg st="6" end="6"/>
-                                            </p:txEl>
-                                          </p:spTgt>
-                                        </p:tgtEl>
-                                        <p:attrNameLst>
-                                          <p:attrName>ppt_c</p:attrName>
-                                        </p:attrNameLst>
-                                      </p:cBhvr>
-                                      <p:to>
-                                        <a:schemeClr val="folHlink"/>
-                                      </p:to>
-                                    </p:animClr>
-                                  </p:subTnLst>
                                 </p:cTn>
                               </p:par>
                             </p:childTnLst>
@@ -30153,26 +30139,6 @@
                                       </p:to>
                                     </p:set>
                                   </p:childTnLst>
-                                  <p:subTnLst>
-                                    <p:animClr clrSpc="rgb" dir="cw">
-                                      <p:cBhvr override="childStyle">
-                                        <p:cTn dur="1" fill="hold" display="0" masterRel="nextClick" afterEffect="1"/>
-                                        <p:tgtEl>
-                                          <p:spTgt spid="3">
-                                            <p:txEl>
-                                              <p:pRg st="7" end="7"/>
-                                            </p:txEl>
-                                          </p:spTgt>
-                                        </p:tgtEl>
-                                        <p:attrNameLst>
-                                          <p:attrName>ppt_c</p:attrName>
-                                        </p:attrNameLst>
-                                      </p:cBhvr>
-                                      <p:to>
-                                        <a:schemeClr val="folHlink"/>
-                                      </p:to>
-                                    </p:animClr>
-                                  </p:subTnLst>
                                 </p:cTn>
                               </p:par>
                             </p:childTnLst>
@@ -30222,26 +30188,6 @@
                                       </p:to>
                                     </p:set>
                                   </p:childTnLst>
-                                  <p:subTnLst>
-                                    <p:animClr clrSpc="rgb" dir="cw">
-                                      <p:cBhvr override="childStyle">
-                                        <p:cTn dur="1" fill="hold" display="0" masterRel="nextClick" afterEffect="1"/>
-                                        <p:tgtEl>
-                                          <p:spTgt spid="3">
-                                            <p:txEl>
-                                              <p:pRg st="8" end="8"/>
-                                            </p:txEl>
-                                          </p:spTgt>
-                                        </p:tgtEl>
-                                        <p:attrNameLst>
-                                          <p:attrName>ppt_c</p:attrName>
-                                        </p:attrNameLst>
-                                      </p:cBhvr>
-                                      <p:to>
-                                        <a:schemeClr val="folHlink"/>
-                                      </p:to>
-                                    </p:animClr>
-                                  </p:subTnLst>
                                 </p:cTn>
                               </p:par>
                             </p:childTnLst>
@@ -30321,8 +30267,8 @@
           </a:p>
         </p:txBody>
       </p:sp>
-      <mc:AlternateContent xmlns:mc="http://schemas.openxmlformats.org/markup-compatibility/2006" xmlns:a14="http://schemas.microsoft.com/office/drawing/2010/main">
-        <mc:Choice Requires="a14">
+      <mc:AlternateContent xmlns:mc="http://schemas.openxmlformats.org/markup-compatibility/2006">
+        <mc:Choice xmlns:a14="http://schemas.microsoft.com/office/drawing/2010/main" Requires="a14">
           <p:sp>
             <p:nvSpPr>
               <p:cNvPr id="3" name="내용 개체 틀 2">
@@ -30341,8 +30287,8 @@
             </p:nvSpPr>
             <p:spPr>
               <a:xfrm>
-                <a:off x="5303912" y="2353997"/>
-                <a:ext cx="6097085" cy="2150006"/>
+                <a:off x="5480746" y="1638182"/>
+                <a:ext cx="6097085" cy="3202324"/>
               </a:xfrm>
             </p:spPr>
             <p:txBody>
@@ -30423,10 +30369,16 @@
                   <a:t>With default camera, only the vertices in NDC are drawn (shown)</a:t>
                 </a:r>
               </a:p>
+              <a:p>
+                <a:r>
+                  <a:rPr lang="en-US" altLang="ko-KR" sz="2400" dirty="0"/>
+                  <a:t>gl_position: the return value of the vertex shader should be NDC</a:t>
+                </a:r>
+              </a:p>
             </p:txBody>
           </p:sp>
         </mc:Choice>
-        <mc:Fallback xmlns="">
+        <mc:Fallback>
           <p:sp>
             <p:nvSpPr>
               <p:cNvPr id="3" name="내용 개체 틀 2">
@@ -30445,13 +30397,13 @@
             </p:nvSpPr>
             <p:spPr>
               <a:xfrm>
-                <a:off x="5303912" y="2353997"/>
-                <a:ext cx="6097085" cy="2150006"/>
+                <a:off x="5480746" y="1638182"/>
+                <a:ext cx="6097085" cy="3202324"/>
               </a:xfrm>
               <a:blipFill>
                 <a:blip r:embed="rId3"/>
                 <a:stretch>
-                  <a:fillRect l="-1455" t="-1176" r="-1040"/>
+                  <a:fillRect l="-1455" t="-791" r="-1040"/>
                 </a:stretch>
               </a:blipFill>
             </p:spPr>
@@ -30736,6 +30688,55 @@
                       </p:childTnLst>
                     </p:cTn>
                   </p:par>
+                  <p:par>
+                    <p:cTn id="15" fill="hold">
+                      <p:stCondLst>
+                        <p:cond delay="indefinite"/>
+                      </p:stCondLst>
+                      <p:childTnLst>
+                        <p:par>
+                          <p:cTn id="16" fill="hold">
+                            <p:stCondLst>
+                              <p:cond delay="0"/>
+                            </p:stCondLst>
+                            <p:childTnLst>
+                              <p:par>
+                                <p:cTn id="17" presetID="1" presetClass="entr" presetSubtype="0" fill="hold" nodeType="clickEffect">
+                                  <p:stCondLst>
+                                    <p:cond delay="0"/>
+                                  </p:stCondLst>
+                                  <p:childTnLst>
+                                    <p:set>
+                                      <p:cBhvr>
+                                        <p:cTn id="18" dur="1" fill="hold">
+                                          <p:stCondLst>
+                                            <p:cond delay="0"/>
+                                          </p:stCondLst>
+                                        </p:cTn>
+                                        <p:tgtEl>
+                                          <p:spTgt spid="3">
+                                            <p:txEl>
+                                              <p:pRg st="3" end="3"/>
+                                            </p:txEl>
+                                          </p:spTgt>
+                                        </p:tgtEl>
+                                        <p:attrNameLst>
+                                          <p:attrName>style.visibility</p:attrName>
+                                        </p:attrNameLst>
+                                      </p:cBhvr>
+                                      <p:to>
+                                        <p:strVal val="visible"/>
+                                      </p:to>
+                                    </p:set>
+                                  </p:childTnLst>
+                                </p:cTn>
+                              </p:par>
+                            </p:childTnLst>
+                          </p:cTn>
+                        </p:par>
+                      </p:childTnLst>
+                    </p:cTn>
+                  </p:par>
                 </p:childTnLst>
               </p:cTn>
               <p:prevCondLst>
@@ -31028,26 +31029,6 @@
                                       </p:to>
                                     </p:set>
                                   </p:childTnLst>
-                                  <p:subTnLst>
-                                    <p:animClr clrSpc="rgb" dir="cw">
-                                      <p:cBhvr override="childStyle">
-                                        <p:cTn dur="1" fill="hold" display="0" masterRel="nextClick" afterEffect="1"/>
-                                        <p:tgtEl>
-                                          <p:spTgt spid="3">
-                                            <p:txEl>
-                                              <p:pRg st="0" end="0"/>
-                                            </p:txEl>
-                                          </p:spTgt>
-                                        </p:tgtEl>
-                                        <p:attrNameLst>
-                                          <p:attrName>ppt_c</p:attrName>
-                                        </p:attrNameLst>
-                                      </p:cBhvr>
-                                      <p:to>
-                                        <a:schemeClr val="folHlink"/>
-                                      </p:to>
-                                    </p:animClr>
-                                  </p:subTnLst>
                                 </p:cTn>
                               </p:par>
                               <p:par>
@@ -31079,26 +31060,6 @@
                                       </p:to>
                                     </p:set>
                                   </p:childTnLst>
-                                  <p:subTnLst>
-                                    <p:animClr clrSpc="rgb" dir="cw">
-                                      <p:cBhvr override="childStyle">
-                                        <p:cTn dur="1" fill="hold" display="0" masterRel="nextClick" afterEffect="1"/>
-                                        <p:tgtEl>
-                                          <p:spTgt spid="3">
-                                            <p:txEl>
-                                              <p:pRg st="1" end="1"/>
-                                            </p:txEl>
-                                          </p:spTgt>
-                                        </p:tgtEl>
-                                        <p:attrNameLst>
-                                          <p:attrName>ppt_c</p:attrName>
-                                        </p:attrNameLst>
-                                      </p:cBhvr>
-                                      <p:to>
-                                        <a:schemeClr val="folHlink"/>
-                                      </p:to>
-                                    </p:animClr>
-                                  </p:subTnLst>
                                 </p:cTn>
                               </p:par>
                             </p:childTnLst>
@@ -31148,26 +31109,6 @@
                                       </p:to>
                                     </p:set>
                                   </p:childTnLst>
-                                  <p:subTnLst>
-                                    <p:animClr clrSpc="rgb" dir="cw">
-                                      <p:cBhvr override="childStyle">
-                                        <p:cTn dur="1" fill="hold" display="0" masterRel="nextClick" afterEffect="1"/>
-                                        <p:tgtEl>
-                                          <p:spTgt spid="3">
-                                            <p:txEl>
-                                              <p:pRg st="2" end="2"/>
-                                            </p:txEl>
-                                          </p:spTgt>
-                                        </p:tgtEl>
-                                        <p:attrNameLst>
-                                          <p:attrName>ppt_c</p:attrName>
-                                        </p:attrNameLst>
-                                      </p:cBhvr>
-                                      <p:to>
-                                        <a:schemeClr val="folHlink"/>
-                                      </p:to>
-                                    </p:animClr>
-                                  </p:subTnLst>
                                 </p:cTn>
                               </p:par>
                             </p:childTnLst>
@@ -31217,26 +31158,6 @@
                                       </p:to>
                                     </p:set>
                                   </p:childTnLst>
-                                  <p:subTnLst>
-                                    <p:animClr clrSpc="rgb" dir="cw">
-                                      <p:cBhvr override="childStyle">
-                                        <p:cTn dur="1" fill="hold" display="0" masterRel="nextClick" afterEffect="1"/>
-                                        <p:tgtEl>
-                                          <p:spTgt spid="3">
-                                            <p:txEl>
-                                              <p:pRg st="3" end="3"/>
-                                            </p:txEl>
-                                          </p:spTgt>
-                                        </p:tgtEl>
-                                        <p:attrNameLst>
-                                          <p:attrName>ppt_c</p:attrName>
-                                        </p:attrNameLst>
-                                      </p:cBhvr>
-                                      <p:to>
-                                        <a:schemeClr val="folHlink"/>
-                                      </p:to>
-                                    </p:animClr>
-                                  </p:subTnLst>
                                 </p:cTn>
                               </p:par>
                             </p:childTnLst>
@@ -31286,26 +31207,6 @@
                                       </p:to>
                                     </p:set>
                                   </p:childTnLst>
-                                  <p:subTnLst>
-                                    <p:animClr clrSpc="rgb" dir="cw">
-                                      <p:cBhvr override="childStyle">
-                                        <p:cTn dur="1" fill="hold" display="0" masterRel="nextClick" afterEffect="1"/>
-                                        <p:tgtEl>
-                                          <p:spTgt spid="3">
-                                            <p:txEl>
-                                              <p:pRg st="4" end="4"/>
-                                            </p:txEl>
-                                          </p:spTgt>
-                                        </p:tgtEl>
-                                        <p:attrNameLst>
-                                          <p:attrName>ppt_c</p:attrName>
-                                        </p:attrNameLst>
-                                      </p:cBhvr>
-                                      <p:to>
-                                        <a:schemeClr val="folHlink"/>
-                                      </p:to>
-                                    </p:animClr>
-                                  </p:subTnLst>
                                 </p:cTn>
                               </p:par>
                             </p:childTnLst>
@@ -31355,26 +31256,6 @@
                                       </p:to>
                                     </p:set>
                                   </p:childTnLst>
-                                  <p:subTnLst>
-                                    <p:animClr clrSpc="rgb" dir="cw">
-                                      <p:cBhvr override="childStyle">
-                                        <p:cTn dur="1" fill="hold" display="0" masterRel="nextClick" afterEffect="1"/>
-                                        <p:tgtEl>
-                                          <p:spTgt spid="3">
-                                            <p:txEl>
-                                              <p:pRg st="5" end="5"/>
-                                            </p:txEl>
-                                          </p:spTgt>
-                                        </p:tgtEl>
-                                        <p:attrNameLst>
-                                          <p:attrName>ppt_c</p:attrName>
-                                        </p:attrNameLst>
-                                      </p:cBhvr>
-                                      <p:to>
-                                        <a:schemeClr val="folHlink"/>
-                                      </p:to>
-                                    </p:animClr>
-                                  </p:subTnLst>
                                 </p:cTn>
                               </p:par>
                             </p:childTnLst>
@@ -31424,26 +31305,6 @@
                                       </p:to>
                                     </p:set>
                                   </p:childTnLst>
-                                  <p:subTnLst>
-                                    <p:animClr clrSpc="rgb" dir="cw">
-                                      <p:cBhvr override="childStyle">
-                                        <p:cTn dur="1" fill="hold" display="0" masterRel="nextClick" afterEffect="1"/>
-                                        <p:tgtEl>
-                                          <p:spTgt spid="3">
-                                            <p:txEl>
-                                              <p:pRg st="6" end="6"/>
-                                            </p:txEl>
-                                          </p:spTgt>
-                                        </p:tgtEl>
-                                        <p:attrNameLst>
-                                          <p:attrName>ppt_c</p:attrName>
-                                        </p:attrNameLst>
-                                      </p:cBhvr>
-                                      <p:to>
-                                        <a:schemeClr val="folHlink"/>
-                                      </p:to>
-                                    </p:animClr>
-                                  </p:subTnLst>
                                 </p:cTn>
                               </p:par>
                             </p:childTnLst>
@@ -31493,26 +31354,6 @@
                                       </p:to>
                                     </p:set>
                                   </p:childTnLst>
-                                  <p:subTnLst>
-                                    <p:animClr clrSpc="rgb" dir="cw">
-                                      <p:cBhvr override="childStyle">
-                                        <p:cTn dur="1" fill="hold" display="0" masterRel="nextClick" afterEffect="1"/>
-                                        <p:tgtEl>
-                                          <p:spTgt spid="3">
-                                            <p:txEl>
-                                              <p:pRg st="7" end="7"/>
-                                            </p:txEl>
-                                          </p:spTgt>
-                                        </p:tgtEl>
-                                        <p:attrNameLst>
-                                          <p:attrName>ppt_c</p:attrName>
-                                        </p:attrNameLst>
-                                      </p:cBhvr>
-                                      <p:to>
-                                        <a:schemeClr val="folHlink"/>
-                                      </p:to>
-                                    </p:animClr>
-                                  </p:subTnLst>
                                 </p:cTn>
                               </p:par>
                               <p:par>
@@ -31544,26 +31385,6 @@
                                       </p:to>
                                     </p:set>
                                   </p:childTnLst>
-                                  <p:subTnLst>
-                                    <p:animClr clrSpc="rgb" dir="cw">
-                                      <p:cBhvr override="childStyle">
-                                        <p:cTn dur="1" fill="hold" display="0" masterRel="nextClick" afterEffect="1"/>
-                                        <p:tgtEl>
-                                          <p:spTgt spid="3">
-                                            <p:txEl>
-                                              <p:pRg st="8" end="8"/>
-                                            </p:txEl>
-                                          </p:spTgt>
-                                        </p:tgtEl>
-                                        <p:attrNameLst>
-                                          <p:attrName>ppt_c</p:attrName>
-                                        </p:attrNameLst>
-                                      </p:cBhvr>
-                                      <p:to>
-                                        <a:schemeClr val="folHlink"/>
-                                      </p:to>
-                                    </p:animClr>
-                                  </p:subTnLst>
                                 </p:cTn>
                               </p:par>
                             </p:childTnLst>

--- a/Notes/02_1_RenderingBasics.pptx
+++ b/Notes/02_1_RenderingBasics.pptx
@@ -226,7 +226,7 @@
           <a:p>
             <a:fld id="{1558EF9E-F90D-3644-932C-1F90C8EF183B}" type="datetimeFigureOut">
               <a:rPr kumimoji="1" lang="ko-KR" altLang="en-US" smtClean="0"/>
-              <a:t>2025. 2. 20.</a:t>
+              <a:t>2025. 2. 21.</a:t>
             </a:fld>
             <a:endParaRPr kumimoji="1" lang="ko-KR" altLang="en-US"/>
           </a:p>
@@ -518,14 +518,14 @@
           <a:ln/>
           <a:extLst>
             <a:ext uri="{909E8E84-426E-40dd-AFC4-6F175D3DCCD1}">
-              <a14:hiddenFill xmlns:a14="http://schemas.microsoft.com/office/drawing/2010/main" xmlns="">
+              <a14:hiddenFill xmlns="" xmlns:a14="http://schemas.microsoft.com/office/drawing/2010/main">
                 <a:solidFill>
                   <a:srgbClr val="FFFFFF"/>
                 </a:solidFill>
               </a14:hiddenFill>
             </a:ext>
             <a:ext uri="{91240B29-F687-4f45-9708-019B960494DF}">
-              <a14:hiddenLine xmlns:a14="http://schemas.microsoft.com/office/drawing/2010/main" xmlns="" w="9525">
+              <a14:hiddenLine xmlns="" xmlns:a14="http://schemas.microsoft.com/office/drawing/2010/main" w="9525">
                 <a:solidFill>
                   <a:srgbClr val="000000"/>
                 </a:solidFill>
@@ -542,16 +542,20 @@
           <a:p>
             <a:pPr eaLnBrk="1" hangingPunct="1"/>
             <a:r>
+              <a:rPr lang="en-US" altLang="ko-KR" dirty="0"/>
+              <a:t>2D</a:t>
+            </a:r>
+            <a:r>
               <a:rPr lang="ko-KR" altLang="en-US" dirty="0"/>
-              <a:t>이 노트에서는 </a:t>
+              <a:t> 삼각형 하나를 그리는 과정을 통해 </a:t>
             </a:r>
             <a:r>
               <a:rPr lang="en-US" altLang="ko-KR" dirty="0"/>
-              <a:t>2D Triangle</a:t>
+              <a:t>WebGL2</a:t>
             </a:r>
             <a:r>
               <a:rPr lang="ko-KR" altLang="en-US" dirty="0"/>
-              <a:t> 하나를 그리는 과정에 대해 알아보겠습니다</a:t>
+              <a:t> 렌더링의 가장 기본적인 개념을 알아봅니다</a:t>
             </a:r>
             <a:r>
               <a:rPr lang="en-US" altLang="ko-KR" dirty="0"/>
@@ -562,17 +566,6 @@
               <a:t> </a:t>
             </a:r>
             <a:endParaRPr lang="en-US" altLang="ko-KR" dirty="0"/>
-          </a:p>
-          <a:p>
-            <a:pPr eaLnBrk="1" hangingPunct="1"/>
-            <a:endParaRPr lang="en-US" dirty="0"/>
-          </a:p>
-          <a:p>
-            <a:pPr eaLnBrk="1" hangingPunct="1"/>
-            <a:r>
-              <a:rPr lang="en-US" dirty="0"/>
-              <a:t>In this note, we'll walk through the process of drawing a single 2D Triangle.</a:t>
-            </a:r>
           </a:p>
         </p:txBody>
       </p:sp>
@@ -591,14 +584,14 @@
           <a:ln/>
           <a:extLst>
             <a:ext uri="{909E8E84-426E-40dd-AFC4-6F175D3DCCD1}">
-              <a14:hiddenFill xmlns:a14="http://schemas.microsoft.com/office/drawing/2010/main" xmlns="">
+              <a14:hiddenFill xmlns="" xmlns:a14="http://schemas.microsoft.com/office/drawing/2010/main">
                 <a:solidFill>
                   <a:srgbClr val="FFFFFF"/>
                 </a:solidFill>
               </a14:hiddenFill>
             </a:ext>
             <a:ext uri="{91240B29-F687-4f45-9708-019B960494DF}">
-              <a14:hiddenLine xmlns:a14="http://schemas.microsoft.com/office/drawing/2010/main" xmlns="" w="9525">
+              <a14:hiddenLine xmlns="" xmlns:a14="http://schemas.microsoft.com/office/drawing/2010/main" w="9525">
                 <a:solidFill>
                   <a:srgbClr val="000000"/>
                 </a:solidFill>
@@ -5725,61 +5718,6 @@
             </a:r>
             <a:r>
               <a:rPr kumimoji="1" lang="ko-KR" altLang="en-US" dirty="0"/>
-              <a:t> 맨 윗줄의 </a:t>
-            </a:r>
-            <a:r>
-              <a:rPr kumimoji="1" lang="en-US" altLang="ko-KR" dirty="0"/>
-              <a:t>version </a:t>
-            </a:r>
-            <a:r>
-              <a:rPr kumimoji="1" lang="ko-KR" altLang="en-US" dirty="0"/>
-              <a:t>표시는 이 프로그램에서 사용된 </a:t>
-            </a:r>
-            <a:r>
-              <a:rPr kumimoji="1" lang="en-US" altLang="ko-KR" dirty="0" err="1"/>
-              <a:t>glsl</a:t>
-            </a:r>
-            <a:r>
-              <a:rPr kumimoji="1" lang="en-US" altLang="ko-KR" dirty="0"/>
-              <a:t> </a:t>
-            </a:r>
-            <a:r>
-              <a:rPr kumimoji="1" lang="ko-KR" altLang="en-US" dirty="0"/>
-              <a:t>문법이 </a:t>
-            </a:r>
-            <a:r>
-              <a:rPr kumimoji="1" lang="en-US" altLang="ko-KR" dirty="0"/>
-              <a:t>OpenGL 3.0 </a:t>
-            </a:r>
-            <a:r>
-              <a:rPr kumimoji="1" lang="ko-KR" altLang="en-US" dirty="0"/>
-              <a:t>버전을 따르고 있다는 것을 의미합니다</a:t>
-            </a:r>
-            <a:r>
-              <a:rPr kumimoji="1" lang="en-US" altLang="ko-KR" dirty="0"/>
-              <a:t>.</a:t>
-            </a:r>
-            <a:r>
-              <a:rPr kumimoji="1" lang="ko-KR" altLang="en-US" dirty="0"/>
-              <a:t> </a:t>
-            </a:r>
-            <a:endParaRPr kumimoji="1" lang="en-US" altLang="ko-KR" dirty="0"/>
-          </a:p>
-          <a:p>
-            <a:r>
-              <a:rPr kumimoji="1" lang="en-US" altLang="ko-KR" dirty="0"/>
-              <a:t>Shader</a:t>
-            </a:r>
-            <a:r>
-              <a:rPr kumimoji="1" lang="ko-KR" altLang="en-US" dirty="0"/>
-              <a:t>들에는 몇가지 서로 다른 종류의 변수들이 사용됩니다</a:t>
-            </a:r>
-            <a:r>
-              <a:rPr kumimoji="1" lang="en-US" altLang="ko-KR" dirty="0"/>
-              <a:t>.</a:t>
-            </a:r>
-            <a:r>
-              <a:rPr kumimoji="1" lang="ko-KR" altLang="en-US" dirty="0"/>
               <a:t> </a:t>
             </a:r>
             <a:endParaRPr kumimoji="1" lang="en-US" altLang="ko-KR" dirty="0"/>
@@ -5791,63 +5729,35 @@
             </a:pPr>
             <a:r>
               <a:rPr kumimoji="1" lang="ko-KR" altLang="en-US" dirty="0"/>
-              <a:t>먼저 </a:t>
-            </a:r>
-            <a:r>
-              <a:rPr kumimoji="1" lang="en-US" altLang="ko-KR" dirty="0"/>
-              <a:t>attribute </a:t>
-            </a:r>
-            <a:r>
-              <a:rPr kumimoji="1" lang="ko-KR" altLang="en-US" dirty="0"/>
-              <a:t>변수는 </a:t>
-            </a:r>
-            <a:r>
-              <a:rPr kumimoji="1" lang="en-US" altLang="ko-KR" dirty="0"/>
-              <a:t>vertex shader</a:t>
-            </a:r>
-            <a:r>
-              <a:rPr kumimoji="1" lang="ko-KR" altLang="en-US" dirty="0" err="1"/>
-              <a:t>에만</a:t>
-            </a:r>
-            <a:r>
-              <a:rPr kumimoji="1" lang="ko-KR" altLang="en-US" dirty="0"/>
-              <a:t> 사용되는 것으로 각 </a:t>
-            </a:r>
-            <a:r>
-              <a:rPr kumimoji="1" lang="en-US" altLang="ko-KR" dirty="0"/>
-              <a:t>vertex</a:t>
-            </a:r>
-            <a:r>
-              <a:rPr kumimoji="1" lang="ko-KR" altLang="en-US" dirty="0" err="1"/>
-              <a:t>에</a:t>
-            </a:r>
-            <a:r>
-              <a:rPr kumimoji="1" lang="ko-KR" altLang="en-US" dirty="0"/>
-              <a:t> 해당하는 </a:t>
-            </a:r>
-            <a:r>
-              <a:rPr kumimoji="1" lang="en-US" altLang="ko-KR" dirty="0"/>
-              <a:t>attribute data</a:t>
-            </a:r>
-            <a:r>
-              <a:rPr kumimoji="1" lang="ko-KR" altLang="en-US" dirty="0"/>
-              <a:t>를 </a:t>
-            </a:r>
-            <a:r>
-              <a:rPr kumimoji="1" lang="en-US" altLang="ko-KR" dirty="0"/>
-              <a:t>WebGL </a:t>
-            </a:r>
-            <a:r>
-              <a:rPr kumimoji="1" lang="ko-KR" altLang="en-US" dirty="0"/>
-              <a:t>프로그램으로 </a:t>
-            </a:r>
-            <a:r>
-              <a:rPr kumimoji="1" lang="ko-KR" altLang="en-US" dirty="0" err="1"/>
-              <a:t>부터</a:t>
-            </a:r>
-            <a:r>
-              <a:rPr kumimoji="1" lang="ko-KR" altLang="en-US" dirty="0"/>
-              <a:t> 넘겨받기 위한 것입니다</a:t>
+              <a:t>맨 윗줄의 </a:t>
+            </a:r>
+            <a:r>
+              <a:rPr kumimoji="1" lang="en-US" altLang="ko-KR" dirty="0"/>
+              <a:t>version </a:t>
+            </a:r>
+            <a:r>
+              <a:rPr kumimoji="1" lang="ko-KR" altLang="en-US" dirty="0"/>
+              <a:t>표시는 이 프로그램에서 사용된 </a:t>
+            </a:r>
+            <a:r>
+              <a:rPr kumimoji="1" lang="en-US" altLang="ko-KR" dirty="0" err="1"/>
+              <a:t>glsl</a:t>
+            </a:r>
+            <a:r>
+              <a:rPr kumimoji="1" lang="en-US" altLang="ko-KR" dirty="0"/>
+              <a:t> </a:t>
+            </a:r>
+            <a:r>
+              <a:rPr kumimoji="1" lang="ko-KR" altLang="en-US" dirty="0"/>
+              <a:t>문법이 </a:t>
+            </a:r>
+            <a:r>
+              <a:rPr kumimoji="1" lang="en-US" altLang="ko-KR" dirty="0"/>
+              <a:t>OpenGL 3.0 </a:t>
+            </a:r>
+            <a:r>
+              <a:rPr kumimoji="1" lang="ko-KR" altLang="en-US" dirty="0"/>
+              <a:t>버전을 따르고 있다는 것을 의미합니다</a:t>
             </a:r>
             <a:r>
               <a:rPr kumimoji="1" lang="en-US" altLang="ko-KR" dirty="0"/>
@@ -5865,8 +5775,84 @@
               <a:buAutoNum type="arabicPeriod"/>
             </a:pPr>
             <a:r>
-              <a:rPr kumimoji="1" lang="ko-KR" altLang="en-US" dirty="0"/>
-              <a:t>이 데이터에는 예를 들면 </a:t>
+              <a:rPr kumimoji="1" lang="en-US" altLang="ko-KR" dirty="0"/>
+              <a:t>Shader</a:t>
+            </a:r>
+            <a:r>
+              <a:rPr kumimoji="1" lang="ko-KR" altLang="en-US" dirty="0"/>
+              <a:t>들에는 몇가지 서로 다른 종류의 변수들이 사용됩니다</a:t>
+            </a:r>
+            <a:r>
+              <a:rPr kumimoji="1" lang="en-US" altLang="ko-KR" dirty="0"/>
+              <a:t>.</a:t>
+            </a:r>
+            <a:r>
+              <a:rPr kumimoji="1" lang="ko-KR" altLang="en-US" dirty="0"/>
+              <a:t> 먼저 </a:t>
+            </a:r>
+            <a:r>
+              <a:rPr kumimoji="1" lang="en-US" altLang="ko-KR" dirty="0"/>
+              <a:t>attribute </a:t>
+            </a:r>
+            <a:r>
+              <a:rPr kumimoji="1" lang="ko-KR" altLang="en-US" dirty="0"/>
+              <a:t>변수는 </a:t>
+            </a:r>
+            <a:r>
+              <a:rPr kumimoji="1" lang="en-US" altLang="ko-KR" dirty="0"/>
+              <a:t>vertex shader</a:t>
+            </a:r>
+            <a:r>
+              <a:rPr kumimoji="1" lang="ko-KR" altLang="en-US" dirty="0" err="1"/>
+              <a:t>에만</a:t>
+            </a:r>
+            <a:r>
+              <a:rPr kumimoji="1" lang="ko-KR" altLang="en-US" dirty="0"/>
+              <a:t> 사용되는 것으로 각 </a:t>
+            </a:r>
+            <a:r>
+              <a:rPr kumimoji="1" lang="en-US" altLang="ko-KR" dirty="0"/>
+              <a:t>vertex</a:t>
+            </a:r>
+            <a:r>
+              <a:rPr kumimoji="1" lang="ko-KR" altLang="en-US" dirty="0" err="1"/>
+              <a:t>에</a:t>
+            </a:r>
+            <a:r>
+              <a:rPr kumimoji="1" lang="ko-KR" altLang="en-US" dirty="0"/>
+              <a:t> 해당하는 </a:t>
+            </a:r>
+            <a:r>
+              <a:rPr kumimoji="1" lang="en-US" altLang="ko-KR" dirty="0"/>
+              <a:t>attribute data</a:t>
+            </a:r>
+            <a:r>
+              <a:rPr kumimoji="1" lang="ko-KR" altLang="en-US" dirty="0"/>
+              <a:t>를 </a:t>
+            </a:r>
+            <a:r>
+              <a:rPr kumimoji="1" lang="en-US" altLang="ko-KR" dirty="0"/>
+              <a:t>WebGL </a:t>
+            </a:r>
+            <a:r>
+              <a:rPr kumimoji="1" lang="ko-KR" altLang="en-US" dirty="0"/>
+              <a:t>프로그램으로 </a:t>
+            </a:r>
+            <a:r>
+              <a:rPr kumimoji="1" lang="ko-KR" altLang="en-US" dirty="0" err="1"/>
+              <a:t>부터</a:t>
+            </a:r>
+            <a:r>
+              <a:rPr kumimoji="1" lang="ko-KR" altLang="en-US" dirty="0"/>
+              <a:t> 넘겨받기 위한 것입니다</a:t>
+            </a:r>
+            <a:r>
+              <a:rPr kumimoji="1" lang="en-US" altLang="ko-KR" dirty="0"/>
+              <a:t>.</a:t>
+            </a:r>
+            <a:r>
+              <a:rPr kumimoji="1" lang="ko-KR" altLang="en-US" dirty="0"/>
+              <a:t> 이 데이터에는 예를 들면 </a:t>
             </a:r>
             <a:r>
               <a:rPr kumimoji="1" lang="en-US" altLang="ko-KR" dirty="0"/>
@@ -30267,8 +30253,8 @@
           </a:p>
         </p:txBody>
       </p:sp>
-      <mc:AlternateContent xmlns:mc="http://schemas.openxmlformats.org/markup-compatibility/2006">
-        <mc:Choice xmlns:a14="http://schemas.microsoft.com/office/drawing/2010/main" Requires="a14">
+      <mc:AlternateContent xmlns:mc="http://schemas.openxmlformats.org/markup-compatibility/2006" xmlns:a14="http://schemas.microsoft.com/office/drawing/2010/main">
+        <mc:Choice Requires="a14">
           <p:sp>
             <p:nvSpPr>
               <p:cNvPr id="3" name="내용 개체 틀 2">
@@ -30378,7 +30364,7 @@
             </p:txBody>
           </p:sp>
         </mc:Choice>
-        <mc:Fallback>
+        <mc:Fallback xmlns="">
           <p:sp>
             <p:nvSpPr>
               <p:cNvPr id="3" name="내용 개체 틀 2">

--- a/Notes/02_1_RenderingBasics.pptx
+++ b/Notes/02_1_RenderingBasics.pptx
@@ -518,14 +518,14 @@
           <a:ln/>
           <a:extLst>
             <a:ext uri="{909E8E84-426E-40dd-AFC4-6F175D3DCCD1}">
-              <a14:hiddenFill xmlns="" xmlns:a14="http://schemas.microsoft.com/office/drawing/2010/main">
+              <a14:hiddenFill xmlns:a14="http://schemas.microsoft.com/office/drawing/2010/main" xmlns="">
                 <a:solidFill>
                   <a:srgbClr val="FFFFFF"/>
                 </a:solidFill>
               </a14:hiddenFill>
             </a:ext>
             <a:ext uri="{91240B29-F687-4f45-9708-019B960494DF}">
-              <a14:hiddenLine xmlns="" xmlns:a14="http://schemas.microsoft.com/office/drawing/2010/main" w="9525">
+              <a14:hiddenLine xmlns:a14="http://schemas.microsoft.com/office/drawing/2010/main" xmlns="" w="9525">
                 <a:solidFill>
                   <a:srgbClr val="000000"/>
                 </a:solidFill>
@@ -584,14 +584,14 @@
           <a:ln/>
           <a:extLst>
             <a:ext uri="{909E8E84-426E-40dd-AFC4-6F175D3DCCD1}">
-              <a14:hiddenFill xmlns="" xmlns:a14="http://schemas.microsoft.com/office/drawing/2010/main">
+              <a14:hiddenFill xmlns:a14="http://schemas.microsoft.com/office/drawing/2010/main" xmlns="">
                 <a:solidFill>
                   <a:srgbClr val="FFFFFF"/>
                 </a:solidFill>
               </a14:hiddenFill>
             </a:ext>
             <a:ext uri="{91240B29-F687-4f45-9708-019B960494DF}">
-              <a14:hiddenLine xmlns="" xmlns:a14="http://schemas.microsoft.com/office/drawing/2010/main" w="9525">
+              <a14:hiddenLine xmlns:a14="http://schemas.microsoft.com/office/drawing/2010/main" xmlns="" w="9525">
                 <a:solidFill>
                   <a:srgbClr val="000000"/>
                 </a:solidFill>
@@ -5928,6 +5928,54 @@
             </a:r>
             <a:r>
               <a:rPr kumimoji="1" lang="en-US" altLang="ko-KR" dirty="0"/>
+              <a:t>layout (location = 0) </a:t>
+            </a:r>
+            <a:r>
+              <a:rPr kumimoji="1" lang="ko-KR" altLang="en-US" dirty="0"/>
+              <a:t>은 </a:t>
+            </a:r>
+            <a:r>
+              <a:rPr kumimoji="1" lang="en-US" altLang="ko-KR" dirty="0"/>
+              <a:t>vertex shader </a:t>
+            </a:r>
+            <a:r>
+              <a:rPr kumimoji="1" lang="ko-KR" altLang="en-US" dirty="0"/>
+              <a:t>내의 </a:t>
+            </a:r>
+            <a:r>
+              <a:rPr kumimoji="1" lang="en-US" altLang="ko-KR" dirty="0"/>
+              <a:t>aPosition </a:t>
+            </a:r>
+            <a:r>
+              <a:rPr kumimoji="1" lang="ko-KR" altLang="en-US" dirty="0"/>
+              <a:t>변수의 </a:t>
+            </a:r>
+            <a:r>
+              <a:rPr kumimoji="1" lang="en-US" altLang="ko-KR" dirty="0"/>
+              <a:t>location</a:t>
+            </a:r>
+            <a:r>
+              <a:rPr kumimoji="1" lang="ko-KR" altLang="en-US" dirty="0"/>
+              <a:t>이 </a:t>
+            </a:r>
+            <a:r>
+              <a:rPr kumimoji="1" lang="en-US" altLang="ko-KR" dirty="0"/>
+              <a:t>0</a:t>
+            </a:r>
+            <a:r>
+              <a:rPr kumimoji="1" lang="ko-KR" altLang="en-US" dirty="0"/>
+              <a:t>이라는 것을 의미합니다</a:t>
+            </a:r>
+            <a:r>
+              <a:rPr kumimoji="1" lang="en-US" altLang="ko-KR" dirty="0"/>
+              <a:t>.</a:t>
+            </a:r>
+            <a:r>
+              <a:rPr kumimoji="1" lang="ko-KR" altLang="en-US" dirty="0"/>
+              <a:t> </a:t>
+            </a:r>
+            <a:r>
+              <a:rPr kumimoji="1" lang="en-US" altLang="ko-KR" dirty="0"/>
               <a:t>attribute </a:t>
             </a:r>
             <a:r>
@@ -5983,7 +6031,7 @@
               <a:t> 여기서는 </a:t>
             </a:r>
             <a:r>
-              <a:rPr kumimoji="1" lang="en-US" altLang="ko-KR" dirty="0" err="1"/>
+              <a:rPr kumimoji="1" lang="en-US" altLang="ko-KR" dirty="0"/>
               <a:t>aPosition</a:t>
             </a:r>
             <a:r>
@@ -5991,12 +6039,8 @@
               <a:t>과 </a:t>
             </a:r>
             <a:r>
-              <a:rPr kumimoji="1" lang="en-US" altLang="ko-KR" dirty="0" err="1"/>
-              <a:t>aNormal</a:t>
-            </a:r>
-            <a:r>
-              <a:rPr kumimoji="1" lang="en-US" altLang="ko-KR" dirty="0"/>
-              <a:t> </a:t>
+              <a:rPr kumimoji="1" lang="en-US" altLang="ko-KR" dirty="0"/>
+              <a:t>aNormal </a:t>
             </a:r>
             <a:r>
               <a:rPr kumimoji="1" lang="ko-KR" altLang="en-US" dirty="0"/>
@@ -12267,6 +12311,40 @@
       </p:sp>
       <p:sp>
         <p:nvSpPr>
+          <p:cNvPr id="20" name="내용 개체 틀 19">
+            <a:extLst>
+              <a:ext uri="{FF2B5EF4-FFF2-40B4-BE49-F238E27FC236}">
+                <a16:creationId xmlns:a16="http://schemas.microsoft.com/office/drawing/2014/main" id="{F0EAF84E-AD60-6B5F-2ABC-BEF8FD2FF65E}"/>
+              </a:ext>
+            </a:extLst>
+          </p:cNvPr>
+          <p:cNvSpPr>
+            <a:spLocks noGrp="1"/>
+          </p:cNvSpPr>
+          <p:nvPr>
+            <p:ph idx="1"/>
+          </p:nvPr>
+        </p:nvSpPr>
+        <p:spPr>
+          <a:xfrm>
+            <a:off x="551384" y="4302956"/>
+            <a:ext cx="11043247" cy="2078372"/>
+          </a:xfrm>
+        </p:spPr>
+        <p:txBody>
+          <a:bodyPr/>
+          <a:lstStyle/>
+          <a:p>
+            <a:r>
+              <a:rPr lang="en-US" altLang="ko-KR" dirty="0"/>
+              <a:t>ex) </a:t>
+            </a:r>
+            <a:endParaRPr lang="ko-KR" altLang="en-US" dirty="0"/>
+          </a:p>
+        </p:txBody>
+      </p:sp>
+      <p:sp>
+        <p:nvSpPr>
           <p:cNvPr id="4" name="슬라이드 번호 개체 틀 3">
             <a:extLst>
               <a:ext uri="{FF2B5EF4-FFF2-40B4-BE49-F238E27FC236}">
@@ -12309,7 +12387,7 @@
         <p:spPr>
           <a:xfrm>
             <a:off x="586799" y="1210681"/>
-            <a:ext cx="11007831" cy="2585323"/>
+            <a:ext cx="11007831" cy="2862322"/>
           </a:xfrm>
           <a:prstGeom prst="rect">
             <a:avLst/>
@@ -12370,7 +12448,28 @@
                 <a:effectLst/>
                 <a:latin typeface="Menlo" panose="020B0609030804020204" pitchFamily="49" charset="0"/>
               </a:rPr>
-              <a:t>// Link vertex data to shader program variables</a:t>
+              <a:t>// Link vertex data to shader program variables (location, number of data per </a:t>
+            </a:r>
+          </a:p>
+          <a:p>
+            <a:r>
+              <a:rPr lang="en-US" altLang="ko-KR" dirty="0">
+                <a:solidFill>
+                  <a:srgbClr val="267507"/>
+                </a:solidFill>
+                <a:latin typeface="Menlo" panose="020B0609030804020204" pitchFamily="49" charset="0"/>
+              </a:rPr>
+              <a:t>// </a:t>
+            </a:r>
+            <a:r>
+              <a:rPr lang="en-US" altLang="ko-KR" dirty="0">
+                <a:solidFill>
+                  <a:srgbClr val="267507"/>
+                </a:solidFill>
+                <a:effectLst/>
+                <a:latin typeface="Menlo" panose="020B0609030804020204" pitchFamily="49" charset="0"/>
+              </a:rPr>
+              <a:t>vertex, type of data, non-normalize, stride, offset); </a:t>
             </a:r>
           </a:p>
           <a:p>
@@ -12569,6 +12668,1224 @@
               </a:rPr>
               <a:t>);</a:t>
             </a:r>
+          </a:p>
+        </p:txBody>
+      </p:sp>
+      <p:sp>
+        <p:nvSpPr>
+          <p:cNvPr id="3" name="TextBox 2">
+            <a:extLst>
+              <a:ext uri="{FF2B5EF4-FFF2-40B4-BE49-F238E27FC236}">
+                <a16:creationId xmlns:a16="http://schemas.microsoft.com/office/drawing/2014/main" id="{57306827-E78C-38B2-094B-65A398FA35CD}"/>
+              </a:ext>
+            </a:extLst>
+          </p:cNvPr>
+          <p:cNvSpPr txBox="1"/>
+          <p:nvPr/>
+        </p:nvSpPr>
+        <p:spPr>
+          <a:xfrm>
+            <a:off x="7058127" y="3338408"/>
+            <a:ext cx="4536503" cy="738664"/>
+          </a:xfrm>
+          <a:prstGeom prst="rect">
+            <a:avLst/>
+          </a:prstGeom>
+          <a:noFill/>
+          <a:ln>
+            <a:solidFill>
+              <a:schemeClr val="bg1">
+                <a:lumMod val="75000"/>
+              </a:schemeClr>
+            </a:solidFill>
+          </a:ln>
+        </p:spPr>
+        <p:txBody>
+          <a:bodyPr wrap="square">
+            <a:spAutoFit/>
+          </a:bodyPr>
+          <a:lstStyle/>
+          <a:p>
+            <a:r>
+              <a:rPr lang="en-US" altLang="ko-KR" sz="1400" dirty="0">
+                <a:solidFill>
+                  <a:srgbClr val="267507"/>
+                </a:solidFill>
+                <a:latin typeface="Menlo" panose="020B0609030804020204" pitchFamily="49" charset="0"/>
+              </a:rPr>
+              <a:t>// Vertex Shader</a:t>
+            </a:r>
+            <a:endParaRPr lang="en-US" altLang="ko-KR" sz="1400" dirty="0">
+              <a:solidFill>
+                <a:srgbClr val="000000"/>
+              </a:solidFill>
+              <a:effectLst/>
+              <a:latin typeface="Menlo" panose="020B0609030804020204" pitchFamily="49" charset="0"/>
+            </a:endParaRPr>
+          </a:p>
+          <a:p>
+            <a:r>
+              <a:rPr lang="en-US" altLang="ko-KR" sz="1400" b="1" dirty="0">
+                <a:solidFill>
+                  <a:srgbClr val="9B2393"/>
+                </a:solidFill>
+                <a:effectLst/>
+                <a:latin typeface="Menlo" panose="020B0609030804020204" pitchFamily="49" charset="0"/>
+              </a:rPr>
+              <a:t>layout (location = 0) in</a:t>
+            </a:r>
+            <a:r>
+              <a:rPr lang="en-US" altLang="ko-KR" sz="1400" dirty="0">
+                <a:solidFill>
+                  <a:srgbClr val="267507"/>
+                </a:solidFill>
+                <a:effectLst/>
+                <a:latin typeface="Menlo" panose="020B0609030804020204" pitchFamily="49" charset="0"/>
+              </a:rPr>
+              <a:t> </a:t>
+            </a:r>
+            <a:r>
+              <a:rPr lang="en-US" altLang="ko-KR" sz="1400" b="1" dirty="0">
+                <a:solidFill>
+                  <a:srgbClr val="9B2393"/>
+                </a:solidFill>
+                <a:effectLst/>
+                <a:latin typeface="Menlo" panose="020B0609030804020204" pitchFamily="49" charset="0"/>
+              </a:rPr>
+              <a:t>vec3</a:t>
+            </a:r>
+            <a:r>
+              <a:rPr lang="en-US" altLang="ko-KR" sz="1400" dirty="0">
+                <a:solidFill>
+                  <a:srgbClr val="267507"/>
+                </a:solidFill>
+                <a:effectLst/>
+                <a:latin typeface="Menlo" panose="020B0609030804020204" pitchFamily="49" charset="0"/>
+              </a:rPr>
+              <a:t> aPosition;  </a:t>
+            </a:r>
+          </a:p>
+          <a:p>
+            <a:r>
+              <a:rPr lang="en-US" altLang="ko-KR" sz="1400" b="1" dirty="0">
+                <a:solidFill>
+                  <a:srgbClr val="9B2393"/>
+                </a:solidFill>
+                <a:effectLst/>
+                <a:latin typeface="Menlo" panose="020B0609030804020204" pitchFamily="49" charset="0"/>
+              </a:rPr>
+              <a:t>layout (location = 1) in</a:t>
+            </a:r>
+            <a:r>
+              <a:rPr lang="en-US" altLang="ko-KR" sz="1400" dirty="0">
+                <a:solidFill>
+                  <a:srgbClr val="267507"/>
+                </a:solidFill>
+                <a:effectLst/>
+                <a:latin typeface="Menlo" panose="020B0609030804020204" pitchFamily="49" charset="0"/>
+              </a:rPr>
+              <a:t> </a:t>
+            </a:r>
+            <a:r>
+              <a:rPr lang="en-US" altLang="ko-KR" sz="1400" b="1" dirty="0">
+                <a:solidFill>
+                  <a:srgbClr val="9B2393"/>
+                </a:solidFill>
+                <a:effectLst/>
+                <a:latin typeface="Menlo" panose="020B0609030804020204" pitchFamily="49" charset="0"/>
+              </a:rPr>
+              <a:t>vec3</a:t>
+            </a:r>
+            <a:r>
+              <a:rPr lang="en-US" altLang="ko-KR" sz="1400" dirty="0">
+                <a:solidFill>
+                  <a:srgbClr val="267507"/>
+                </a:solidFill>
+                <a:effectLst/>
+                <a:latin typeface="Menlo" panose="020B0609030804020204" pitchFamily="49" charset="0"/>
+              </a:rPr>
+              <a:t> aNormal;</a:t>
+            </a:r>
+            <a:endParaRPr lang="ko-KR" altLang="en-US" sz="1400" dirty="0">
+              <a:solidFill>
+                <a:srgbClr val="000000"/>
+              </a:solidFill>
+              <a:effectLst/>
+              <a:latin typeface="Menlo" panose="020B0609030804020204" pitchFamily="49" charset="0"/>
+            </a:endParaRPr>
+          </a:p>
+        </p:txBody>
+      </p:sp>
+      <p:sp>
+        <p:nvSpPr>
+          <p:cNvPr id="5" name="직사각형 4">
+            <a:extLst>
+              <a:ext uri="{FF2B5EF4-FFF2-40B4-BE49-F238E27FC236}">
+                <a16:creationId xmlns:a16="http://schemas.microsoft.com/office/drawing/2014/main" id="{ED43A3A2-FCFC-6174-3EAF-E9084E7DB3E3}"/>
+              </a:ext>
+            </a:extLst>
+          </p:cNvPr>
+          <p:cNvSpPr/>
+          <p:nvPr/>
+        </p:nvSpPr>
+        <p:spPr>
+          <a:xfrm>
+            <a:off x="3791744" y="2636912"/>
+            <a:ext cx="216024" cy="216024"/>
+          </a:xfrm>
+          <a:prstGeom prst="rect">
+            <a:avLst/>
+          </a:prstGeom>
+          <a:ln w="25400">
+            <a:solidFill>
+              <a:srgbClr val="FF0000"/>
+            </a:solidFill>
+          </a:ln>
+        </p:spPr>
+        <p:txBody>
+          <a:bodyPr wrap="square" rtlCol="0" anchor="ctr">
+            <a:noAutofit/>
+          </a:bodyPr>
+          <a:lstStyle/>
+          <a:p>
+            <a:pPr algn="l"/>
+            <a:endParaRPr kumimoji="1" lang="ko-KR" altLang="en-US" b="1" dirty="0">
+              <a:solidFill>
+                <a:srgbClr val="9B2393"/>
+              </a:solidFill>
+              <a:latin typeface="Menlo" panose="020B0609030804020204" pitchFamily="49" charset="0"/>
+            </a:endParaRPr>
+          </a:p>
+        </p:txBody>
+      </p:sp>
+      <p:sp>
+        <p:nvSpPr>
+          <p:cNvPr id="7" name="직사각형 6">
+            <a:extLst>
+              <a:ext uri="{FF2B5EF4-FFF2-40B4-BE49-F238E27FC236}">
+                <a16:creationId xmlns:a16="http://schemas.microsoft.com/office/drawing/2014/main" id="{D9713CE8-1699-266A-CEA4-BB7D3CB70BA3}"/>
+              </a:ext>
+            </a:extLst>
+          </p:cNvPr>
+          <p:cNvSpPr/>
+          <p:nvPr/>
+        </p:nvSpPr>
+        <p:spPr>
+          <a:xfrm>
+            <a:off x="4367808" y="2924944"/>
+            <a:ext cx="216024" cy="216024"/>
+          </a:xfrm>
+          <a:prstGeom prst="rect">
+            <a:avLst/>
+          </a:prstGeom>
+          <a:ln w="25400">
+            <a:solidFill>
+              <a:srgbClr val="FF0000"/>
+            </a:solidFill>
+          </a:ln>
+        </p:spPr>
+        <p:txBody>
+          <a:bodyPr wrap="square" rtlCol="0" anchor="ctr">
+            <a:noAutofit/>
+          </a:bodyPr>
+          <a:lstStyle/>
+          <a:p>
+            <a:pPr algn="l"/>
+            <a:endParaRPr kumimoji="1" lang="ko-KR" altLang="en-US" b="1" dirty="0">
+              <a:solidFill>
+                <a:srgbClr val="9B2393"/>
+              </a:solidFill>
+              <a:latin typeface="Menlo" panose="020B0609030804020204" pitchFamily="49" charset="0"/>
+            </a:endParaRPr>
+          </a:p>
+        </p:txBody>
+      </p:sp>
+      <p:sp>
+        <p:nvSpPr>
+          <p:cNvPr id="8" name="직사각형 7">
+            <a:extLst>
+              <a:ext uri="{FF2B5EF4-FFF2-40B4-BE49-F238E27FC236}">
+                <a16:creationId xmlns:a16="http://schemas.microsoft.com/office/drawing/2014/main" id="{964EAB32-E1B7-5264-BAB7-087E9F0157B5}"/>
+              </a:ext>
+            </a:extLst>
+          </p:cNvPr>
+          <p:cNvSpPr/>
+          <p:nvPr/>
+        </p:nvSpPr>
+        <p:spPr>
+          <a:xfrm>
+            <a:off x="9097941" y="3599728"/>
+            <a:ext cx="216024" cy="216024"/>
+          </a:xfrm>
+          <a:prstGeom prst="rect">
+            <a:avLst/>
+          </a:prstGeom>
+          <a:ln w="25400">
+            <a:solidFill>
+              <a:srgbClr val="FF0000"/>
+            </a:solidFill>
+          </a:ln>
+        </p:spPr>
+        <p:txBody>
+          <a:bodyPr wrap="square" rtlCol="0" anchor="ctr">
+            <a:noAutofit/>
+          </a:bodyPr>
+          <a:lstStyle/>
+          <a:p>
+            <a:pPr algn="l"/>
+            <a:endParaRPr kumimoji="1" lang="ko-KR" altLang="en-US" b="1" dirty="0">
+              <a:solidFill>
+                <a:srgbClr val="9B2393"/>
+              </a:solidFill>
+              <a:latin typeface="Menlo" panose="020B0609030804020204" pitchFamily="49" charset="0"/>
+            </a:endParaRPr>
+          </a:p>
+        </p:txBody>
+      </p:sp>
+      <p:cxnSp>
+        <p:nvCxnSpPr>
+          <p:cNvPr id="10" name="꺾인 연결선[E] 9">
+            <a:extLst>
+              <a:ext uri="{FF2B5EF4-FFF2-40B4-BE49-F238E27FC236}">
+                <a16:creationId xmlns:a16="http://schemas.microsoft.com/office/drawing/2014/main" id="{0D96AD34-9747-D597-5F33-6814047C2CC6}"/>
+              </a:ext>
+            </a:extLst>
+          </p:cNvPr>
+          <p:cNvCxnSpPr>
+            <a:cxnSpLocks/>
+            <a:stCxn id="5" idx="2"/>
+            <a:endCxn id="7" idx="1"/>
+          </p:cNvCxnSpPr>
+          <p:nvPr/>
+        </p:nvCxnSpPr>
+        <p:spPr>
+          <a:xfrm rot="16200000" flipH="1">
+            <a:off x="4043772" y="2708920"/>
+            <a:ext cx="180020" cy="468052"/>
+          </a:xfrm>
+          <a:prstGeom prst="bentConnector2">
+            <a:avLst/>
+          </a:prstGeom>
+          <a:ln>
+            <a:solidFill>
+              <a:srgbClr val="FF0000"/>
+            </a:solidFill>
+            <a:tailEnd type="triangle"/>
+          </a:ln>
+        </p:spPr>
+        <p:style>
+          <a:lnRef idx="1">
+            <a:schemeClr val="accent1"/>
+          </a:lnRef>
+          <a:fillRef idx="0">
+            <a:schemeClr val="accent1"/>
+          </a:fillRef>
+          <a:effectRef idx="0">
+            <a:schemeClr val="accent1"/>
+          </a:effectRef>
+          <a:fontRef idx="minor">
+            <a:schemeClr val="tx1"/>
+          </a:fontRef>
+        </p:style>
+      </p:cxnSp>
+      <p:cxnSp>
+        <p:nvCxnSpPr>
+          <p:cNvPr id="13" name="꺾인 연결선[E] 12">
+            <a:extLst>
+              <a:ext uri="{FF2B5EF4-FFF2-40B4-BE49-F238E27FC236}">
+                <a16:creationId xmlns:a16="http://schemas.microsoft.com/office/drawing/2014/main" id="{FC9B0966-F0CC-05DB-E116-7FE483596814}"/>
+              </a:ext>
+            </a:extLst>
+          </p:cNvPr>
+          <p:cNvCxnSpPr>
+            <a:cxnSpLocks/>
+            <a:stCxn id="7" idx="2"/>
+            <a:endCxn id="8" idx="0"/>
+          </p:cNvCxnSpPr>
+          <p:nvPr/>
+        </p:nvCxnSpPr>
+        <p:spPr>
+          <a:xfrm rot="16200000" flipH="1">
+            <a:off x="6611506" y="1005281"/>
+            <a:ext cx="458760" cy="4730133"/>
+          </a:xfrm>
+          <a:prstGeom prst="bentConnector3">
+            <a:avLst>
+              <a:gd name="adj1" fmla="val 19694"/>
+            </a:avLst>
+          </a:prstGeom>
+          <a:ln>
+            <a:solidFill>
+              <a:srgbClr val="FF0000"/>
+            </a:solidFill>
+            <a:tailEnd type="triangle"/>
+          </a:ln>
+        </p:spPr>
+        <p:style>
+          <a:lnRef idx="1">
+            <a:schemeClr val="accent1"/>
+          </a:lnRef>
+          <a:fillRef idx="0">
+            <a:schemeClr val="accent1"/>
+          </a:fillRef>
+          <a:effectRef idx="0">
+            <a:schemeClr val="accent1"/>
+          </a:effectRef>
+          <a:fontRef idx="minor">
+            <a:schemeClr val="tx1"/>
+          </a:fontRef>
+        </p:style>
+      </p:cxnSp>
+      <p:sp>
+        <p:nvSpPr>
+          <p:cNvPr id="19" name="TextBox 18">
+            <a:extLst>
+              <a:ext uri="{FF2B5EF4-FFF2-40B4-BE49-F238E27FC236}">
+                <a16:creationId xmlns:a16="http://schemas.microsoft.com/office/drawing/2014/main" id="{72CF243A-2454-41D0-0E36-DD12115B010A}"/>
+              </a:ext>
+            </a:extLst>
+          </p:cNvPr>
+          <p:cNvSpPr txBox="1"/>
+          <p:nvPr/>
+        </p:nvSpPr>
+        <p:spPr>
+          <a:xfrm>
+            <a:off x="1554210" y="4424053"/>
+            <a:ext cx="9037593" cy="646331"/>
+          </a:xfrm>
+          <a:prstGeom prst="rect">
+            <a:avLst/>
+          </a:prstGeom>
+          <a:noFill/>
+          <a:ln>
+            <a:solidFill>
+              <a:schemeClr val="bg1">
+                <a:lumMod val="75000"/>
+              </a:schemeClr>
+            </a:solidFill>
+          </a:ln>
+        </p:spPr>
+        <p:txBody>
+          <a:bodyPr wrap="square">
+            <a:spAutoFit/>
+          </a:bodyPr>
+          <a:lstStyle/>
+          <a:p>
+            <a:r>
+              <a:rPr lang="en-US" altLang="ko-KR" dirty="0">
+                <a:solidFill>
+                  <a:srgbClr val="000000"/>
+                </a:solidFill>
+                <a:latin typeface="Menlo" panose="020B0609030804020204" pitchFamily="49" charset="0"/>
+              </a:rPr>
+              <a:t>const stride = 3 * Float32Array.BYTES_PER_ELEMENT; </a:t>
+            </a:r>
+            <a:r>
+              <a:rPr lang="en-US" altLang="ko-KR" dirty="0">
+                <a:solidFill>
+                  <a:srgbClr val="267507"/>
+                </a:solidFill>
+                <a:effectLst/>
+                <a:latin typeface="Menlo" panose="020B0609030804020204" pitchFamily="49" charset="0"/>
+              </a:rPr>
+              <a:t>// 3 * 4 = 12</a:t>
+            </a:r>
+          </a:p>
+          <a:p>
+            <a:r>
+              <a:rPr lang="en-US" altLang="ko-KR" dirty="0">
+                <a:solidFill>
+                  <a:srgbClr val="000000"/>
+                </a:solidFill>
+                <a:effectLst/>
+                <a:latin typeface="Menlo" panose="020B0609030804020204" pitchFamily="49" charset="0"/>
+              </a:rPr>
+              <a:t>gl.vertexAttribPointer(</a:t>
+            </a:r>
+            <a:r>
+              <a:rPr lang="en-US" altLang="ko-KR" dirty="0">
+                <a:solidFill>
+                  <a:srgbClr val="1C00CF"/>
+                </a:solidFill>
+                <a:effectLst/>
+                <a:latin typeface="Menlo" panose="020B0609030804020204" pitchFamily="49" charset="0"/>
+              </a:rPr>
+              <a:t>0</a:t>
+            </a:r>
+            <a:r>
+              <a:rPr lang="en-US" altLang="ko-KR" dirty="0">
+                <a:solidFill>
+                  <a:srgbClr val="000000"/>
+                </a:solidFill>
+                <a:effectLst/>
+                <a:latin typeface="Menlo" panose="020B0609030804020204" pitchFamily="49" charset="0"/>
+              </a:rPr>
+              <a:t>, </a:t>
+            </a:r>
+            <a:r>
+              <a:rPr lang="en-US" altLang="ko-KR" dirty="0">
+                <a:solidFill>
+                  <a:srgbClr val="1C00CF"/>
+                </a:solidFill>
+                <a:effectLst/>
+                <a:latin typeface="Menlo" panose="020B0609030804020204" pitchFamily="49" charset="0"/>
+              </a:rPr>
+              <a:t>3</a:t>
+            </a:r>
+            <a:r>
+              <a:rPr lang="en-US" altLang="ko-KR" dirty="0">
+                <a:solidFill>
+                  <a:srgbClr val="000000"/>
+                </a:solidFill>
+                <a:effectLst/>
+                <a:latin typeface="Menlo" panose="020B0609030804020204" pitchFamily="49" charset="0"/>
+              </a:rPr>
+              <a:t>, gl.FLOAT, </a:t>
+            </a:r>
+            <a:r>
+              <a:rPr lang="en-US" altLang="ko-KR" b="1" dirty="0">
+                <a:solidFill>
+                  <a:srgbClr val="9B2393"/>
+                </a:solidFill>
+                <a:effectLst/>
+                <a:latin typeface="Menlo" panose="020B0609030804020204" pitchFamily="49" charset="0"/>
+              </a:rPr>
+              <a:t>false</a:t>
+            </a:r>
+            <a:r>
+              <a:rPr lang="en-US" altLang="ko-KR" dirty="0">
+                <a:solidFill>
+                  <a:srgbClr val="000000"/>
+                </a:solidFill>
+                <a:effectLst/>
+                <a:latin typeface="Menlo" panose="020B0609030804020204" pitchFamily="49" charset="0"/>
+              </a:rPr>
+              <a:t>, </a:t>
+            </a:r>
+            <a:r>
+              <a:rPr lang="en-US" altLang="ko-KR" dirty="0">
+                <a:solidFill>
+                  <a:srgbClr val="1C00CF"/>
+                </a:solidFill>
+                <a:effectLst/>
+                <a:latin typeface="Menlo" panose="020B0609030804020204" pitchFamily="49" charset="0"/>
+              </a:rPr>
+              <a:t>stride</a:t>
+            </a:r>
+            <a:r>
+              <a:rPr lang="ko-KR" altLang="en-US" dirty="0">
+                <a:solidFill>
+                  <a:srgbClr val="1C00CF"/>
+                </a:solidFill>
+                <a:effectLst/>
+                <a:latin typeface="Menlo" panose="020B0609030804020204" pitchFamily="49" charset="0"/>
+              </a:rPr>
+              <a:t> </a:t>
+            </a:r>
+            <a:r>
+              <a:rPr lang="en-US" altLang="ko-KR" dirty="0">
+                <a:solidFill>
+                  <a:srgbClr val="000000"/>
+                </a:solidFill>
+                <a:effectLst/>
+                <a:latin typeface="Menlo" panose="020B0609030804020204" pitchFamily="49" charset="0"/>
+              </a:rPr>
+              <a:t>, </a:t>
+            </a:r>
+            <a:r>
+              <a:rPr lang="en-US" altLang="ko-KR" dirty="0">
+                <a:solidFill>
+                  <a:srgbClr val="1C00CF"/>
+                </a:solidFill>
+                <a:effectLst/>
+                <a:latin typeface="Menlo" panose="020B0609030804020204" pitchFamily="49" charset="0"/>
+              </a:rPr>
+              <a:t>6</a:t>
+            </a:r>
+            <a:r>
+              <a:rPr lang="en-US" altLang="ko-KR" dirty="0">
+                <a:solidFill>
+                  <a:srgbClr val="000000"/>
+                </a:solidFill>
+                <a:effectLst/>
+                <a:latin typeface="Menlo" panose="020B0609030804020204" pitchFamily="49" charset="0"/>
+              </a:rPr>
+              <a:t>);</a:t>
+            </a:r>
+          </a:p>
+        </p:txBody>
+      </p:sp>
+      <p:graphicFrame>
+        <p:nvGraphicFramePr>
+          <p:cNvPr id="21" name="표 20">
+            <a:extLst>
+              <a:ext uri="{FF2B5EF4-FFF2-40B4-BE49-F238E27FC236}">
+                <a16:creationId xmlns:a16="http://schemas.microsoft.com/office/drawing/2014/main" id="{E1001A3C-88A3-CE93-C8A1-9A97618CBBE5}"/>
+              </a:ext>
+            </a:extLst>
+          </p:cNvPr>
+          <p:cNvGraphicFramePr>
+            <a:graphicFrameLocks noGrp="1"/>
+          </p:cNvGraphicFramePr>
+          <p:nvPr>
+            <p:extLst>
+              <p:ext uri="{D42A27DB-BD31-4B8C-83A1-F6EECF244321}">
+                <p14:modId xmlns:p14="http://schemas.microsoft.com/office/powerpoint/2010/main" val="2494897814"/>
+              </p:ext>
+            </p:extLst>
+          </p:nvPr>
+        </p:nvGraphicFramePr>
+        <p:xfrm>
+          <a:off x="1554210" y="5369192"/>
+          <a:ext cx="9037596" cy="370840"/>
+        </p:xfrm>
+        <a:graphic>
+          <a:graphicData uri="http://schemas.openxmlformats.org/drawingml/2006/table">
+            <a:tbl>
+              <a:tblPr firstRow="1" bandRow="1">
+                <a:tableStyleId>{5940675A-B579-460E-94D1-54222C63F5DA}</a:tableStyleId>
+              </a:tblPr>
+              <a:tblGrid>
+                <a:gridCol w="1085406">
+                  <a:extLst>
+                    <a:ext uri="{9D8B030D-6E8A-4147-A177-3AD203B41FA5}">
+                      <a16:colId xmlns:a16="http://schemas.microsoft.com/office/drawing/2014/main" val="2647707372"/>
+                    </a:ext>
+                  </a:extLst>
+                </a:gridCol>
+                <a:gridCol w="795219">
+                  <a:extLst>
+                    <a:ext uri="{9D8B030D-6E8A-4147-A177-3AD203B41FA5}">
+                      <a16:colId xmlns:a16="http://schemas.microsoft.com/office/drawing/2014/main" val="3730587488"/>
+                    </a:ext>
+                  </a:extLst>
+                </a:gridCol>
+                <a:gridCol w="795219">
+                  <a:extLst>
+                    <a:ext uri="{9D8B030D-6E8A-4147-A177-3AD203B41FA5}">
+                      <a16:colId xmlns:a16="http://schemas.microsoft.com/office/drawing/2014/main" val="939184459"/>
+                    </a:ext>
+                  </a:extLst>
+                </a:gridCol>
+                <a:gridCol w="795219">
+                  <a:extLst>
+                    <a:ext uri="{9D8B030D-6E8A-4147-A177-3AD203B41FA5}">
+                      <a16:colId xmlns:a16="http://schemas.microsoft.com/office/drawing/2014/main" val="2619316467"/>
+                    </a:ext>
+                  </a:extLst>
+                </a:gridCol>
+                <a:gridCol w="795219">
+                  <a:extLst>
+                    <a:ext uri="{9D8B030D-6E8A-4147-A177-3AD203B41FA5}">
+                      <a16:colId xmlns:a16="http://schemas.microsoft.com/office/drawing/2014/main" val="4170541976"/>
+                    </a:ext>
+                  </a:extLst>
+                </a:gridCol>
+                <a:gridCol w="795219">
+                  <a:extLst>
+                    <a:ext uri="{9D8B030D-6E8A-4147-A177-3AD203B41FA5}">
+                      <a16:colId xmlns:a16="http://schemas.microsoft.com/office/drawing/2014/main" val="1328616617"/>
+                    </a:ext>
+                  </a:extLst>
+                </a:gridCol>
+                <a:gridCol w="795219">
+                  <a:extLst>
+                    <a:ext uri="{9D8B030D-6E8A-4147-A177-3AD203B41FA5}">
+                      <a16:colId xmlns:a16="http://schemas.microsoft.com/office/drawing/2014/main" val="857744331"/>
+                    </a:ext>
+                  </a:extLst>
+                </a:gridCol>
+                <a:gridCol w="795219">
+                  <a:extLst>
+                    <a:ext uri="{9D8B030D-6E8A-4147-A177-3AD203B41FA5}">
+                      <a16:colId xmlns:a16="http://schemas.microsoft.com/office/drawing/2014/main" val="3644656735"/>
+                    </a:ext>
+                  </a:extLst>
+                </a:gridCol>
+                <a:gridCol w="795219">
+                  <a:extLst>
+                    <a:ext uri="{9D8B030D-6E8A-4147-A177-3AD203B41FA5}">
+                      <a16:colId xmlns:a16="http://schemas.microsoft.com/office/drawing/2014/main" val="3695944006"/>
+                    </a:ext>
+                  </a:extLst>
+                </a:gridCol>
+                <a:gridCol w="795219">
+                  <a:extLst>
+                    <a:ext uri="{9D8B030D-6E8A-4147-A177-3AD203B41FA5}">
+                      <a16:colId xmlns:a16="http://schemas.microsoft.com/office/drawing/2014/main" val="1466833521"/>
+                    </a:ext>
+                  </a:extLst>
+                </a:gridCol>
+                <a:gridCol w="795219">
+                  <a:extLst>
+                    <a:ext uri="{9D8B030D-6E8A-4147-A177-3AD203B41FA5}">
+                      <a16:colId xmlns:a16="http://schemas.microsoft.com/office/drawing/2014/main" val="67337011"/>
+                    </a:ext>
+                  </a:extLst>
+                </a:gridCol>
+              </a:tblGrid>
+              <a:tr h="370840">
+                <a:tc>
+                  <a:txBody>
+                    <a:bodyPr/>
+                    <a:lstStyle/>
+                    <a:p>
+                      <a:pPr latinLnBrk="1"/>
+                      <a:endParaRPr lang="ko-KR" altLang="en-US" dirty="0"/>
+                    </a:p>
+                  </a:txBody>
+                  <a:tcPr>
+                    <a:solidFill>
+                      <a:schemeClr val="tx1">
+                        <a:lumMod val="50000"/>
+                        <a:lumOff val="50000"/>
+                      </a:schemeClr>
+                    </a:solidFill>
+                  </a:tcPr>
+                </a:tc>
+                <a:tc>
+                  <a:txBody>
+                    <a:bodyPr/>
+                    <a:lstStyle/>
+                    <a:p>
+                      <a:pPr latinLnBrk="1"/>
+                      <a:endParaRPr lang="ko-KR" altLang="en-US" dirty="0"/>
+                    </a:p>
+                  </a:txBody>
+                  <a:tcPr>
+                    <a:solidFill>
+                      <a:schemeClr val="accent6">
+                        <a:lumMod val="20000"/>
+                        <a:lumOff val="80000"/>
+                      </a:schemeClr>
+                    </a:solidFill>
+                  </a:tcPr>
+                </a:tc>
+                <a:tc>
+                  <a:txBody>
+                    <a:bodyPr/>
+                    <a:lstStyle/>
+                    <a:p>
+                      <a:pPr latinLnBrk="1"/>
+                      <a:endParaRPr lang="ko-KR" altLang="en-US" dirty="0"/>
+                    </a:p>
+                  </a:txBody>
+                  <a:tcPr>
+                    <a:solidFill>
+                      <a:schemeClr val="accent6">
+                        <a:lumMod val="20000"/>
+                        <a:lumOff val="80000"/>
+                      </a:schemeClr>
+                    </a:solidFill>
+                  </a:tcPr>
+                </a:tc>
+                <a:tc>
+                  <a:txBody>
+                    <a:bodyPr/>
+                    <a:lstStyle/>
+                    <a:p>
+                      <a:pPr latinLnBrk="1"/>
+                      <a:endParaRPr lang="ko-KR" altLang="en-US" dirty="0"/>
+                    </a:p>
+                  </a:txBody>
+                  <a:tcPr>
+                    <a:solidFill>
+                      <a:schemeClr val="accent6">
+                        <a:lumMod val="20000"/>
+                        <a:lumOff val="80000"/>
+                      </a:schemeClr>
+                    </a:solidFill>
+                  </a:tcPr>
+                </a:tc>
+                <a:tc>
+                  <a:txBody>
+                    <a:bodyPr/>
+                    <a:lstStyle/>
+                    <a:p>
+                      <a:pPr latinLnBrk="1"/>
+                      <a:endParaRPr lang="ko-KR" altLang="en-US" dirty="0"/>
+                    </a:p>
+                  </a:txBody>
+                  <a:tcPr>
+                    <a:solidFill>
+                      <a:schemeClr val="accent5">
+                        <a:lumMod val="20000"/>
+                        <a:lumOff val="80000"/>
+                      </a:schemeClr>
+                    </a:solidFill>
+                  </a:tcPr>
+                </a:tc>
+                <a:tc>
+                  <a:txBody>
+                    <a:bodyPr/>
+                    <a:lstStyle/>
+                    <a:p>
+                      <a:pPr latinLnBrk="1"/>
+                      <a:endParaRPr lang="ko-KR" altLang="en-US" dirty="0"/>
+                    </a:p>
+                  </a:txBody>
+                  <a:tcPr>
+                    <a:solidFill>
+                      <a:schemeClr val="accent5">
+                        <a:lumMod val="20000"/>
+                        <a:lumOff val="80000"/>
+                      </a:schemeClr>
+                    </a:solidFill>
+                  </a:tcPr>
+                </a:tc>
+                <a:tc>
+                  <a:txBody>
+                    <a:bodyPr/>
+                    <a:lstStyle/>
+                    <a:p>
+                      <a:pPr latinLnBrk="1"/>
+                      <a:endParaRPr lang="ko-KR" altLang="en-US" dirty="0"/>
+                    </a:p>
+                  </a:txBody>
+                  <a:tcPr>
+                    <a:solidFill>
+                      <a:schemeClr val="accent5">
+                        <a:lumMod val="20000"/>
+                        <a:lumOff val="80000"/>
+                      </a:schemeClr>
+                    </a:solidFill>
+                  </a:tcPr>
+                </a:tc>
+                <a:tc>
+                  <a:txBody>
+                    <a:bodyPr/>
+                    <a:lstStyle/>
+                    <a:p>
+                      <a:pPr latinLnBrk="1"/>
+                      <a:endParaRPr lang="ko-KR" altLang="en-US" dirty="0"/>
+                    </a:p>
+                  </a:txBody>
+                  <a:tcPr>
+                    <a:solidFill>
+                      <a:schemeClr val="accent4">
+                        <a:lumMod val="20000"/>
+                        <a:lumOff val="80000"/>
+                      </a:schemeClr>
+                    </a:solidFill>
+                  </a:tcPr>
+                </a:tc>
+                <a:tc>
+                  <a:txBody>
+                    <a:bodyPr/>
+                    <a:lstStyle/>
+                    <a:p>
+                      <a:pPr latinLnBrk="1"/>
+                      <a:endParaRPr lang="ko-KR" altLang="en-US" dirty="0"/>
+                    </a:p>
+                  </a:txBody>
+                  <a:tcPr>
+                    <a:solidFill>
+                      <a:schemeClr val="accent4">
+                        <a:lumMod val="20000"/>
+                        <a:lumOff val="80000"/>
+                      </a:schemeClr>
+                    </a:solidFill>
+                  </a:tcPr>
+                </a:tc>
+                <a:tc>
+                  <a:txBody>
+                    <a:bodyPr/>
+                    <a:lstStyle/>
+                    <a:p>
+                      <a:pPr latinLnBrk="1"/>
+                      <a:endParaRPr lang="ko-KR" altLang="en-US" dirty="0"/>
+                    </a:p>
+                  </a:txBody>
+                  <a:tcPr>
+                    <a:solidFill>
+                      <a:schemeClr val="accent4">
+                        <a:lumMod val="20000"/>
+                        <a:lumOff val="80000"/>
+                      </a:schemeClr>
+                    </a:solidFill>
+                  </a:tcPr>
+                </a:tc>
+                <a:tc>
+                  <a:txBody>
+                    <a:bodyPr/>
+                    <a:lstStyle/>
+                    <a:p>
+                      <a:pPr latinLnBrk="1"/>
+                      <a:r>
+                        <a:rPr lang="en-US" altLang="ko-KR" dirty="0">
+                          <a:solidFill>
+                            <a:schemeClr val="bg1"/>
+                          </a:solidFill>
+                        </a:rPr>
+                        <a:t>...</a:t>
+                      </a:r>
+                      <a:endParaRPr lang="ko-KR" altLang="en-US" dirty="0">
+                        <a:solidFill>
+                          <a:schemeClr val="bg1"/>
+                        </a:solidFill>
+                      </a:endParaRPr>
+                    </a:p>
+                  </a:txBody>
+                  <a:tcPr>
+                    <a:solidFill>
+                      <a:schemeClr val="tx1">
+                        <a:lumMod val="50000"/>
+                        <a:lumOff val="50000"/>
+                      </a:schemeClr>
+                    </a:solidFill>
+                  </a:tcPr>
+                </a:tc>
+                <a:extLst>
+                  <a:ext uri="{0D108BD9-81ED-4DB2-BD59-A6C34878D82A}">
+                    <a16:rowId xmlns:a16="http://schemas.microsoft.com/office/drawing/2014/main" val="3910027788"/>
+                  </a:ext>
+                </a:extLst>
+              </a:tr>
+            </a:tbl>
+          </a:graphicData>
+        </a:graphic>
+      </p:graphicFrame>
+      <p:sp>
+        <p:nvSpPr>
+          <p:cNvPr id="22" name="왼쪽 중괄호[L] 21">
+            <a:extLst>
+              <a:ext uri="{FF2B5EF4-FFF2-40B4-BE49-F238E27FC236}">
+                <a16:creationId xmlns:a16="http://schemas.microsoft.com/office/drawing/2014/main" id="{218A6A48-3563-6AD2-993D-F68985805C95}"/>
+              </a:ext>
+            </a:extLst>
+          </p:cNvPr>
+          <p:cNvSpPr/>
+          <p:nvPr/>
+        </p:nvSpPr>
+        <p:spPr>
+          <a:xfrm rot="16200000">
+            <a:off x="1952897" y="5423213"/>
+            <a:ext cx="288032" cy="1085406"/>
+          </a:xfrm>
+          <a:prstGeom prst="leftBrace">
+            <a:avLst/>
+          </a:prstGeom>
+        </p:spPr>
+        <p:style>
+          <a:lnRef idx="1">
+            <a:schemeClr val="accent1"/>
+          </a:lnRef>
+          <a:fillRef idx="0">
+            <a:schemeClr val="accent1"/>
+          </a:fillRef>
+          <a:effectRef idx="0">
+            <a:schemeClr val="accent1"/>
+          </a:effectRef>
+          <a:fontRef idx="minor">
+            <a:schemeClr val="tx1"/>
+          </a:fontRef>
+        </p:style>
+        <p:txBody>
+          <a:bodyPr rtlCol="0" anchor="ctr"/>
+          <a:lstStyle/>
+          <a:p>
+            <a:pPr algn="ctr"/>
+            <a:endParaRPr kumimoji="1" lang="ko-KR" altLang="en-US"/>
+          </a:p>
+        </p:txBody>
+      </p:sp>
+      <p:sp>
+        <p:nvSpPr>
+          <p:cNvPr id="23" name="왼쪽 중괄호[L] 22">
+            <a:extLst>
+              <a:ext uri="{FF2B5EF4-FFF2-40B4-BE49-F238E27FC236}">
+                <a16:creationId xmlns:a16="http://schemas.microsoft.com/office/drawing/2014/main" id="{49B82392-EC53-3642-1D19-FC711439E59E}"/>
+              </a:ext>
+            </a:extLst>
+          </p:cNvPr>
+          <p:cNvSpPr/>
+          <p:nvPr/>
+        </p:nvSpPr>
+        <p:spPr>
+          <a:xfrm rot="16200000">
+            <a:off x="3671806" y="4831092"/>
+            <a:ext cx="353264" cy="2334880"/>
+          </a:xfrm>
+          <a:prstGeom prst="leftBrace">
+            <a:avLst/>
+          </a:prstGeom>
+        </p:spPr>
+        <p:style>
+          <a:lnRef idx="1">
+            <a:schemeClr val="accent1"/>
+          </a:lnRef>
+          <a:fillRef idx="0">
+            <a:schemeClr val="accent1"/>
+          </a:fillRef>
+          <a:effectRef idx="0">
+            <a:schemeClr val="accent1"/>
+          </a:effectRef>
+          <a:fontRef idx="minor">
+            <a:schemeClr val="tx1"/>
+          </a:fontRef>
+        </p:style>
+        <p:txBody>
+          <a:bodyPr rtlCol="0" anchor="ctr"/>
+          <a:lstStyle/>
+          <a:p>
+            <a:pPr algn="ctr"/>
+            <a:endParaRPr kumimoji="1" lang="ko-KR" altLang="en-US"/>
+          </a:p>
+        </p:txBody>
+      </p:sp>
+      <p:sp>
+        <p:nvSpPr>
+          <p:cNvPr id="24" name="왼쪽 중괄호[L] 23">
+            <a:extLst>
+              <a:ext uri="{FF2B5EF4-FFF2-40B4-BE49-F238E27FC236}">
+                <a16:creationId xmlns:a16="http://schemas.microsoft.com/office/drawing/2014/main" id="{5E6D2754-C581-AC4F-67F9-054AFDEF4C2D}"/>
+              </a:ext>
+            </a:extLst>
+          </p:cNvPr>
+          <p:cNvSpPr/>
+          <p:nvPr/>
+        </p:nvSpPr>
+        <p:spPr>
+          <a:xfrm rot="16200000">
+            <a:off x="6068760" y="4805747"/>
+            <a:ext cx="353264" cy="2376261"/>
+          </a:xfrm>
+          <a:prstGeom prst="leftBrace">
+            <a:avLst/>
+          </a:prstGeom>
+        </p:spPr>
+        <p:style>
+          <a:lnRef idx="1">
+            <a:schemeClr val="accent1"/>
+          </a:lnRef>
+          <a:fillRef idx="0">
+            <a:schemeClr val="accent1"/>
+          </a:fillRef>
+          <a:effectRef idx="0">
+            <a:schemeClr val="accent1"/>
+          </a:effectRef>
+          <a:fontRef idx="minor">
+            <a:schemeClr val="tx1"/>
+          </a:fontRef>
+        </p:style>
+        <p:txBody>
+          <a:bodyPr rtlCol="0" anchor="ctr"/>
+          <a:lstStyle/>
+          <a:p>
+            <a:pPr algn="ctr"/>
+            <a:endParaRPr kumimoji="1" lang="ko-KR" altLang="en-US"/>
+          </a:p>
+        </p:txBody>
+      </p:sp>
+      <p:sp>
+        <p:nvSpPr>
+          <p:cNvPr id="25" name="왼쪽 중괄호[L] 24">
+            <a:extLst>
+              <a:ext uri="{FF2B5EF4-FFF2-40B4-BE49-F238E27FC236}">
+                <a16:creationId xmlns:a16="http://schemas.microsoft.com/office/drawing/2014/main" id="{2588FF3C-A265-0AA4-9740-E06EF74DD3EA}"/>
+              </a:ext>
+            </a:extLst>
+          </p:cNvPr>
+          <p:cNvSpPr/>
+          <p:nvPr/>
+        </p:nvSpPr>
+        <p:spPr>
+          <a:xfrm rot="16200000">
+            <a:off x="8409636" y="4849856"/>
+            <a:ext cx="310651" cy="2262876"/>
+          </a:xfrm>
+          <a:prstGeom prst="leftBrace">
+            <a:avLst/>
+          </a:prstGeom>
+        </p:spPr>
+        <p:style>
+          <a:lnRef idx="1">
+            <a:schemeClr val="accent1"/>
+          </a:lnRef>
+          <a:fillRef idx="0">
+            <a:schemeClr val="accent1"/>
+          </a:fillRef>
+          <a:effectRef idx="0">
+            <a:schemeClr val="accent1"/>
+          </a:effectRef>
+          <a:fontRef idx="minor">
+            <a:schemeClr val="tx1"/>
+          </a:fontRef>
+        </p:style>
+        <p:txBody>
+          <a:bodyPr rtlCol="0" anchor="ctr"/>
+          <a:lstStyle/>
+          <a:p>
+            <a:pPr algn="ctr"/>
+            <a:endParaRPr kumimoji="1" lang="ko-KR" altLang="en-US"/>
+          </a:p>
+        </p:txBody>
+      </p:sp>
+      <p:sp>
+        <p:nvSpPr>
+          <p:cNvPr id="26" name="TextBox 25">
+            <a:extLst>
+              <a:ext uri="{FF2B5EF4-FFF2-40B4-BE49-F238E27FC236}">
+                <a16:creationId xmlns:a16="http://schemas.microsoft.com/office/drawing/2014/main" id="{0D8B4568-E341-584C-ECAE-48EEA978C6A1}"/>
+              </a:ext>
+            </a:extLst>
+          </p:cNvPr>
+          <p:cNvSpPr txBox="1"/>
+          <p:nvPr/>
+        </p:nvSpPr>
+        <p:spPr>
+          <a:xfrm>
+            <a:off x="2813366" y="6108969"/>
+            <a:ext cx="2065822" cy="338554"/>
+          </a:xfrm>
+          <a:prstGeom prst="rect">
+            <a:avLst/>
+          </a:prstGeom>
+          <a:noFill/>
+        </p:spPr>
+        <p:txBody>
+          <a:bodyPr wrap="none" rtlCol="0">
+            <a:spAutoFit/>
+          </a:bodyPr>
+          <a:lstStyle/>
+          <a:p>
+            <a:r>
+              <a:rPr kumimoji="1" lang="en-US" altLang="ko-KR" sz="1600" dirty="0"/>
+              <a:t>1</a:t>
+            </a:r>
+            <a:r>
+              <a:rPr kumimoji="1" lang="en-US" altLang="ko-KR" sz="1600" baseline="30000" dirty="0"/>
+              <a:t>st</a:t>
+            </a:r>
+            <a:r>
+              <a:rPr kumimoji="1" lang="en-US" altLang="ko-KR" sz="1600" dirty="0"/>
+              <a:t> Vertex = 12bytes</a:t>
+            </a:r>
+            <a:endParaRPr kumimoji="1" lang="ko-KR" altLang="en-US" sz="1600" dirty="0"/>
+          </a:p>
+        </p:txBody>
+      </p:sp>
+      <p:sp>
+        <p:nvSpPr>
+          <p:cNvPr id="27" name="TextBox 26">
+            <a:extLst>
+              <a:ext uri="{FF2B5EF4-FFF2-40B4-BE49-F238E27FC236}">
+                <a16:creationId xmlns:a16="http://schemas.microsoft.com/office/drawing/2014/main" id="{1190E808-01DC-CF58-3E2F-CE2FB63F6A38}"/>
+              </a:ext>
+            </a:extLst>
+          </p:cNvPr>
+          <p:cNvSpPr txBox="1"/>
+          <p:nvPr/>
+        </p:nvSpPr>
+        <p:spPr>
+          <a:xfrm>
+            <a:off x="5159896" y="6112721"/>
+            <a:ext cx="2192460" cy="338554"/>
+          </a:xfrm>
+          <a:prstGeom prst="rect">
+            <a:avLst/>
+          </a:prstGeom>
+          <a:noFill/>
+        </p:spPr>
+        <p:txBody>
+          <a:bodyPr wrap="none" rtlCol="0">
+            <a:spAutoFit/>
+          </a:bodyPr>
+          <a:lstStyle/>
+          <a:p>
+            <a:r>
+              <a:rPr kumimoji="1" lang="en-US" altLang="ko-KR" sz="1600" dirty="0"/>
+              <a:t>2</a:t>
+            </a:r>
+            <a:r>
+              <a:rPr kumimoji="1" lang="en-US" altLang="ko-KR" sz="1600" baseline="30000" dirty="0"/>
+              <a:t>nd</a:t>
+            </a:r>
+            <a:r>
+              <a:rPr kumimoji="1" lang="en-US" altLang="ko-KR" sz="1600" dirty="0"/>
+              <a:t> Vertex = 12bytes</a:t>
+            </a:r>
+            <a:endParaRPr kumimoji="1" lang="ko-KR" altLang="en-US" sz="1600" dirty="0"/>
+          </a:p>
+        </p:txBody>
+      </p:sp>
+      <p:sp>
+        <p:nvSpPr>
+          <p:cNvPr id="28" name="TextBox 27">
+            <a:extLst>
+              <a:ext uri="{FF2B5EF4-FFF2-40B4-BE49-F238E27FC236}">
+                <a16:creationId xmlns:a16="http://schemas.microsoft.com/office/drawing/2014/main" id="{A7B04308-D308-33C5-1BB3-DC06A1FCDD5D}"/>
+              </a:ext>
+            </a:extLst>
+          </p:cNvPr>
+          <p:cNvSpPr txBox="1"/>
+          <p:nvPr/>
+        </p:nvSpPr>
+        <p:spPr>
+          <a:xfrm>
+            <a:off x="7483316" y="6108969"/>
+            <a:ext cx="2160079" cy="338554"/>
+          </a:xfrm>
+          <a:prstGeom prst="rect">
+            <a:avLst/>
+          </a:prstGeom>
+          <a:noFill/>
+        </p:spPr>
+        <p:txBody>
+          <a:bodyPr wrap="none" rtlCol="0">
+            <a:spAutoFit/>
+          </a:bodyPr>
+          <a:lstStyle/>
+          <a:p>
+            <a:r>
+              <a:rPr kumimoji="1" lang="en-US" altLang="ko-KR" sz="1600" dirty="0"/>
+              <a:t>3</a:t>
+            </a:r>
+            <a:r>
+              <a:rPr kumimoji="1" lang="en-US" altLang="ko-KR" sz="1600" baseline="30000" dirty="0"/>
+              <a:t>rd</a:t>
+            </a:r>
+            <a:r>
+              <a:rPr kumimoji="1" lang="en-US" altLang="ko-KR" sz="1600" dirty="0"/>
+              <a:t>  Vertex = 12bytes</a:t>
+            </a:r>
+            <a:endParaRPr kumimoji="1" lang="ko-KR" altLang="en-US" sz="1600" dirty="0"/>
+          </a:p>
+        </p:txBody>
+      </p:sp>
+      <p:sp>
+        <p:nvSpPr>
+          <p:cNvPr id="29" name="TextBox 28">
+            <a:extLst>
+              <a:ext uri="{FF2B5EF4-FFF2-40B4-BE49-F238E27FC236}">
+                <a16:creationId xmlns:a16="http://schemas.microsoft.com/office/drawing/2014/main" id="{DA537978-2A98-1836-0D84-D9222A252C0B}"/>
+              </a:ext>
+            </a:extLst>
+          </p:cNvPr>
+          <p:cNvSpPr txBox="1"/>
+          <p:nvPr/>
+        </p:nvSpPr>
+        <p:spPr>
+          <a:xfrm>
+            <a:off x="1024284" y="6108969"/>
+            <a:ext cx="1711174" cy="338554"/>
+          </a:xfrm>
+          <a:prstGeom prst="rect">
+            <a:avLst/>
+          </a:prstGeom>
+          <a:noFill/>
+        </p:spPr>
+        <p:txBody>
+          <a:bodyPr wrap="none" rtlCol="0">
+            <a:spAutoFit/>
+          </a:bodyPr>
+          <a:lstStyle/>
+          <a:p>
+            <a:r>
+              <a:rPr kumimoji="1" lang="en-US" altLang="ko-KR" sz="1600" dirty="0"/>
+              <a:t>Offset = 6 bytes</a:t>
+            </a:r>
+            <a:endParaRPr kumimoji="1" lang="ko-KR" altLang="en-US" sz="1600" dirty="0"/>
           </a:p>
         </p:txBody>
       </p:sp>
@@ -12773,33 +14090,15 @@
                                   </p:childTnLst>
                                 </p:cTn>
                               </p:par>
-                            </p:childTnLst>
-                          </p:cTn>
-                        </p:par>
-                      </p:childTnLst>
-                    </p:cTn>
-                  </p:par>
-                  <p:par>
-                    <p:cTn id="17" fill="hold">
-                      <p:stCondLst>
-                        <p:cond delay="indefinite"/>
-                      </p:stCondLst>
-                      <p:childTnLst>
-                        <p:par>
-                          <p:cTn id="18" fill="hold">
-                            <p:stCondLst>
-                              <p:cond delay="0"/>
-                            </p:stCondLst>
-                            <p:childTnLst>
                               <p:par>
-                                <p:cTn id="19" presetID="1" presetClass="entr" presetSubtype="0" fill="hold" nodeType="clickEffect">
+                                <p:cTn id="17" presetID="1" presetClass="entr" presetSubtype="0" fill="hold" nodeType="withEffect">
                                   <p:stCondLst>
                                     <p:cond delay="0"/>
                                   </p:stCondLst>
                                   <p:childTnLst>
                                     <p:set>
                                       <p:cBhvr>
-                                        <p:cTn id="20" dur="1" fill="hold">
+                                        <p:cTn id="18" dur="1" fill="hold">
                                           <p:stCondLst>
                                             <p:cond delay="0"/>
                                           </p:stCondLst>
@@ -12829,19 +14128,50 @@
                     </p:cTn>
                   </p:par>
                   <p:par>
-                    <p:cTn id="21" fill="hold">
+                    <p:cTn id="19" fill="hold">
                       <p:stCondLst>
                         <p:cond delay="indefinite"/>
                       </p:stCondLst>
                       <p:childTnLst>
                         <p:par>
-                          <p:cTn id="22" fill="hold">
+                          <p:cTn id="20" fill="hold">
                             <p:stCondLst>
                               <p:cond delay="0"/>
                             </p:stCondLst>
                             <p:childTnLst>
                               <p:par>
-                                <p:cTn id="23" presetID="1" presetClass="entr" presetSubtype="0" fill="hold" nodeType="clickEffect">
+                                <p:cTn id="21" presetID="1" presetClass="entr" presetSubtype="0" fill="hold" nodeType="clickEffect">
+                                  <p:stCondLst>
+                                    <p:cond delay="0"/>
+                                  </p:stCondLst>
+                                  <p:childTnLst>
+                                    <p:set>
+                                      <p:cBhvr>
+                                        <p:cTn id="22" dur="1" fill="hold">
+                                          <p:stCondLst>
+                                            <p:cond delay="0"/>
+                                          </p:stCondLst>
+                                        </p:cTn>
+                                        <p:tgtEl>
+                                          <p:spTgt spid="6">
+                                            <p:txEl>
+                                              <p:pRg st="6" end="6"/>
+                                            </p:txEl>
+                                          </p:spTgt>
+                                        </p:tgtEl>
+                                        <p:attrNameLst>
+                                          <p:attrName>style.visibility</p:attrName>
+                                        </p:attrNameLst>
+                                      </p:cBhvr>
+                                      <p:to>
+                                        <p:strVal val="visible"/>
+                                      </p:to>
+                                    </p:set>
+                                  </p:childTnLst>
+                                </p:cTn>
+                              </p:par>
+                              <p:par>
+                                <p:cTn id="23" presetID="1" presetClass="entr" presetSubtype="0" fill="hold" grpId="0" nodeType="withEffect">
                                   <p:stCondLst>
                                     <p:cond delay="0"/>
                                   </p:stCondLst>
@@ -12854,10 +14184,8 @@
                                           </p:stCondLst>
                                         </p:cTn>
                                         <p:tgtEl>
-                                          <p:spTgt spid="6">
-                                            <p:txEl>
-                                              <p:pRg st="6" end="6"/>
-                                            </p:txEl>
+                                          <p:spTgt spid="3">
+                                            <p:bg/>
                                           </p:spTgt>
                                         </p:tgtEl>
                                         <p:attrNameLst>
@@ -12885,11 +14213,607 @@
                                           </p:stCondLst>
                                         </p:cTn>
                                         <p:tgtEl>
+                                          <p:spTgt spid="3">
+                                            <p:txEl>
+                                              <p:pRg st="1" end="1"/>
+                                            </p:txEl>
+                                          </p:spTgt>
+                                        </p:tgtEl>
+                                        <p:attrNameLst>
+                                          <p:attrName>style.visibility</p:attrName>
+                                        </p:attrNameLst>
+                                      </p:cBhvr>
+                                      <p:to>
+                                        <p:strVal val="visible"/>
+                                      </p:to>
+                                    </p:set>
+                                  </p:childTnLst>
+                                </p:cTn>
+                              </p:par>
+                              <p:par>
+                                <p:cTn id="27" presetID="1" presetClass="entr" presetSubtype="0" fill="hold" nodeType="withEffect">
+                                  <p:stCondLst>
+                                    <p:cond delay="0"/>
+                                  </p:stCondLst>
+                                  <p:childTnLst>
+                                    <p:set>
+                                      <p:cBhvr>
+                                        <p:cTn id="28" dur="1" fill="hold">
+                                          <p:stCondLst>
+                                            <p:cond delay="0"/>
+                                          </p:stCondLst>
+                                        </p:cTn>
+                                        <p:tgtEl>
+                                          <p:spTgt spid="3">
+                                            <p:txEl>
+                                              <p:pRg st="0" end="0"/>
+                                            </p:txEl>
+                                          </p:spTgt>
+                                        </p:tgtEl>
+                                        <p:attrNameLst>
+                                          <p:attrName>style.visibility</p:attrName>
+                                        </p:attrNameLst>
+                                      </p:cBhvr>
+                                      <p:to>
+                                        <p:strVal val="visible"/>
+                                      </p:to>
+                                    </p:set>
+                                  </p:childTnLst>
+                                </p:cTn>
+                              </p:par>
+                              <p:par>
+                                <p:cTn id="29" presetID="1" presetClass="entr" presetSubtype="0" fill="hold" nodeType="withEffect">
+                                  <p:stCondLst>
+                                    <p:cond delay="0"/>
+                                  </p:stCondLst>
+                                  <p:childTnLst>
+                                    <p:set>
+                                      <p:cBhvr>
+                                        <p:cTn id="30" dur="1" fill="hold">
+                                          <p:stCondLst>
+                                            <p:cond delay="0"/>
+                                          </p:stCondLst>
+                                        </p:cTn>
+                                        <p:tgtEl>
+                                          <p:spTgt spid="3">
+                                            <p:txEl>
+                                              <p:pRg st="2" end="2"/>
+                                            </p:txEl>
+                                          </p:spTgt>
+                                        </p:tgtEl>
+                                        <p:attrNameLst>
+                                          <p:attrName>style.visibility</p:attrName>
+                                        </p:attrNameLst>
+                                      </p:cBhvr>
+                                      <p:to>
+                                        <p:strVal val="visible"/>
+                                      </p:to>
+                                    </p:set>
+                                  </p:childTnLst>
+                                </p:cTn>
+                              </p:par>
+                              <p:par>
+                                <p:cTn id="31" presetID="1" presetClass="entr" presetSubtype="0" fill="hold" grpId="0" nodeType="withEffect">
+                                  <p:stCondLst>
+                                    <p:cond delay="0"/>
+                                  </p:stCondLst>
+                                  <p:childTnLst>
+                                    <p:set>
+                                      <p:cBhvr>
+                                        <p:cTn id="32" dur="1" fill="hold">
+                                          <p:stCondLst>
+                                            <p:cond delay="0"/>
+                                          </p:stCondLst>
+                                        </p:cTn>
+                                        <p:tgtEl>
+                                          <p:spTgt spid="5"/>
+                                        </p:tgtEl>
+                                        <p:attrNameLst>
+                                          <p:attrName>style.visibility</p:attrName>
+                                        </p:attrNameLst>
+                                      </p:cBhvr>
+                                      <p:to>
+                                        <p:strVal val="visible"/>
+                                      </p:to>
+                                    </p:set>
+                                  </p:childTnLst>
+                                </p:cTn>
+                              </p:par>
+                              <p:par>
+                                <p:cTn id="33" presetID="1" presetClass="entr" presetSubtype="0" fill="hold" nodeType="withEffect">
+                                  <p:stCondLst>
+                                    <p:cond delay="0"/>
+                                  </p:stCondLst>
+                                  <p:childTnLst>
+                                    <p:set>
+                                      <p:cBhvr>
+                                        <p:cTn id="34" dur="1" fill="hold">
+                                          <p:stCondLst>
+                                            <p:cond delay="0"/>
+                                          </p:stCondLst>
+                                        </p:cTn>
+                                        <p:tgtEl>
+                                          <p:spTgt spid="10"/>
+                                        </p:tgtEl>
+                                        <p:attrNameLst>
+                                          <p:attrName>style.visibility</p:attrName>
+                                        </p:attrNameLst>
+                                      </p:cBhvr>
+                                      <p:to>
+                                        <p:strVal val="visible"/>
+                                      </p:to>
+                                    </p:set>
+                                  </p:childTnLst>
+                                </p:cTn>
+                              </p:par>
+                              <p:par>
+                                <p:cTn id="35" presetID="1" presetClass="entr" presetSubtype="0" fill="hold" grpId="0" nodeType="withEffect">
+                                  <p:stCondLst>
+                                    <p:cond delay="0"/>
+                                  </p:stCondLst>
+                                  <p:childTnLst>
+                                    <p:set>
+                                      <p:cBhvr>
+                                        <p:cTn id="36" dur="1" fill="hold">
+                                          <p:stCondLst>
+                                            <p:cond delay="0"/>
+                                          </p:stCondLst>
+                                        </p:cTn>
+                                        <p:tgtEl>
+                                          <p:spTgt spid="7"/>
+                                        </p:tgtEl>
+                                        <p:attrNameLst>
+                                          <p:attrName>style.visibility</p:attrName>
+                                        </p:attrNameLst>
+                                      </p:cBhvr>
+                                      <p:to>
+                                        <p:strVal val="visible"/>
+                                      </p:to>
+                                    </p:set>
+                                  </p:childTnLst>
+                                </p:cTn>
+                              </p:par>
+                              <p:par>
+                                <p:cTn id="37" presetID="1" presetClass="entr" presetSubtype="0" fill="hold" nodeType="withEffect">
+                                  <p:stCondLst>
+                                    <p:cond delay="0"/>
+                                  </p:stCondLst>
+                                  <p:childTnLst>
+                                    <p:set>
+                                      <p:cBhvr>
+                                        <p:cTn id="38" dur="1" fill="hold">
+                                          <p:stCondLst>
+                                            <p:cond delay="0"/>
+                                          </p:stCondLst>
+                                        </p:cTn>
+                                        <p:tgtEl>
+                                          <p:spTgt spid="13"/>
+                                        </p:tgtEl>
+                                        <p:attrNameLst>
+                                          <p:attrName>style.visibility</p:attrName>
+                                        </p:attrNameLst>
+                                      </p:cBhvr>
+                                      <p:to>
+                                        <p:strVal val="visible"/>
+                                      </p:to>
+                                    </p:set>
+                                  </p:childTnLst>
+                                </p:cTn>
+                              </p:par>
+                              <p:par>
+                                <p:cTn id="39" presetID="1" presetClass="entr" presetSubtype="0" fill="hold" grpId="0" nodeType="withEffect">
+                                  <p:stCondLst>
+                                    <p:cond delay="0"/>
+                                  </p:stCondLst>
+                                  <p:childTnLst>
+                                    <p:set>
+                                      <p:cBhvr>
+                                        <p:cTn id="40" dur="1" fill="hold">
+                                          <p:stCondLst>
+                                            <p:cond delay="0"/>
+                                          </p:stCondLst>
+                                        </p:cTn>
+                                        <p:tgtEl>
+                                          <p:spTgt spid="8"/>
+                                        </p:tgtEl>
+                                        <p:attrNameLst>
+                                          <p:attrName>style.visibility</p:attrName>
+                                        </p:attrNameLst>
+                                      </p:cBhvr>
+                                      <p:to>
+                                        <p:strVal val="visible"/>
+                                      </p:to>
+                                    </p:set>
+                                  </p:childTnLst>
+                                </p:cTn>
+                              </p:par>
+                            </p:childTnLst>
+                          </p:cTn>
+                        </p:par>
+                      </p:childTnLst>
+                    </p:cTn>
+                  </p:par>
+                  <p:par>
+                    <p:cTn id="41" fill="hold">
+                      <p:stCondLst>
+                        <p:cond delay="indefinite"/>
+                      </p:stCondLst>
+                      <p:childTnLst>
+                        <p:par>
+                          <p:cTn id="42" fill="hold">
+                            <p:stCondLst>
+                              <p:cond delay="0"/>
+                            </p:stCondLst>
+                            <p:childTnLst>
+                              <p:par>
+                                <p:cTn id="43" presetID="1" presetClass="entr" presetSubtype="0" fill="hold" nodeType="clickEffect">
+                                  <p:stCondLst>
+                                    <p:cond delay="0"/>
+                                  </p:stCondLst>
+                                  <p:childTnLst>
+                                    <p:set>
+                                      <p:cBhvr>
+                                        <p:cTn id="44" dur="1" fill="hold">
+                                          <p:stCondLst>
+                                            <p:cond delay="0"/>
+                                          </p:stCondLst>
+                                        </p:cTn>
+                                        <p:tgtEl>
                                           <p:spTgt spid="6">
                                             <p:txEl>
                                               <p:pRg st="7" end="7"/>
                                             </p:txEl>
                                           </p:spTgt>
+                                        </p:tgtEl>
+                                        <p:attrNameLst>
+                                          <p:attrName>style.visibility</p:attrName>
+                                        </p:attrNameLst>
+                                      </p:cBhvr>
+                                      <p:to>
+                                        <p:strVal val="visible"/>
+                                      </p:to>
+                                    </p:set>
+                                  </p:childTnLst>
+                                </p:cTn>
+                              </p:par>
+                              <p:par>
+                                <p:cTn id="45" presetID="1" presetClass="entr" presetSubtype="0" fill="hold" nodeType="withEffect">
+                                  <p:stCondLst>
+                                    <p:cond delay="0"/>
+                                  </p:stCondLst>
+                                  <p:childTnLst>
+                                    <p:set>
+                                      <p:cBhvr>
+                                        <p:cTn id="46" dur="1" fill="hold">
+                                          <p:stCondLst>
+                                            <p:cond delay="0"/>
+                                          </p:stCondLst>
+                                        </p:cTn>
+                                        <p:tgtEl>
+                                          <p:spTgt spid="6">
+                                            <p:txEl>
+                                              <p:pRg st="8" end="8"/>
+                                            </p:txEl>
+                                          </p:spTgt>
+                                        </p:tgtEl>
+                                        <p:attrNameLst>
+                                          <p:attrName>style.visibility</p:attrName>
+                                        </p:attrNameLst>
+                                      </p:cBhvr>
+                                      <p:to>
+                                        <p:strVal val="visible"/>
+                                      </p:to>
+                                    </p:set>
+                                  </p:childTnLst>
+                                </p:cTn>
+                              </p:par>
+                            </p:childTnLst>
+                          </p:cTn>
+                        </p:par>
+                      </p:childTnLst>
+                    </p:cTn>
+                  </p:par>
+                  <p:par>
+                    <p:cTn id="47" fill="hold">
+                      <p:stCondLst>
+                        <p:cond delay="indefinite"/>
+                      </p:stCondLst>
+                      <p:childTnLst>
+                        <p:par>
+                          <p:cTn id="48" fill="hold">
+                            <p:stCondLst>
+                              <p:cond delay="0"/>
+                            </p:stCondLst>
+                            <p:childTnLst>
+                              <p:par>
+                                <p:cTn id="49" presetID="1" presetClass="entr" presetSubtype="0" fill="hold" nodeType="clickEffect">
+                                  <p:stCondLst>
+                                    <p:cond delay="0"/>
+                                  </p:stCondLst>
+                                  <p:childTnLst>
+                                    <p:set>
+                                      <p:cBhvr>
+                                        <p:cTn id="50" dur="1" fill="hold">
+                                          <p:stCondLst>
+                                            <p:cond delay="0"/>
+                                          </p:stCondLst>
+                                        </p:cTn>
+                                        <p:tgtEl>
+                                          <p:spTgt spid="20">
+                                            <p:txEl>
+                                              <p:pRg st="0" end="0"/>
+                                            </p:txEl>
+                                          </p:spTgt>
+                                        </p:tgtEl>
+                                        <p:attrNameLst>
+                                          <p:attrName>style.visibility</p:attrName>
+                                        </p:attrNameLst>
+                                      </p:cBhvr>
+                                      <p:to>
+                                        <p:strVal val="visible"/>
+                                      </p:to>
+                                    </p:set>
+                                  </p:childTnLst>
+                                </p:cTn>
+                              </p:par>
+                              <p:par>
+                                <p:cTn id="51" presetID="1" presetClass="entr" presetSubtype="0" fill="hold" grpId="0" nodeType="withEffect">
+                                  <p:stCondLst>
+                                    <p:cond delay="0"/>
+                                  </p:stCondLst>
+                                  <p:childTnLst>
+                                    <p:set>
+                                      <p:cBhvr>
+                                        <p:cTn id="52" dur="1" fill="hold">
+                                          <p:stCondLst>
+                                            <p:cond delay="0"/>
+                                          </p:stCondLst>
+                                        </p:cTn>
+                                        <p:tgtEl>
+                                          <p:spTgt spid="19"/>
+                                        </p:tgtEl>
+                                        <p:attrNameLst>
+                                          <p:attrName>style.visibility</p:attrName>
+                                        </p:attrNameLst>
+                                      </p:cBhvr>
+                                      <p:to>
+                                        <p:strVal val="visible"/>
+                                      </p:to>
+                                    </p:set>
+                                  </p:childTnLst>
+                                </p:cTn>
+                              </p:par>
+                              <p:par>
+                                <p:cTn id="53" presetID="1" presetClass="entr" presetSubtype="0" fill="hold" nodeType="withEffect">
+                                  <p:stCondLst>
+                                    <p:cond delay="0"/>
+                                  </p:stCondLst>
+                                  <p:childTnLst>
+                                    <p:set>
+                                      <p:cBhvr>
+                                        <p:cTn id="54" dur="1" fill="hold">
+                                          <p:stCondLst>
+                                            <p:cond delay="0"/>
+                                          </p:stCondLst>
+                                        </p:cTn>
+                                        <p:tgtEl>
+                                          <p:spTgt spid="21"/>
+                                        </p:tgtEl>
+                                        <p:attrNameLst>
+                                          <p:attrName>style.visibility</p:attrName>
+                                        </p:attrNameLst>
+                                      </p:cBhvr>
+                                      <p:to>
+                                        <p:strVal val="visible"/>
+                                      </p:to>
+                                    </p:set>
+                                  </p:childTnLst>
+                                </p:cTn>
+                              </p:par>
+                              <p:par>
+                                <p:cTn id="55" presetID="1" presetClass="entr" presetSubtype="0" fill="hold" grpId="0" nodeType="withEffect">
+                                  <p:stCondLst>
+                                    <p:cond delay="0"/>
+                                  </p:stCondLst>
+                                  <p:childTnLst>
+                                    <p:set>
+                                      <p:cBhvr>
+                                        <p:cTn id="56" dur="1" fill="hold">
+                                          <p:stCondLst>
+                                            <p:cond delay="0"/>
+                                          </p:stCondLst>
+                                        </p:cTn>
+                                        <p:tgtEl>
+                                          <p:spTgt spid="22"/>
+                                        </p:tgtEl>
+                                        <p:attrNameLst>
+                                          <p:attrName>style.visibility</p:attrName>
+                                        </p:attrNameLst>
+                                      </p:cBhvr>
+                                      <p:to>
+                                        <p:strVal val="visible"/>
+                                      </p:to>
+                                    </p:set>
+                                  </p:childTnLst>
+                                </p:cTn>
+                              </p:par>
+                              <p:par>
+                                <p:cTn id="57" presetID="1" presetClass="entr" presetSubtype="0" fill="hold" grpId="0" nodeType="withEffect">
+                                  <p:stCondLst>
+                                    <p:cond delay="0"/>
+                                  </p:stCondLst>
+                                  <p:childTnLst>
+                                    <p:set>
+                                      <p:cBhvr>
+                                        <p:cTn id="58" dur="1" fill="hold">
+                                          <p:stCondLst>
+                                            <p:cond delay="0"/>
+                                          </p:stCondLst>
+                                        </p:cTn>
+                                        <p:tgtEl>
+                                          <p:spTgt spid="23"/>
+                                        </p:tgtEl>
+                                        <p:attrNameLst>
+                                          <p:attrName>style.visibility</p:attrName>
+                                        </p:attrNameLst>
+                                      </p:cBhvr>
+                                      <p:to>
+                                        <p:strVal val="visible"/>
+                                      </p:to>
+                                    </p:set>
+                                  </p:childTnLst>
+                                </p:cTn>
+                              </p:par>
+                              <p:par>
+                                <p:cTn id="59" presetID="1" presetClass="entr" presetSubtype="0" fill="hold" grpId="0" nodeType="withEffect">
+                                  <p:stCondLst>
+                                    <p:cond delay="0"/>
+                                  </p:stCondLst>
+                                  <p:childTnLst>
+                                    <p:set>
+                                      <p:cBhvr>
+                                        <p:cTn id="60" dur="1" fill="hold">
+                                          <p:stCondLst>
+                                            <p:cond delay="0"/>
+                                          </p:stCondLst>
+                                        </p:cTn>
+                                        <p:tgtEl>
+                                          <p:spTgt spid="24"/>
+                                        </p:tgtEl>
+                                        <p:attrNameLst>
+                                          <p:attrName>style.visibility</p:attrName>
+                                        </p:attrNameLst>
+                                      </p:cBhvr>
+                                      <p:to>
+                                        <p:strVal val="visible"/>
+                                      </p:to>
+                                    </p:set>
+                                  </p:childTnLst>
+                                </p:cTn>
+                              </p:par>
+                              <p:par>
+                                <p:cTn id="61" presetID="1" presetClass="entr" presetSubtype="0" fill="hold" grpId="0" nodeType="withEffect">
+                                  <p:stCondLst>
+                                    <p:cond delay="0"/>
+                                  </p:stCondLst>
+                                  <p:childTnLst>
+                                    <p:set>
+                                      <p:cBhvr>
+                                        <p:cTn id="62" dur="1" fill="hold">
+                                          <p:stCondLst>
+                                            <p:cond delay="0"/>
+                                          </p:stCondLst>
+                                        </p:cTn>
+                                        <p:tgtEl>
+                                          <p:spTgt spid="25"/>
+                                        </p:tgtEl>
+                                        <p:attrNameLst>
+                                          <p:attrName>style.visibility</p:attrName>
+                                        </p:attrNameLst>
+                                      </p:cBhvr>
+                                      <p:to>
+                                        <p:strVal val="visible"/>
+                                      </p:to>
+                                    </p:set>
+                                  </p:childTnLst>
+                                </p:cTn>
+                              </p:par>
+                              <p:par>
+                                <p:cTn id="63" presetID="1" presetClass="entr" presetSubtype="0" fill="hold" grpId="0" nodeType="withEffect">
+                                  <p:stCondLst>
+                                    <p:cond delay="0"/>
+                                  </p:stCondLst>
+                                  <p:childTnLst>
+                                    <p:set>
+                                      <p:cBhvr>
+                                        <p:cTn id="64" dur="1" fill="hold">
+                                          <p:stCondLst>
+                                            <p:cond delay="0"/>
+                                          </p:stCondLst>
+                                        </p:cTn>
+                                        <p:tgtEl>
+                                          <p:spTgt spid="26"/>
+                                        </p:tgtEl>
+                                        <p:attrNameLst>
+                                          <p:attrName>style.visibility</p:attrName>
+                                        </p:attrNameLst>
+                                      </p:cBhvr>
+                                      <p:to>
+                                        <p:strVal val="visible"/>
+                                      </p:to>
+                                    </p:set>
+                                  </p:childTnLst>
+                                </p:cTn>
+                              </p:par>
+                              <p:par>
+                                <p:cTn id="65" presetID="1" presetClass="entr" presetSubtype="0" fill="hold" grpId="0" nodeType="withEffect">
+                                  <p:stCondLst>
+                                    <p:cond delay="0"/>
+                                  </p:stCondLst>
+                                  <p:childTnLst>
+                                    <p:set>
+                                      <p:cBhvr>
+                                        <p:cTn id="66" dur="1" fill="hold">
+                                          <p:stCondLst>
+                                            <p:cond delay="0"/>
+                                          </p:stCondLst>
+                                        </p:cTn>
+                                        <p:tgtEl>
+                                          <p:spTgt spid="27"/>
+                                        </p:tgtEl>
+                                        <p:attrNameLst>
+                                          <p:attrName>style.visibility</p:attrName>
+                                        </p:attrNameLst>
+                                      </p:cBhvr>
+                                      <p:to>
+                                        <p:strVal val="visible"/>
+                                      </p:to>
+                                    </p:set>
+                                  </p:childTnLst>
+                                </p:cTn>
+                              </p:par>
+                              <p:par>
+                                <p:cTn id="67" presetID="1" presetClass="entr" presetSubtype="0" fill="hold" grpId="0" nodeType="withEffect">
+                                  <p:stCondLst>
+                                    <p:cond delay="0"/>
+                                  </p:stCondLst>
+                                  <p:childTnLst>
+                                    <p:set>
+                                      <p:cBhvr>
+                                        <p:cTn id="68" dur="1" fill="hold">
+                                          <p:stCondLst>
+                                            <p:cond delay="0"/>
+                                          </p:stCondLst>
+                                        </p:cTn>
+                                        <p:tgtEl>
+                                          <p:spTgt spid="28"/>
+                                        </p:tgtEl>
+                                        <p:attrNameLst>
+                                          <p:attrName>style.visibility</p:attrName>
+                                        </p:attrNameLst>
+                                      </p:cBhvr>
+                                      <p:to>
+                                        <p:strVal val="visible"/>
+                                      </p:to>
+                                    </p:set>
+                                  </p:childTnLst>
+                                </p:cTn>
+                              </p:par>
+                              <p:par>
+                                <p:cTn id="69" presetID="1" presetClass="entr" presetSubtype="0" fill="hold" grpId="0" nodeType="withEffect">
+                                  <p:stCondLst>
+                                    <p:cond delay="0"/>
+                                  </p:stCondLst>
+                                  <p:childTnLst>
+                                    <p:set>
+                                      <p:cBhvr>
+                                        <p:cTn id="70" dur="1" fill="hold">
+                                          <p:stCondLst>
+                                            <p:cond delay="0"/>
+                                          </p:stCondLst>
+                                        </p:cTn>
+                                        <p:tgtEl>
+                                          <p:spTgt spid="29"/>
                                         </p:tgtEl>
                                         <p:attrNameLst>
                                           <p:attrName>style.visibility</p:attrName>
@@ -12931,6 +14855,19 @@
     </p:tnLst>
     <p:bldLst>
       <p:bldP spid="6" grpId="0" uiExpand="1" build="allAtOnce" animBg="1"/>
+      <p:bldP spid="3" grpId="0" uiExpand="1" build="allAtOnce" animBg="1"/>
+      <p:bldP spid="5" grpId="0" animBg="1"/>
+      <p:bldP spid="7" grpId="0" animBg="1"/>
+      <p:bldP spid="8" grpId="0" animBg="1"/>
+      <p:bldP spid="19" grpId="0" animBg="1"/>
+      <p:bldP spid="22" grpId="0" animBg="1"/>
+      <p:bldP spid="23" grpId="0" animBg="1"/>
+      <p:bldP spid="24" grpId="0" animBg="1"/>
+      <p:bldP spid="25" grpId="0" animBg="1"/>
+      <p:bldP spid="26" grpId="0"/>
+      <p:bldP spid="27" grpId="0"/>
+      <p:bldP spid="28" grpId="0"/>
+      <p:bldP spid="29" grpId="0"/>
     </p:bldLst>
   </p:timing>
 </p:sld>
@@ -20322,7 +22259,7 @@
                 <a:effectLst/>
                 <a:latin typeface="Menlo" panose="020B0609030804020204" pitchFamily="49" charset="0"/>
               </a:rPr>
-              <a:t>in</a:t>
+              <a:t>layout (location = 0) in</a:t>
             </a:r>
             <a:r>
               <a:rPr lang="en-US" altLang="ko-KR" sz="1400" dirty="0">
@@ -20352,27 +22289,7 @@
                 <a:effectLst/>
                 <a:latin typeface="Menlo" panose="020B0609030804020204" pitchFamily="49" charset="0"/>
               </a:rPr>
-              <a:t> </a:t>
-            </a:r>
-            <a:r>
-              <a:rPr lang="en-US" altLang="ko-KR" sz="1400" dirty="0" err="1">
-                <a:solidFill>
-                  <a:srgbClr val="267507"/>
-                </a:solidFill>
-                <a:effectLst/>
-                <a:latin typeface="Menlo" panose="020B0609030804020204" pitchFamily="49" charset="0"/>
-              </a:rPr>
-              <a:t>aPosition</a:t>
-            </a:r>
-            <a:r>
-              <a:rPr lang="en-US" altLang="ko-KR" sz="1400" dirty="0">
-                <a:solidFill>
-                  <a:srgbClr val="267507"/>
-                </a:solidFill>
-                <a:effectLst/>
-                <a:latin typeface="Menlo" panose="020B0609030804020204" pitchFamily="49" charset="0"/>
-              </a:rPr>
-              <a:t>;  // </a:t>
+              <a:t> aPosition;  // </a:t>
             </a:r>
             <a:r>
               <a:rPr lang="en-US" altLang="ko-KR" sz="1400" dirty="0">
@@ -20401,10 +22318,22 @@
                 <a:effectLst/>
                 <a:latin typeface="Menlo" panose="020B0609030804020204" pitchFamily="49" charset="0"/>
               </a:rPr>
-              <a:t>coords.</a:t>
-            </a:r>
-            <a:r>
-              <a:rPr lang="ko-KR" altLang="en-US" sz="1400" dirty="0">
+              <a:t>(x, y, z)</a:t>
+            </a:r>
+          </a:p>
+          <a:p>
+            <a:r>
+              <a:rPr lang="en-US" altLang="ko-KR" sz="1400" b="1" dirty="0">
+                <a:solidFill>
+                  <a:srgbClr val="9B2393"/>
+                </a:solidFill>
+                <a:effectLst/>
+                <a:latin typeface="Menlo" panose="020B0609030804020204" pitchFamily="49" charset="0"/>
+              </a:rPr>
+              <a:t>layout (location = 1) in</a:t>
+            </a:r>
+            <a:r>
+              <a:rPr lang="en-US" altLang="ko-KR" sz="1400" dirty="0">
                 <a:solidFill>
                   <a:srgbClr val="267507"/>
                 </a:solidFill>
@@ -20414,38 +22343,6 @@
               <a:t> </a:t>
             </a:r>
             <a:r>
-              <a:rPr lang="en-US" altLang="ko-KR" sz="1400" dirty="0">
-                <a:solidFill>
-                  <a:srgbClr val="267507"/>
-                </a:solidFill>
-                <a:effectLst/>
-                <a:latin typeface="Menlo" panose="020B0609030804020204" pitchFamily="49" charset="0"/>
-              </a:rPr>
-              <a:t>(x, y, z)</a:t>
-            </a:r>
-          </a:p>
-          <a:p>
-            <a:r>
-              <a:rPr lang="en-US" altLang="ko-KR" sz="1400" b="1" dirty="0">
-                <a:solidFill>
-                  <a:srgbClr val="9B2393"/>
-                </a:solidFill>
-                <a:effectLst/>
-                <a:latin typeface="Menlo" panose="020B0609030804020204" pitchFamily="49" charset="0"/>
-              </a:rPr>
-              <a:t>in</a:t>
-            </a:r>
-            <a:r>
-              <a:rPr lang="en-US" altLang="ko-KR" sz="1400" dirty="0">
-                <a:solidFill>
-                  <a:srgbClr val="267507"/>
-                </a:solidFill>
-                <a:effectLst/>
-                <a:latin typeface="Menlo" panose="020B0609030804020204" pitchFamily="49" charset="0"/>
-              </a:rPr>
-              <a:t> </a:t>
-            </a:r>
-            <a:r>
               <a:rPr lang="en-US" altLang="ko-KR" sz="1400" b="1" dirty="0">
                 <a:solidFill>
                   <a:srgbClr val="9B2393"/>
@@ -20463,27 +22360,7 @@
                 <a:effectLst/>
                 <a:latin typeface="Menlo" panose="020B0609030804020204" pitchFamily="49" charset="0"/>
               </a:rPr>
-              <a:t> </a:t>
-            </a:r>
-            <a:r>
-              <a:rPr lang="en-US" altLang="ko-KR" sz="1400" dirty="0" err="1">
-                <a:solidFill>
-                  <a:srgbClr val="267507"/>
-                </a:solidFill>
-                <a:effectLst/>
-                <a:latin typeface="Menlo" panose="020B0609030804020204" pitchFamily="49" charset="0"/>
-              </a:rPr>
-              <a:t>aNormal</a:t>
-            </a:r>
-            <a:r>
-              <a:rPr lang="en-US" altLang="ko-KR" sz="1400" dirty="0">
-                <a:solidFill>
-                  <a:srgbClr val="267507"/>
-                </a:solidFill>
-                <a:effectLst/>
-                <a:latin typeface="Menlo" panose="020B0609030804020204" pitchFamily="49" charset="0"/>
-              </a:rPr>
-              <a:t>;    // </a:t>
+              <a:t> aNormal;    // </a:t>
             </a:r>
             <a:r>
               <a:rPr lang="en-US" altLang="ko-KR" sz="1400" dirty="0">
@@ -20930,7 +22807,7 @@
               <a:t> * </a:t>
             </a:r>
             <a:r>
-              <a:rPr lang="en-US" altLang="ko-KR" sz="1400" dirty="0" err="1">
+              <a:rPr lang="en-US" altLang="ko-KR" sz="1400" dirty="0">
                 <a:solidFill>
                   <a:srgbClr val="000000"/>
                 </a:solidFill>
@@ -21187,27 +23064,7 @@
                 <a:effectLst/>
                 <a:latin typeface="Menlo" panose="020B0609030804020204" pitchFamily="49" charset="0"/>
               </a:rPr>
-              <a:t> * </a:t>
-            </a:r>
-            <a:r>
-              <a:rPr lang="en-US" altLang="ko-KR" sz="1400" dirty="0" err="1">
-                <a:solidFill>
-                  <a:srgbClr val="000000"/>
-                </a:solidFill>
-                <a:effectLst/>
-                <a:latin typeface="Menlo" panose="020B0609030804020204" pitchFamily="49" charset="0"/>
-              </a:rPr>
-              <a:t>aNormal</a:t>
-            </a:r>
-            <a:r>
-              <a:rPr lang="en-US" altLang="ko-KR" sz="1400" dirty="0">
-                <a:solidFill>
-                  <a:srgbClr val="000000"/>
-                </a:solidFill>
-                <a:effectLst/>
-                <a:latin typeface="Menlo" panose="020B0609030804020204" pitchFamily="49" charset="0"/>
-              </a:rPr>
-              <a:t>);</a:t>
+              <a:t> * aNormal);</a:t>
             </a:r>
           </a:p>
           <a:p>
@@ -21451,8 +23308,8 @@
         </p:nvSpPr>
         <p:spPr>
           <a:xfrm>
-            <a:off x="628840" y="1546466"/>
-            <a:ext cx="6259248" cy="802414"/>
+            <a:off x="628839" y="1546466"/>
+            <a:ext cx="7691293" cy="802414"/>
           </a:xfrm>
           <a:prstGeom prst="roundRect">
             <a:avLst/>
@@ -21737,6 +23594,51 @@
           </a:p>
         </p:txBody>
       </p:sp>
+      <p:cxnSp>
+        <p:nvCxnSpPr>
+          <p:cNvPr id="3" name="직선 화살표 연결선 2">
+            <a:extLst>
+              <a:ext uri="{FF2B5EF4-FFF2-40B4-BE49-F238E27FC236}">
+                <a16:creationId xmlns:a16="http://schemas.microsoft.com/office/drawing/2014/main" id="{1C2984FD-5122-3CA9-58CA-0519844C53E3}"/>
+              </a:ext>
+            </a:extLst>
+          </p:cNvPr>
+          <p:cNvCxnSpPr>
+            <a:cxnSpLocks/>
+            <a:stCxn id="8" idx="3"/>
+          </p:cNvCxnSpPr>
+          <p:nvPr/>
+        </p:nvCxnSpPr>
+        <p:spPr>
+          <a:xfrm>
+            <a:off x="11754084" y="2434713"/>
+            <a:ext cx="318580" cy="0"/>
+          </a:xfrm>
+          <a:prstGeom prst="straightConnector1">
+            <a:avLst/>
+          </a:prstGeom>
+          <a:ln w="25400">
+            <a:solidFill>
+              <a:srgbClr val="FF0000"/>
+            </a:solidFill>
+            <a:tailEnd type="triangle" w="med" len="lg"/>
+          </a:ln>
+        </p:spPr>
+        <p:style>
+          <a:lnRef idx="1">
+            <a:schemeClr val="accent1"/>
+          </a:lnRef>
+          <a:fillRef idx="0">
+            <a:schemeClr val="accent1"/>
+          </a:fillRef>
+          <a:effectRef idx="0">
+            <a:schemeClr val="accent1"/>
+          </a:effectRef>
+          <a:fontRef idx="minor">
+            <a:schemeClr val="tx1"/>
+          </a:fontRef>
+        </p:style>
+      </p:cxnSp>
     </p:spTree>
     <p:extLst>
       <p:ext uri="{BB962C8B-B14F-4D97-AF65-F5344CB8AC3E}">
@@ -22419,6 +24321,22 @@
                                       </p:to>
                                     </p:set>
                                   </p:childTnLst>
+                                  <p:subTnLst>
+                                    <p:set>
+                                      <p:cBhvr override="childStyle">
+                                        <p:cTn dur="1" fill="hold" display="0" masterRel="nextClick" afterEffect="1"/>
+                                        <p:tgtEl>
+                                          <p:spTgt spid="20"/>
+                                        </p:tgtEl>
+                                        <p:attrNameLst>
+                                          <p:attrName>style.visibility</p:attrName>
+                                        </p:attrNameLst>
+                                      </p:cBhvr>
+                                      <p:to>
+                                        <p:strVal val="hidden"/>
+                                      </p:to>
+                                    </p:set>
+                                  </p:subTnLst>
                                 </p:cTn>
                               </p:par>
                             </p:childTnLst>
@@ -22559,43 +24477,21 @@
                                   </p:childTnLst>
                                 </p:cTn>
                               </p:par>
-                            </p:childTnLst>
-                          </p:cTn>
-                        </p:par>
-                      </p:childTnLst>
-                    </p:cTn>
-                  </p:par>
-                  <p:par>
-                    <p:cTn id="57" fill="hold">
-                      <p:stCondLst>
-                        <p:cond delay="indefinite"/>
-                      </p:stCondLst>
-                      <p:childTnLst>
-                        <p:par>
-                          <p:cTn id="58" fill="hold">
-                            <p:stCondLst>
-                              <p:cond delay="0"/>
-                            </p:stCondLst>
-                            <p:childTnLst>
                               <p:par>
-                                <p:cTn id="59" presetID="1" presetClass="entr" presetSubtype="0" fill="hold" nodeType="clickEffect">
+                                <p:cTn id="57" presetID="1" presetClass="entr" presetSubtype="0" fill="hold" nodeType="withEffect">
                                   <p:stCondLst>
                                     <p:cond delay="0"/>
                                   </p:stCondLst>
                                   <p:childTnLst>
                                     <p:set>
                                       <p:cBhvr>
-                                        <p:cTn id="60" dur="1" fill="hold">
+                                        <p:cTn id="58" dur="1" fill="hold">
                                           <p:stCondLst>
                                             <p:cond delay="0"/>
                                           </p:stCondLst>
                                         </p:cTn>
                                         <p:tgtEl>
-                                          <p:spTgt spid="6">
-                                            <p:txEl>
-                                              <p:pRg st="15" end="15"/>
-                                            </p:txEl>
-                                          </p:spTgt>
+                                          <p:spTgt spid="3"/>
                                         </p:tgtEl>
                                         <p:attrNameLst>
                                           <p:attrName>style.visibility</p:attrName>
@@ -22608,8 +24504,26 @@
                                   </p:childTnLst>
                                 </p:cTn>
                               </p:par>
+                            </p:childTnLst>
+                          </p:cTn>
+                        </p:par>
+                      </p:childTnLst>
+                    </p:cTn>
+                  </p:par>
+                  <p:par>
+                    <p:cTn id="59" fill="hold">
+                      <p:stCondLst>
+                        <p:cond delay="indefinite"/>
+                      </p:stCondLst>
+                      <p:childTnLst>
+                        <p:par>
+                          <p:cTn id="60" fill="hold">
+                            <p:stCondLst>
+                              <p:cond delay="0"/>
+                            </p:stCondLst>
+                            <p:childTnLst>
                               <p:par>
-                                <p:cTn id="61" presetID="1" presetClass="entr" presetSubtype="0" fill="hold" nodeType="withEffect">
+                                <p:cTn id="61" presetID="1" presetClass="entr" presetSubtype="0" fill="hold" nodeType="clickEffect">
                                   <p:stCondLst>
                                     <p:cond delay="0"/>
                                   </p:stCondLst>
@@ -22624,7 +24538,7 @@
                                         <p:tgtEl>
                                           <p:spTgt spid="6">
                                             <p:txEl>
-                                              <p:pRg st="16" end="16"/>
+                                              <p:pRg st="15" end="15"/>
                                             </p:txEl>
                                           </p:spTgt>
                                         </p:tgtEl>
@@ -22655,7 +24569,7 @@
                                         <p:tgtEl>
                                           <p:spTgt spid="6">
                                             <p:txEl>
-                                              <p:pRg st="17" end="17"/>
+                                              <p:pRg st="16" end="16"/>
                                             </p:txEl>
                                           </p:spTgt>
                                         </p:tgtEl>
@@ -22679,6 +24593,37 @@
                                     <p:set>
                                       <p:cBhvr>
                                         <p:cTn id="66" dur="1" fill="hold">
+                                          <p:stCondLst>
+                                            <p:cond delay="0"/>
+                                          </p:stCondLst>
+                                        </p:cTn>
+                                        <p:tgtEl>
+                                          <p:spTgt spid="6">
+                                            <p:txEl>
+                                              <p:pRg st="17" end="17"/>
+                                            </p:txEl>
+                                          </p:spTgt>
+                                        </p:tgtEl>
+                                        <p:attrNameLst>
+                                          <p:attrName>style.visibility</p:attrName>
+                                        </p:attrNameLst>
+                                      </p:cBhvr>
+                                      <p:to>
+                                        <p:strVal val="visible"/>
+                                      </p:to>
+                                    </p:set>
+                                  </p:childTnLst>
+                                </p:cTn>
+                              </p:par>
+                              <p:par>
+                                <p:cTn id="67" presetID="1" presetClass="entr" presetSubtype="0" fill="hold" nodeType="withEffect">
+                                  <p:stCondLst>
+                                    <p:cond delay="0"/>
+                                  </p:stCondLst>
+                                  <p:childTnLst>
+                                    <p:set>
+                                      <p:cBhvr>
+                                        <p:cTn id="68" dur="1" fill="hold">
                                           <p:stCondLst>
                                             <p:cond delay="0"/>
                                           </p:stCondLst>
@@ -23657,13 +25602,13 @@
           <p:nvPr>
             <p:extLst>
               <p:ext uri="{D42A27DB-BD31-4B8C-83A1-F6EECF244321}">
-                <p14:modId xmlns:p14="http://schemas.microsoft.com/office/powerpoint/2010/main" val="1160396986"/>
+                <p14:modId xmlns:p14="http://schemas.microsoft.com/office/powerpoint/2010/main" val="2489550178"/>
               </p:ext>
             </p:extLst>
           </p:nvPr>
         </p:nvGraphicFramePr>
         <p:xfrm>
-          <a:off x="9336360" y="2420888"/>
+          <a:off x="9336360" y="4196453"/>
           <a:ext cx="2407715" cy="1645920"/>
         </p:xfrm>
         <a:graphic>
@@ -27337,7 +29282,7 @@
         </p:nvSpPr>
         <p:spPr>
           <a:xfrm rot="1487276">
-            <a:off x="9833121" y="2319180"/>
+            <a:off x="9833121" y="4094745"/>
             <a:ext cx="1365567" cy="1141121"/>
           </a:xfrm>
           <a:prstGeom prst="triangle">
@@ -27384,7 +29329,7 @@
         </p:nvGrpSpPr>
         <p:grpSpPr>
           <a:xfrm>
-            <a:off x="6967175" y="2359612"/>
+            <a:off x="6967175" y="4135177"/>
             <a:ext cx="2089418" cy="1732663"/>
             <a:chOff x="6967175" y="2359612"/>
             <a:chExt cx="2089418" cy="1732663"/>
@@ -27545,6 +29490,357 @@
           </p:txBody>
         </p:sp>
       </p:grpSp>
+      <p:sp>
+        <p:nvSpPr>
+          <p:cNvPr id="5" name="모서리가 둥근 직사각형 4">
+            <a:extLst>
+              <a:ext uri="{FF2B5EF4-FFF2-40B4-BE49-F238E27FC236}">
+                <a16:creationId xmlns:a16="http://schemas.microsoft.com/office/drawing/2014/main" id="{3F14E62F-3432-FA75-5D3D-F6D744F0DA45}"/>
+              </a:ext>
+            </a:extLst>
+          </p:cNvPr>
+          <p:cNvSpPr/>
+          <p:nvPr/>
+        </p:nvSpPr>
+        <p:spPr>
+          <a:xfrm>
+            <a:off x="7818354" y="1672529"/>
+            <a:ext cx="1296144" cy="1224136"/>
+          </a:xfrm>
+          <a:prstGeom prst="roundRect">
+            <a:avLst/>
+          </a:prstGeom>
+          <a:ln>
+            <a:solidFill>
+              <a:schemeClr val="tx1">
+                <a:lumMod val="65000"/>
+                <a:lumOff val="35000"/>
+              </a:schemeClr>
+            </a:solidFill>
+          </a:ln>
+        </p:spPr>
+        <p:txBody>
+          <a:bodyPr wrap="square" rtlCol="0" anchor="ctr">
+            <a:noAutofit/>
+          </a:bodyPr>
+          <a:lstStyle/>
+          <a:p>
+            <a:pPr algn="ctr"/>
+            <a:r>
+              <a:rPr kumimoji="1" lang="en-US" altLang="ko-KR" sz="1600" b="1" dirty="0">
+                <a:solidFill>
+                  <a:srgbClr val="9B2393"/>
+                </a:solidFill>
+                <a:latin typeface="Tahoma" panose="020B0604030504040204" pitchFamily="34" charset="0"/>
+                <a:ea typeface="Tahoma" panose="020B0604030504040204" pitchFamily="34" charset="0"/>
+                <a:cs typeface="Tahoma" panose="020B0604030504040204" pitchFamily="34" charset="0"/>
+              </a:rPr>
+              <a:t>WebGL</a:t>
+            </a:r>
+          </a:p>
+          <a:p>
+            <a:pPr algn="ctr"/>
+            <a:r>
+              <a:rPr kumimoji="1" lang="en-US" altLang="ko-KR" sz="1600" b="1" dirty="0">
+                <a:solidFill>
+                  <a:srgbClr val="9B2393"/>
+                </a:solidFill>
+                <a:latin typeface="Tahoma" panose="020B0604030504040204" pitchFamily="34" charset="0"/>
+                <a:ea typeface="Tahoma" panose="020B0604030504040204" pitchFamily="34" charset="0"/>
+                <a:cs typeface="Tahoma" panose="020B0604030504040204" pitchFamily="34" charset="0"/>
+              </a:rPr>
+              <a:t>Program</a:t>
+            </a:r>
+            <a:endParaRPr kumimoji="1" lang="ko-KR" altLang="en-US" sz="1600" b="1" dirty="0">
+              <a:solidFill>
+                <a:srgbClr val="9B2393"/>
+              </a:solidFill>
+              <a:latin typeface="Tahoma" panose="020B0604030504040204" pitchFamily="34" charset="0"/>
+              <a:cs typeface="Tahoma" panose="020B0604030504040204" pitchFamily="34" charset="0"/>
+            </a:endParaRPr>
+          </a:p>
+        </p:txBody>
+      </p:sp>
+      <p:sp>
+        <p:nvSpPr>
+          <p:cNvPr id="10" name="모서리가 둥근 직사각형 9">
+            <a:extLst>
+              <a:ext uri="{FF2B5EF4-FFF2-40B4-BE49-F238E27FC236}">
+                <a16:creationId xmlns:a16="http://schemas.microsoft.com/office/drawing/2014/main" id="{89C77DB0-1A98-BAAA-EC71-90004810CDFC}"/>
+              </a:ext>
+            </a:extLst>
+          </p:cNvPr>
+          <p:cNvSpPr/>
+          <p:nvPr/>
+        </p:nvSpPr>
+        <p:spPr>
+          <a:xfrm>
+            <a:off x="9588006" y="1038282"/>
+            <a:ext cx="1296144" cy="1224136"/>
+          </a:xfrm>
+          <a:prstGeom prst="roundRect">
+            <a:avLst/>
+          </a:prstGeom>
+          <a:ln>
+            <a:solidFill>
+              <a:schemeClr val="tx1">
+                <a:lumMod val="65000"/>
+                <a:lumOff val="35000"/>
+              </a:schemeClr>
+            </a:solidFill>
+          </a:ln>
+        </p:spPr>
+        <p:txBody>
+          <a:bodyPr wrap="square" rtlCol="0" anchor="ctr">
+            <a:noAutofit/>
+          </a:bodyPr>
+          <a:lstStyle/>
+          <a:p>
+            <a:pPr algn="ctr"/>
+            <a:r>
+              <a:rPr kumimoji="1" lang="en-US" altLang="ko-KR" sz="1600" b="1" dirty="0">
+                <a:solidFill>
+                  <a:srgbClr val="9B2393"/>
+                </a:solidFill>
+                <a:latin typeface="Tahoma" panose="020B0604030504040204" pitchFamily="34" charset="0"/>
+                <a:ea typeface="Tahoma" panose="020B0604030504040204" pitchFamily="34" charset="0"/>
+                <a:cs typeface="Tahoma" panose="020B0604030504040204" pitchFamily="34" charset="0"/>
+              </a:rPr>
+              <a:t>Vertex</a:t>
+            </a:r>
+          </a:p>
+          <a:p>
+            <a:pPr algn="ctr"/>
+            <a:r>
+              <a:rPr kumimoji="1" lang="en-US" altLang="ko-KR" sz="1600" b="1" dirty="0">
+                <a:solidFill>
+                  <a:srgbClr val="9B2393"/>
+                </a:solidFill>
+                <a:latin typeface="Tahoma" panose="020B0604030504040204" pitchFamily="34" charset="0"/>
+                <a:ea typeface="Tahoma" panose="020B0604030504040204" pitchFamily="34" charset="0"/>
+                <a:cs typeface="Tahoma" panose="020B0604030504040204" pitchFamily="34" charset="0"/>
+              </a:rPr>
+              <a:t>Shader</a:t>
+            </a:r>
+            <a:endParaRPr kumimoji="1" lang="ko-KR" altLang="en-US" sz="1600" b="1" dirty="0">
+              <a:solidFill>
+                <a:srgbClr val="9B2393"/>
+              </a:solidFill>
+              <a:latin typeface="Tahoma" panose="020B0604030504040204" pitchFamily="34" charset="0"/>
+              <a:cs typeface="Tahoma" panose="020B0604030504040204" pitchFamily="34" charset="0"/>
+            </a:endParaRPr>
+          </a:p>
+        </p:txBody>
+      </p:sp>
+      <p:sp>
+        <p:nvSpPr>
+          <p:cNvPr id="11" name="모서리가 둥근 직사각형 10">
+            <a:extLst>
+              <a:ext uri="{FF2B5EF4-FFF2-40B4-BE49-F238E27FC236}">
+                <a16:creationId xmlns:a16="http://schemas.microsoft.com/office/drawing/2014/main" id="{07642CAE-13F4-8312-A773-743335AA3F22}"/>
+              </a:ext>
+            </a:extLst>
+          </p:cNvPr>
+          <p:cNvSpPr/>
+          <p:nvPr/>
+        </p:nvSpPr>
+        <p:spPr>
+          <a:xfrm>
+            <a:off x="9598910" y="2705555"/>
+            <a:ext cx="1296144" cy="1224136"/>
+          </a:xfrm>
+          <a:prstGeom prst="roundRect">
+            <a:avLst/>
+          </a:prstGeom>
+          <a:ln>
+            <a:solidFill>
+              <a:schemeClr val="tx1">
+                <a:lumMod val="65000"/>
+                <a:lumOff val="35000"/>
+              </a:schemeClr>
+            </a:solidFill>
+          </a:ln>
+        </p:spPr>
+        <p:txBody>
+          <a:bodyPr wrap="square" rtlCol="0" anchor="ctr">
+            <a:noAutofit/>
+          </a:bodyPr>
+          <a:lstStyle/>
+          <a:p>
+            <a:pPr algn="ctr"/>
+            <a:r>
+              <a:rPr kumimoji="1" lang="en-US" altLang="ko-KR" sz="1600" b="1" dirty="0">
+                <a:solidFill>
+                  <a:srgbClr val="9B2393"/>
+                </a:solidFill>
+                <a:latin typeface="Tahoma" panose="020B0604030504040204" pitchFamily="34" charset="0"/>
+                <a:ea typeface="Tahoma" panose="020B0604030504040204" pitchFamily="34" charset="0"/>
+                <a:cs typeface="Tahoma" panose="020B0604030504040204" pitchFamily="34" charset="0"/>
+              </a:rPr>
+              <a:t>Fragment</a:t>
+            </a:r>
+          </a:p>
+          <a:p>
+            <a:pPr algn="ctr"/>
+            <a:r>
+              <a:rPr kumimoji="1" lang="en-US" altLang="ko-KR" sz="1600" b="1" dirty="0">
+                <a:solidFill>
+                  <a:srgbClr val="9B2393"/>
+                </a:solidFill>
+                <a:latin typeface="Tahoma" panose="020B0604030504040204" pitchFamily="34" charset="0"/>
+                <a:ea typeface="Tahoma" panose="020B0604030504040204" pitchFamily="34" charset="0"/>
+                <a:cs typeface="Tahoma" panose="020B0604030504040204" pitchFamily="34" charset="0"/>
+              </a:rPr>
+              <a:t>Shader</a:t>
+            </a:r>
+            <a:endParaRPr kumimoji="1" lang="ko-KR" altLang="en-US" sz="1600" b="1" dirty="0">
+              <a:solidFill>
+                <a:srgbClr val="9B2393"/>
+              </a:solidFill>
+              <a:latin typeface="Tahoma" panose="020B0604030504040204" pitchFamily="34" charset="0"/>
+              <a:cs typeface="Tahoma" panose="020B0604030504040204" pitchFamily="34" charset="0"/>
+            </a:endParaRPr>
+          </a:p>
+        </p:txBody>
+      </p:sp>
+      <p:cxnSp>
+        <p:nvCxnSpPr>
+          <p:cNvPr id="16" name="꺾인 연결선[E] 15">
+            <a:extLst>
+              <a:ext uri="{FF2B5EF4-FFF2-40B4-BE49-F238E27FC236}">
+                <a16:creationId xmlns:a16="http://schemas.microsoft.com/office/drawing/2014/main" id="{9746FE92-B9CF-475E-E231-58337CB07DA1}"/>
+              </a:ext>
+            </a:extLst>
+          </p:cNvPr>
+          <p:cNvCxnSpPr>
+            <a:cxnSpLocks/>
+            <a:stCxn id="5" idx="3"/>
+            <a:endCxn id="11" idx="1"/>
+          </p:cNvCxnSpPr>
+          <p:nvPr/>
+        </p:nvCxnSpPr>
+        <p:spPr>
+          <a:xfrm>
+            <a:off x="9114498" y="2284597"/>
+            <a:ext cx="484412" cy="1033026"/>
+          </a:xfrm>
+          <a:prstGeom prst="bentConnector3">
+            <a:avLst>
+              <a:gd name="adj1" fmla="val 50000"/>
+            </a:avLst>
+          </a:prstGeom>
+          <a:ln w="25400">
+            <a:solidFill>
+              <a:srgbClr val="FF0000"/>
+            </a:solidFill>
+            <a:tailEnd type="triangle" w="med" len="lg"/>
+          </a:ln>
+        </p:spPr>
+        <p:style>
+          <a:lnRef idx="1">
+            <a:schemeClr val="accent1"/>
+          </a:lnRef>
+          <a:fillRef idx="0">
+            <a:schemeClr val="accent1"/>
+          </a:fillRef>
+          <a:effectRef idx="0">
+            <a:schemeClr val="accent1"/>
+          </a:effectRef>
+          <a:fontRef idx="minor">
+            <a:schemeClr val="tx1"/>
+          </a:fontRef>
+        </p:style>
+      </p:cxnSp>
+      <p:cxnSp>
+        <p:nvCxnSpPr>
+          <p:cNvPr id="17" name="직선 화살표 연결선 16">
+            <a:extLst>
+              <a:ext uri="{FF2B5EF4-FFF2-40B4-BE49-F238E27FC236}">
+                <a16:creationId xmlns:a16="http://schemas.microsoft.com/office/drawing/2014/main" id="{DDF041AA-BB6E-CEF4-5189-101797386E9F}"/>
+              </a:ext>
+            </a:extLst>
+          </p:cNvPr>
+          <p:cNvCxnSpPr>
+            <a:stCxn id="10" idx="2"/>
+            <a:endCxn id="11" idx="0"/>
+          </p:cNvCxnSpPr>
+          <p:nvPr/>
+        </p:nvCxnSpPr>
+        <p:spPr>
+          <a:xfrm>
+            <a:off x="10236078" y="2262418"/>
+            <a:ext cx="10904" cy="443137"/>
+          </a:xfrm>
+          <a:prstGeom prst="straightConnector1">
+            <a:avLst/>
+          </a:prstGeom>
+          <a:ln w="25400">
+            <a:solidFill>
+              <a:srgbClr val="FF0000"/>
+            </a:solidFill>
+            <a:tailEnd type="triangle" w="med" len="lg"/>
+          </a:ln>
+        </p:spPr>
+        <p:style>
+          <a:lnRef idx="1">
+            <a:schemeClr val="accent1"/>
+          </a:lnRef>
+          <a:fillRef idx="0">
+            <a:schemeClr val="accent1"/>
+          </a:fillRef>
+          <a:effectRef idx="0">
+            <a:schemeClr val="accent1"/>
+          </a:effectRef>
+          <a:fontRef idx="minor">
+            <a:schemeClr val="tx1"/>
+          </a:fontRef>
+        </p:style>
+      </p:cxnSp>
+      <p:cxnSp>
+        <p:nvCxnSpPr>
+          <p:cNvPr id="20" name="직선 화살표 연결선 19">
+            <a:extLst>
+              <a:ext uri="{FF2B5EF4-FFF2-40B4-BE49-F238E27FC236}">
+                <a16:creationId xmlns:a16="http://schemas.microsoft.com/office/drawing/2014/main" id="{4DE2C63E-FFCC-394F-E956-35015838E2D3}"/>
+              </a:ext>
+            </a:extLst>
+          </p:cNvPr>
+          <p:cNvCxnSpPr>
+            <a:cxnSpLocks/>
+            <a:stCxn id="11" idx="3"/>
+          </p:cNvCxnSpPr>
+          <p:nvPr/>
+        </p:nvCxnSpPr>
+        <p:spPr>
+          <a:xfrm>
+            <a:off x="10895054" y="3317623"/>
+            <a:ext cx="479940" cy="0"/>
+          </a:xfrm>
+          <a:prstGeom prst="straightConnector1">
+            <a:avLst/>
+          </a:prstGeom>
+          <a:ln w="25400">
+            <a:solidFill>
+              <a:srgbClr val="FF0000"/>
+            </a:solidFill>
+            <a:tailEnd type="triangle" w="med" len="lg"/>
+          </a:ln>
+        </p:spPr>
+        <p:style>
+          <a:lnRef idx="1">
+            <a:schemeClr val="accent1"/>
+          </a:lnRef>
+          <a:fillRef idx="0">
+            <a:schemeClr val="accent1"/>
+          </a:fillRef>
+          <a:effectRef idx="0">
+            <a:schemeClr val="accent1"/>
+          </a:effectRef>
+          <a:fontRef idx="minor">
+            <a:schemeClr val="tx1"/>
+          </a:fontRef>
+        </p:style>
+      </p:cxnSp>
     </p:spTree>
     <p:extLst>
       <p:ext uri="{BB962C8B-B14F-4D97-AF65-F5344CB8AC3E}">
@@ -27606,42 +29902,22 @@
                                   </p:childTnLst>
                                 </p:cTn>
                               </p:par>
-                            </p:childTnLst>
-                          </p:cTn>
-                        </p:par>
-                      </p:childTnLst>
-                    </p:cTn>
-                  </p:par>
-                  <p:par>
-                    <p:cTn id="7" fill="hold">
-                      <p:stCondLst>
-                        <p:cond delay="indefinite"/>
-                      </p:stCondLst>
-                      <p:childTnLst>
-                        <p:par>
-                          <p:cTn id="8" fill="hold">
-                            <p:stCondLst>
-                              <p:cond delay="0"/>
-                            </p:stCondLst>
-                            <p:childTnLst>
                               <p:par>
-                                <p:cTn id="9" presetID="1" presetClass="entr" presetSubtype="0" fill="hold" nodeType="clickEffect">
+                                <p:cTn id="7" presetID="1" presetClass="entr" presetSubtype="0" fill="hold" grpId="0" nodeType="withEffect">
                                   <p:stCondLst>
                                     <p:cond delay="0"/>
                                   </p:stCondLst>
                                   <p:childTnLst>
                                     <p:set>
                                       <p:cBhvr>
-                                        <p:cTn id="10" dur="1" fill="hold">
+                                        <p:cTn id="8" dur="1" fill="hold">
                                           <p:stCondLst>
                                             <p:cond delay="0"/>
                                           </p:stCondLst>
                                         </p:cTn>
                                         <p:tgtEl>
                                           <p:spTgt spid="6">
-                                            <p:txEl>
-                                              <p:pRg st="2" end="2"/>
-                                            </p:txEl>
+                                            <p:bg/>
                                           </p:spTgt>
                                         </p:tgtEl>
                                         <p:attrNameLst>
@@ -27656,7 +29932,34 @@
                                 </p:cTn>
                               </p:par>
                               <p:par>
-                                <p:cTn id="11" presetID="1" presetClass="entr" presetSubtype="0" fill="hold" nodeType="withEffect">
+                                <p:cTn id="9" presetID="1" presetClass="entr" presetSubtype="0" fill="hold" grpId="0" nodeType="withEffect">
+                                  <p:stCondLst>
+                                    <p:cond delay="0"/>
+                                  </p:stCondLst>
+                                  <p:childTnLst>
+                                    <p:set>
+                                      <p:cBhvr>
+                                        <p:cTn id="10" dur="1" fill="hold">
+                                          <p:stCondLst>
+                                            <p:cond delay="0"/>
+                                          </p:stCondLst>
+                                        </p:cTn>
+                                        <p:tgtEl>
+                                          <p:spTgt spid="5"/>
+                                        </p:tgtEl>
+                                        <p:attrNameLst>
+                                          <p:attrName>style.visibility</p:attrName>
+                                        </p:attrNameLst>
+                                      </p:cBhvr>
+                                      <p:to>
+                                        <p:strVal val="visible"/>
+                                      </p:to>
+                                    </p:set>
+                                  </p:childTnLst>
+                                </p:cTn>
+                              </p:par>
+                              <p:par>
+                                <p:cTn id="11" presetID="1" presetClass="entr" presetSubtype="0" fill="hold" grpId="0" nodeType="withEffect">
                                   <p:stCondLst>
                                     <p:cond delay="0"/>
                                   </p:stCondLst>
@@ -27669,11 +29972,7 @@
                                           </p:stCondLst>
                                         </p:cTn>
                                         <p:tgtEl>
-                                          <p:spTgt spid="6">
-                                            <p:txEl>
-                                              <p:pRg st="3" end="3"/>
-                                            </p:txEl>
-                                          </p:spTgt>
+                                          <p:spTgt spid="10"/>
                                         </p:tgtEl>
                                         <p:attrNameLst>
                                           <p:attrName>style.visibility</p:attrName>
@@ -27686,26 +29985,35 @@
                                   </p:childTnLst>
                                 </p:cTn>
                               </p:par>
-                            </p:childTnLst>
-                          </p:cTn>
-                        </p:par>
-                      </p:childTnLst>
-                    </p:cTn>
-                  </p:par>
-                  <p:par>
-                    <p:cTn id="13" fill="hold">
-                      <p:stCondLst>
-                        <p:cond delay="indefinite"/>
-                      </p:stCondLst>
-                      <p:childTnLst>
-                        <p:par>
-                          <p:cTn id="14" fill="hold">
-                            <p:stCondLst>
-                              <p:cond delay="0"/>
-                            </p:stCondLst>
-                            <p:childTnLst>
                               <p:par>
-                                <p:cTn id="15" presetID="1" presetClass="entr" presetSubtype="0" fill="hold" nodeType="clickEffect">
+                                <p:cTn id="13" presetID="1" presetClass="entr" presetSubtype="0" fill="hold" grpId="0" nodeType="withEffect">
+                                  <p:stCondLst>
+                                    <p:cond delay="0"/>
+                                  </p:stCondLst>
+                                  <p:childTnLst>
+                                    <p:set>
+                                      <p:cBhvr>
+                                        <p:cTn id="14" dur="1" fill="hold">
+                                          <p:stCondLst>
+                                            <p:cond delay="0"/>
+                                          </p:stCondLst>
+                                        </p:cTn>
+                                        <p:tgtEl>
+                                          <p:spTgt spid="11"/>
+                                        </p:tgtEl>
+                                        <p:attrNameLst>
+                                          <p:attrName>style.visibility</p:attrName>
+                                        </p:attrNameLst>
+                                      </p:cBhvr>
+                                      <p:to>
+                                        <p:strVal val="visible"/>
+                                      </p:to>
+                                    </p:set>
+                                  </p:childTnLst>
+                                </p:cTn>
+                              </p:par>
+                              <p:par>
+                                <p:cTn id="15" presetID="1" presetClass="entr" presetSubtype="0" fill="hold" nodeType="withEffect">
                                   <p:stCondLst>
                                     <p:cond delay="0"/>
                                   </p:stCondLst>
@@ -27720,7 +30028,7 @@
                                         <p:tgtEl>
                                           <p:spTgt spid="6">
                                             <p:txEl>
-                                              <p:pRg st="5" end="5"/>
+                                              <p:pRg st="0" end="0"/>
                                             </p:txEl>
                                           </p:spTgt>
                                         </p:tgtEl>
@@ -27769,7 +30077,81 @@
                                         <p:tgtEl>
                                           <p:spTgt spid="6">
                                             <p:txEl>
-                                              <p:pRg st="7" end="7"/>
+                                              <p:pRg st="2" end="2"/>
+                                            </p:txEl>
+                                          </p:spTgt>
+                                        </p:tgtEl>
+                                        <p:attrNameLst>
+                                          <p:attrName>style.visibility</p:attrName>
+                                        </p:attrNameLst>
+                                      </p:cBhvr>
+                                      <p:to>
+                                        <p:strVal val="visible"/>
+                                      </p:to>
+                                    </p:set>
+                                  </p:childTnLst>
+                                </p:cTn>
+                              </p:par>
+                              <p:par>
+                                <p:cTn id="21" presetID="1" presetClass="entr" presetSubtype="0" fill="hold" nodeType="withEffect">
+                                  <p:stCondLst>
+                                    <p:cond delay="0"/>
+                                  </p:stCondLst>
+                                  <p:childTnLst>
+                                    <p:set>
+                                      <p:cBhvr>
+                                        <p:cTn id="22" dur="1" fill="hold">
+                                          <p:stCondLst>
+                                            <p:cond delay="0"/>
+                                          </p:stCondLst>
+                                        </p:cTn>
+                                        <p:tgtEl>
+                                          <p:spTgt spid="17"/>
+                                        </p:tgtEl>
+                                        <p:attrNameLst>
+                                          <p:attrName>style.visibility</p:attrName>
+                                        </p:attrNameLst>
+                                      </p:cBhvr>
+                                      <p:to>
+                                        <p:strVal val="visible"/>
+                                      </p:to>
+                                    </p:set>
+                                  </p:childTnLst>
+                                  <p:subTnLst>
+                                    <p:set>
+                                      <p:cBhvr override="childStyle">
+                                        <p:cTn dur="1" fill="hold" display="0" masterRel="nextClick" afterEffect="1"/>
+                                        <p:tgtEl>
+                                          <p:spTgt spid="17"/>
+                                        </p:tgtEl>
+                                        <p:attrNameLst>
+                                          <p:attrName>style.visibility</p:attrName>
+                                        </p:attrNameLst>
+                                      </p:cBhvr>
+                                      <p:to>
+                                        <p:strVal val="hidden"/>
+                                      </p:to>
+                                    </p:set>
+                                  </p:subTnLst>
+                                </p:cTn>
+                              </p:par>
+                              <p:par>
+                                <p:cTn id="23" presetID="1" presetClass="entr" presetSubtype="0" fill="hold" nodeType="withEffect">
+                                  <p:stCondLst>
+                                    <p:cond delay="0"/>
+                                  </p:stCondLst>
+                                  <p:childTnLst>
+                                    <p:set>
+                                      <p:cBhvr>
+                                        <p:cTn id="24" dur="1" fill="hold">
+                                          <p:stCondLst>
+                                            <p:cond delay="0"/>
+                                          </p:stCondLst>
+                                        </p:cTn>
+                                        <p:tgtEl>
+                                          <p:spTgt spid="6">
+                                            <p:txEl>
+                                              <p:pRg st="3" end="3"/>
                                             </p:txEl>
                                           </p:spTgt>
                                         </p:tgtEl>
@@ -27791,81 +30173,19 @@
                     </p:cTn>
                   </p:par>
                   <p:par>
-                    <p:cTn id="21" fill="hold">
+                    <p:cTn id="25" fill="hold">
                       <p:stCondLst>
                         <p:cond delay="indefinite"/>
                       </p:stCondLst>
                       <p:childTnLst>
                         <p:par>
-                          <p:cTn id="22" fill="hold">
+                          <p:cTn id="26" fill="hold">
                             <p:stCondLst>
                               <p:cond delay="0"/>
                             </p:stCondLst>
                             <p:childTnLst>
                               <p:par>
-                                <p:cTn id="23" presetID="1" presetClass="entr" presetSubtype="0" fill="hold" nodeType="clickEffect">
-                                  <p:stCondLst>
-                                    <p:cond delay="0"/>
-                                  </p:stCondLst>
-                                  <p:childTnLst>
-                                    <p:set>
-                                      <p:cBhvr>
-                                        <p:cTn id="24" dur="1" fill="hold">
-                                          <p:stCondLst>
-                                            <p:cond delay="0"/>
-                                          </p:stCondLst>
-                                        </p:cTn>
-                                        <p:tgtEl>
-                                          <p:spTgt spid="6">
-                                            <p:txEl>
-                                              <p:pRg st="9" end="9"/>
-                                            </p:txEl>
-                                          </p:spTgt>
-                                        </p:tgtEl>
-                                        <p:attrNameLst>
-                                          <p:attrName>style.visibility</p:attrName>
-                                        </p:attrNameLst>
-                                      </p:cBhvr>
-                                      <p:to>
-                                        <p:strVal val="visible"/>
-                                      </p:to>
-                                    </p:set>
-                                  </p:childTnLst>
-                                </p:cTn>
-                              </p:par>
-                              <p:par>
-                                <p:cTn id="25" presetID="1" presetClass="entr" presetSubtype="0" fill="hold" nodeType="withEffect">
-                                  <p:stCondLst>
-                                    <p:cond delay="0"/>
-                                  </p:stCondLst>
-                                  <p:childTnLst>
-                                    <p:set>
-                                      <p:cBhvr>
-                                        <p:cTn id="26" dur="1" fill="hold">
-                                          <p:stCondLst>
-                                            <p:cond delay="0"/>
-                                          </p:stCondLst>
-                                        </p:cTn>
-                                        <p:tgtEl>
-                                          <p:spTgt spid="6">
-                                            <p:txEl>
-                                              <p:pRg st="10" end="10"/>
-                                            </p:txEl>
-                                          </p:spTgt>
-                                        </p:tgtEl>
-                                        <p:attrNameLst>
-                                          <p:attrName>style.visibility</p:attrName>
-                                        </p:attrNameLst>
-                                      </p:cBhvr>
-                                      <p:to>
-                                        <p:strVal val="visible"/>
-                                      </p:to>
-                                    </p:set>
-                                  </p:childTnLst>
-                                </p:cTn>
-                              </p:par>
-                              <p:par>
-                                <p:cTn id="27" presetID="1" presetClass="entr" presetSubtype="0" fill="hold" nodeType="withEffect">
+                                <p:cTn id="27" presetID="1" presetClass="entr" presetSubtype="0" fill="hold" nodeType="clickEffect">
                                   <p:stCondLst>
                                     <p:cond delay="0"/>
                                   </p:stCondLst>
@@ -27880,7 +30200,7 @@
                                         <p:tgtEl>
                                           <p:spTgt spid="6">
                                             <p:txEl>
-                                              <p:pRg st="11" end="11"/>
+                                              <p:pRg st="5" end="5"/>
                                             </p:txEl>
                                           </p:spTgt>
                                         </p:tgtEl>
@@ -27909,11 +30229,7 @@
                                           </p:stCondLst>
                                         </p:cTn>
                                         <p:tgtEl>
-                                          <p:spTgt spid="6">
-                                            <p:txEl>
-                                              <p:pRg st="12" end="12"/>
-                                            </p:txEl>
-                                          </p:spTgt>
+                                          <p:spTgt spid="20"/>
                                         </p:tgtEl>
                                         <p:attrNameLst>
                                           <p:attrName>style.visibility</p:attrName>
@@ -27924,41 +30240,44 @@
                                       </p:to>
                                     </p:set>
                                   </p:childTnLst>
-                                </p:cTn>
-                              </p:par>
-                              <p:par>
-                                <p:cTn id="31" presetID="1" presetClass="entr" presetSubtype="0" fill="hold" nodeType="withEffect">
-                                  <p:stCondLst>
-                                    <p:cond delay="0"/>
-                                  </p:stCondLst>
-                                  <p:childTnLst>
+                                  <p:subTnLst>
                                     <p:set>
-                                      <p:cBhvr>
-                                        <p:cTn id="32" dur="1" fill="hold">
-                                          <p:stCondLst>
-                                            <p:cond delay="0"/>
-                                          </p:stCondLst>
-                                        </p:cTn>
+                                      <p:cBhvr override="childStyle">
+                                        <p:cTn dur="1" fill="hold" display="0" masterRel="nextClick" afterEffect="1"/>
                                         <p:tgtEl>
-                                          <p:spTgt spid="6">
-                                            <p:txEl>
-                                              <p:pRg st="13" end="13"/>
-                                            </p:txEl>
-                                          </p:spTgt>
+                                          <p:spTgt spid="20"/>
                                         </p:tgtEl>
                                         <p:attrNameLst>
                                           <p:attrName>style.visibility</p:attrName>
                                         </p:attrNameLst>
                                       </p:cBhvr>
                                       <p:to>
-                                        <p:strVal val="visible"/>
+                                        <p:strVal val="hidden"/>
                                       </p:to>
                                     </p:set>
-                                  </p:childTnLst>
+                                  </p:subTnLst>
                                 </p:cTn>
                               </p:par>
+                            </p:childTnLst>
+                          </p:cTn>
+                        </p:par>
+                      </p:childTnLst>
+                    </p:cTn>
+                  </p:par>
+                  <p:par>
+                    <p:cTn id="31" fill="hold">
+                      <p:stCondLst>
+                        <p:cond delay="indefinite"/>
+                      </p:stCondLst>
+                      <p:childTnLst>
+                        <p:par>
+                          <p:cTn id="32" fill="hold">
+                            <p:stCondLst>
+                              <p:cond delay="0"/>
+                            </p:stCondLst>
+                            <p:childTnLst>
                               <p:par>
-                                <p:cTn id="33" presetID="1" presetClass="entr" presetSubtype="0" fill="hold" nodeType="withEffect">
+                                <p:cTn id="33" presetID="1" presetClass="entr" presetSubtype="0" fill="hold" nodeType="clickEffect">
                                   <p:stCondLst>
                                     <p:cond delay="0"/>
                                   </p:stCondLst>
@@ -27973,7 +30292,7 @@
                                         <p:tgtEl>
                                           <p:spTgt spid="6">
                                             <p:txEl>
-                                              <p:pRg st="14" end="14"/>
+                                              <p:pRg st="7" end="7"/>
                                             </p:txEl>
                                           </p:spTgt>
                                         </p:tgtEl>
@@ -28002,6 +30321,253 @@
                                           </p:stCondLst>
                                         </p:cTn>
                                         <p:tgtEl>
+                                          <p:spTgt spid="16"/>
+                                        </p:tgtEl>
+                                        <p:attrNameLst>
+                                          <p:attrName>style.visibility</p:attrName>
+                                        </p:attrNameLst>
+                                      </p:cBhvr>
+                                      <p:to>
+                                        <p:strVal val="visible"/>
+                                      </p:to>
+                                    </p:set>
+                                  </p:childTnLst>
+                                  <p:subTnLst>
+                                    <p:set>
+                                      <p:cBhvr override="childStyle">
+                                        <p:cTn dur="1" fill="hold" display="0" masterRel="nextClick" afterEffect="1"/>
+                                        <p:tgtEl>
+                                          <p:spTgt spid="16"/>
+                                        </p:tgtEl>
+                                        <p:attrNameLst>
+                                          <p:attrName>style.visibility</p:attrName>
+                                        </p:attrNameLst>
+                                      </p:cBhvr>
+                                      <p:to>
+                                        <p:strVal val="hidden"/>
+                                      </p:to>
+                                    </p:set>
+                                  </p:subTnLst>
+                                </p:cTn>
+                              </p:par>
+                            </p:childTnLst>
+                          </p:cTn>
+                        </p:par>
+                      </p:childTnLst>
+                    </p:cTn>
+                  </p:par>
+                  <p:par>
+                    <p:cTn id="37" fill="hold">
+                      <p:stCondLst>
+                        <p:cond delay="indefinite"/>
+                      </p:stCondLst>
+                      <p:childTnLst>
+                        <p:par>
+                          <p:cTn id="38" fill="hold">
+                            <p:stCondLst>
+                              <p:cond delay="0"/>
+                            </p:stCondLst>
+                            <p:childTnLst>
+                              <p:par>
+                                <p:cTn id="39" presetID="1" presetClass="entr" presetSubtype="0" fill="hold" nodeType="clickEffect">
+                                  <p:stCondLst>
+                                    <p:cond delay="0"/>
+                                  </p:stCondLst>
+                                  <p:childTnLst>
+                                    <p:set>
+                                      <p:cBhvr>
+                                        <p:cTn id="40" dur="1" fill="hold">
+                                          <p:stCondLst>
+                                            <p:cond delay="0"/>
+                                          </p:stCondLst>
+                                        </p:cTn>
+                                        <p:tgtEl>
+                                          <p:spTgt spid="6">
+                                            <p:txEl>
+                                              <p:pRg st="9" end="9"/>
+                                            </p:txEl>
+                                          </p:spTgt>
+                                        </p:tgtEl>
+                                        <p:attrNameLst>
+                                          <p:attrName>style.visibility</p:attrName>
+                                        </p:attrNameLst>
+                                      </p:cBhvr>
+                                      <p:to>
+                                        <p:strVal val="visible"/>
+                                      </p:to>
+                                    </p:set>
+                                  </p:childTnLst>
+                                </p:cTn>
+                              </p:par>
+                              <p:par>
+                                <p:cTn id="41" presetID="1" presetClass="entr" presetSubtype="0" fill="hold" nodeType="withEffect">
+                                  <p:stCondLst>
+                                    <p:cond delay="0"/>
+                                  </p:stCondLst>
+                                  <p:childTnLst>
+                                    <p:set>
+                                      <p:cBhvr>
+                                        <p:cTn id="42" dur="1" fill="hold">
+                                          <p:stCondLst>
+                                            <p:cond delay="0"/>
+                                          </p:stCondLst>
+                                        </p:cTn>
+                                        <p:tgtEl>
+                                          <p:spTgt spid="6">
+                                            <p:txEl>
+                                              <p:pRg st="10" end="10"/>
+                                            </p:txEl>
+                                          </p:spTgt>
+                                        </p:tgtEl>
+                                        <p:attrNameLst>
+                                          <p:attrName>style.visibility</p:attrName>
+                                        </p:attrNameLst>
+                                      </p:cBhvr>
+                                      <p:to>
+                                        <p:strVal val="visible"/>
+                                      </p:to>
+                                    </p:set>
+                                  </p:childTnLst>
+                                </p:cTn>
+                              </p:par>
+                              <p:par>
+                                <p:cTn id="43" presetID="1" presetClass="entr" presetSubtype="0" fill="hold" nodeType="withEffect">
+                                  <p:stCondLst>
+                                    <p:cond delay="0"/>
+                                  </p:stCondLst>
+                                  <p:childTnLst>
+                                    <p:set>
+                                      <p:cBhvr>
+                                        <p:cTn id="44" dur="1" fill="hold">
+                                          <p:stCondLst>
+                                            <p:cond delay="0"/>
+                                          </p:stCondLst>
+                                        </p:cTn>
+                                        <p:tgtEl>
+                                          <p:spTgt spid="6">
+                                            <p:txEl>
+                                              <p:pRg st="11" end="11"/>
+                                            </p:txEl>
+                                          </p:spTgt>
+                                        </p:tgtEl>
+                                        <p:attrNameLst>
+                                          <p:attrName>style.visibility</p:attrName>
+                                        </p:attrNameLst>
+                                      </p:cBhvr>
+                                      <p:to>
+                                        <p:strVal val="visible"/>
+                                      </p:to>
+                                    </p:set>
+                                  </p:childTnLst>
+                                </p:cTn>
+                              </p:par>
+                              <p:par>
+                                <p:cTn id="45" presetID="1" presetClass="entr" presetSubtype="0" fill="hold" nodeType="withEffect">
+                                  <p:stCondLst>
+                                    <p:cond delay="0"/>
+                                  </p:stCondLst>
+                                  <p:childTnLst>
+                                    <p:set>
+                                      <p:cBhvr>
+                                        <p:cTn id="46" dur="1" fill="hold">
+                                          <p:stCondLst>
+                                            <p:cond delay="0"/>
+                                          </p:stCondLst>
+                                        </p:cTn>
+                                        <p:tgtEl>
+                                          <p:spTgt spid="6">
+                                            <p:txEl>
+                                              <p:pRg st="12" end="12"/>
+                                            </p:txEl>
+                                          </p:spTgt>
+                                        </p:tgtEl>
+                                        <p:attrNameLst>
+                                          <p:attrName>style.visibility</p:attrName>
+                                        </p:attrNameLst>
+                                      </p:cBhvr>
+                                      <p:to>
+                                        <p:strVal val="visible"/>
+                                      </p:to>
+                                    </p:set>
+                                  </p:childTnLst>
+                                </p:cTn>
+                              </p:par>
+                              <p:par>
+                                <p:cTn id="47" presetID="1" presetClass="entr" presetSubtype="0" fill="hold" nodeType="withEffect">
+                                  <p:stCondLst>
+                                    <p:cond delay="0"/>
+                                  </p:stCondLst>
+                                  <p:childTnLst>
+                                    <p:set>
+                                      <p:cBhvr>
+                                        <p:cTn id="48" dur="1" fill="hold">
+                                          <p:stCondLst>
+                                            <p:cond delay="0"/>
+                                          </p:stCondLst>
+                                        </p:cTn>
+                                        <p:tgtEl>
+                                          <p:spTgt spid="6">
+                                            <p:txEl>
+                                              <p:pRg st="13" end="13"/>
+                                            </p:txEl>
+                                          </p:spTgt>
+                                        </p:tgtEl>
+                                        <p:attrNameLst>
+                                          <p:attrName>style.visibility</p:attrName>
+                                        </p:attrNameLst>
+                                      </p:cBhvr>
+                                      <p:to>
+                                        <p:strVal val="visible"/>
+                                      </p:to>
+                                    </p:set>
+                                  </p:childTnLst>
+                                </p:cTn>
+                              </p:par>
+                              <p:par>
+                                <p:cTn id="49" presetID="1" presetClass="entr" presetSubtype="0" fill="hold" nodeType="withEffect">
+                                  <p:stCondLst>
+                                    <p:cond delay="0"/>
+                                  </p:stCondLst>
+                                  <p:childTnLst>
+                                    <p:set>
+                                      <p:cBhvr>
+                                        <p:cTn id="50" dur="1" fill="hold">
+                                          <p:stCondLst>
+                                            <p:cond delay="0"/>
+                                          </p:stCondLst>
+                                        </p:cTn>
+                                        <p:tgtEl>
+                                          <p:spTgt spid="6">
+                                            <p:txEl>
+                                              <p:pRg st="14" end="14"/>
+                                            </p:txEl>
+                                          </p:spTgt>
+                                        </p:tgtEl>
+                                        <p:attrNameLst>
+                                          <p:attrName>style.visibility</p:attrName>
+                                        </p:attrNameLst>
+                                      </p:cBhvr>
+                                      <p:to>
+                                        <p:strVal val="visible"/>
+                                      </p:to>
+                                    </p:set>
+                                  </p:childTnLst>
+                                </p:cTn>
+                              </p:par>
+                              <p:par>
+                                <p:cTn id="51" presetID="1" presetClass="entr" presetSubtype="0" fill="hold" nodeType="withEffect">
+                                  <p:stCondLst>
+                                    <p:cond delay="0"/>
+                                  </p:stCondLst>
+                                  <p:childTnLst>
+                                    <p:set>
+                                      <p:cBhvr>
+                                        <p:cTn id="52" dur="1" fill="hold">
+                                          <p:stCondLst>
+                                            <p:cond delay="0"/>
+                                          </p:stCondLst>
+                                        </p:cTn>
+                                        <p:tgtEl>
                                           <p:spTgt spid="6">
                                             <p:txEl>
                                               <p:pRg st="15" end="15"/>
@@ -28020,14 +30586,14 @@
                                 </p:cTn>
                               </p:par>
                               <p:par>
-                                <p:cTn id="37" presetID="1" presetClass="entr" presetSubtype="0" fill="hold" nodeType="withEffect">
+                                <p:cTn id="53" presetID="1" presetClass="entr" presetSubtype="0" fill="hold" nodeType="withEffect">
                                   <p:stCondLst>
                                     <p:cond delay="0"/>
                                   </p:stCondLst>
                                   <p:childTnLst>
                                     <p:set>
                                       <p:cBhvr>
-                                        <p:cTn id="38" dur="1" fill="hold">
+                                        <p:cTn id="54" dur="1" fill="hold">
                                           <p:stCondLst>
                                             <p:cond delay="0"/>
                                           </p:stCondLst>
@@ -28057,26 +30623,26 @@
                     </p:cTn>
                   </p:par>
                   <p:par>
-                    <p:cTn id="39" fill="hold">
+                    <p:cTn id="55" fill="hold">
                       <p:stCondLst>
                         <p:cond delay="indefinite"/>
                       </p:stCondLst>
                       <p:childTnLst>
                         <p:par>
-                          <p:cTn id="40" fill="hold">
+                          <p:cTn id="56" fill="hold">
                             <p:stCondLst>
                               <p:cond delay="0"/>
                             </p:stCondLst>
                             <p:childTnLst>
                               <p:par>
-                                <p:cTn id="41" presetID="1" presetClass="entr" presetSubtype="0" fill="hold" nodeType="clickEffect">
+                                <p:cTn id="57" presetID="1" presetClass="entr" presetSubtype="0" fill="hold" nodeType="clickEffect">
                                   <p:stCondLst>
                                     <p:cond delay="0"/>
                                   </p:stCondLst>
                                   <p:childTnLst>
                                     <p:set>
                                       <p:cBhvr>
-                                        <p:cTn id="42" dur="1" fill="hold">
+                                        <p:cTn id="58" dur="1" fill="hold">
                                           <p:stCondLst>
                                             <p:cond delay="0"/>
                                           </p:stCondLst>
@@ -28102,26 +30668,26 @@
                     </p:cTn>
                   </p:par>
                   <p:par>
-                    <p:cTn id="43" fill="hold">
+                    <p:cTn id="59" fill="hold">
                       <p:stCondLst>
                         <p:cond delay="indefinite"/>
                       </p:stCondLst>
                       <p:childTnLst>
                         <p:par>
-                          <p:cTn id="44" fill="hold">
+                          <p:cTn id="60" fill="hold">
                             <p:stCondLst>
                               <p:cond delay="0"/>
                             </p:stCondLst>
                             <p:childTnLst>
                               <p:par>
-                                <p:cTn id="45" presetID="1" presetClass="entr" presetSubtype="0" fill="hold" nodeType="clickEffect">
+                                <p:cTn id="61" presetID="1" presetClass="entr" presetSubtype="0" fill="hold" nodeType="clickEffect">
                                   <p:stCondLst>
                                     <p:cond delay="0"/>
                                   </p:stCondLst>
                                   <p:childTnLst>
                                     <p:set>
                                       <p:cBhvr>
-                                        <p:cTn id="46" dur="1" fill="hold">
+                                        <p:cTn id="62" dur="1" fill="hold">
                                           <p:stCondLst>
                                             <p:cond delay="0"/>
                                           </p:stCondLst>
@@ -28141,14 +30707,14 @@
                                 </p:cTn>
                               </p:par>
                               <p:par>
-                                <p:cTn id="47" presetID="1" presetClass="entr" presetSubtype="0" fill="hold" grpId="0" nodeType="withEffect">
+                                <p:cTn id="63" presetID="1" presetClass="entr" presetSubtype="0" fill="hold" grpId="0" nodeType="withEffect">
                                   <p:stCondLst>
                                     <p:cond delay="0"/>
                                   </p:stCondLst>
                                   <p:childTnLst>
                                     <p:set>
                                       <p:cBhvr>
-                                        <p:cTn id="48" dur="1" fill="hold">
+                                        <p:cTn id="64" dur="1" fill="hold">
                                           <p:stCondLst>
                                             <p:cond delay="0"/>
                                           </p:stCondLst>
@@ -28195,7 +30761,11 @@
       </p:par>
     </p:tnLst>
     <p:bldLst>
+      <p:bldP spid="6" grpId="0" uiExpand="1" build="allAtOnce" animBg="1"/>
       <p:bldP spid="9" grpId="0" animBg="1"/>
+      <p:bldP spid="5" grpId="0" animBg="1"/>
+      <p:bldP spid="10" grpId="0" animBg="1"/>
+      <p:bldP spid="11" grpId="0" animBg="1"/>
     </p:bldLst>
   </p:timing>
 </p:sld>

--- a/Notes/02_1_RenderingBasics.pptx
+++ b/Notes/02_1_RenderingBasics.pptx
@@ -518,14 +518,14 @@
           <a:ln/>
           <a:extLst>
             <a:ext uri="{909E8E84-426E-40dd-AFC4-6F175D3DCCD1}">
-              <a14:hiddenFill xmlns:a14="http://schemas.microsoft.com/office/drawing/2010/main" xmlns="">
+              <a14:hiddenFill xmlns="" xmlns:a14="http://schemas.microsoft.com/office/drawing/2010/main">
                 <a:solidFill>
                   <a:srgbClr val="FFFFFF"/>
                 </a:solidFill>
               </a14:hiddenFill>
             </a:ext>
             <a:ext uri="{91240B29-F687-4f45-9708-019B960494DF}">
-              <a14:hiddenLine xmlns:a14="http://schemas.microsoft.com/office/drawing/2010/main" xmlns="" w="9525">
+              <a14:hiddenLine xmlns="" xmlns:a14="http://schemas.microsoft.com/office/drawing/2010/main" w="9525">
                 <a:solidFill>
                   <a:srgbClr val="000000"/>
                 </a:solidFill>
@@ -584,14 +584,14 @@
           <a:ln/>
           <a:extLst>
             <a:ext uri="{909E8E84-426E-40dd-AFC4-6F175D3DCCD1}">
-              <a14:hiddenFill xmlns:a14="http://schemas.microsoft.com/office/drawing/2010/main" xmlns="">
+              <a14:hiddenFill xmlns="" xmlns:a14="http://schemas.microsoft.com/office/drawing/2010/main">
                 <a:solidFill>
                   <a:srgbClr val="FFFFFF"/>
                 </a:solidFill>
               </a14:hiddenFill>
             </a:ext>
             <a:ext uri="{91240B29-F687-4f45-9708-019B960494DF}">
-              <a14:hiddenLine xmlns:a14="http://schemas.microsoft.com/office/drawing/2010/main" xmlns="" w="9525">
+              <a14:hiddenLine xmlns="" xmlns:a14="http://schemas.microsoft.com/office/drawing/2010/main" w="9525">
                 <a:solidFill>
                   <a:srgbClr val="000000"/>
                 </a:solidFill>
@@ -15796,13 +15796,148 @@
               </a:ext>
             </a:extLst>
           </a:blip>
-          <a:srcRect b="36482"/>
+          <a:srcRect t="-1" r="72320" b="69300"/>
           <a:stretch/>
         </p:blipFill>
         <p:spPr bwMode="auto">
           <a:xfrm>
-            <a:off x="839416" y="1556792"/>
-            <a:ext cx="10895624" cy="4320480"/>
+            <a:off x="991816" y="1592796"/>
+            <a:ext cx="3015952" cy="2088232"/>
+          </a:xfrm>
+          <a:prstGeom prst="rect">
+            <a:avLst/>
+          </a:prstGeom>
+          <a:noFill/>
+          <a:extLst>
+            <a:ext uri="{909E8E84-426E-40DD-AFC4-6F175D3DCCD1}">
+              <a14:hiddenFill xmlns:a14="http://schemas.microsoft.com/office/drawing/2010/main">
+                <a:solidFill>
+                  <a:srgbClr val="FFFFFF"/>
+                </a:solidFill>
+              </a14:hiddenFill>
+            </a:ext>
+          </a:extLst>
+        </p:spPr>
+      </p:pic>
+      <p:pic>
+        <p:nvPicPr>
+          <p:cNvPr id="3" name="Picture 2">
+            <a:extLst>
+              <a:ext uri="{FF2B5EF4-FFF2-40B4-BE49-F238E27FC236}">
+                <a16:creationId xmlns:a16="http://schemas.microsoft.com/office/drawing/2014/main" id="{39CFFE49-98F4-B11F-0540-F2023795092B}"/>
+              </a:ext>
+            </a:extLst>
+          </p:cNvPr>
+          <p:cNvPicPr>
+            <a:picLocks noChangeAspect="1" noChangeArrowheads="1"/>
+          </p:cNvPicPr>
+          <p:nvPr/>
+        </p:nvPicPr>
+        <p:blipFill rotWithShape="1">
+          <a:blip r:embed="rId3">
+            <a:extLst>
+              <a:ext uri="{28A0092B-C50C-407E-A947-70E740481C1C}">
+                <a14:useLocalDpi xmlns:a14="http://schemas.microsoft.com/office/drawing/2010/main" val="0"/>
+              </a:ext>
+            </a:extLst>
+          </a:blip>
+          <a:srcRect t="31389" r="72320" b="36482"/>
+          <a:stretch/>
+        </p:blipFill>
+        <p:spPr bwMode="auto">
+          <a:xfrm>
+            <a:off x="991816" y="3844280"/>
+            <a:ext cx="3015952" cy="2185392"/>
+          </a:xfrm>
+          <a:prstGeom prst="rect">
+            <a:avLst/>
+          </a:prstGeom>
+          <a:noFill/>
+          <a:extLst>
+            <a:ext uri="{909E8E84-426E-40DD-AFC4-6F175D3DCCD1}">
+              <a14:hiddenFill xmlns:a14="http://schemas.microsoft.com/office/drawing/2010/main">
+                <a:solidFill>
+                  <a:srgbClr val="FFFFFF"/>
+                </a:solidFill>
+              </a14:hiddenFill>
+            </a:ext>
+          </a:extLst>
+        </p:spPr>
+      </p:pic>
+      <p:pic>
+        <p:nvPicPr>
+          <p:cNvPr id="5" name="Picture 2">
+            <a:extLst>
+              <a:ext uri="{FF2B5EF4-FFF2-40B4-BE49-F238E27FC236}">
+                <a16:creationId xmlns:a16="http://schemas.microsoft.com/office/drawing/2014/main" id="{B8C7BC65-F99A-BDFA-37BE-CDE4F811BB7A}"/>
+              </a:ext>
+            </a:extLst>
+          </p:cNvPr>
+          <p:cNvPicPr>
+            <a:picLocks noChangeAspect="1" noChangeArrowheads="1"/>
+          </p:cNvPicPr>
+          <p:nvPr/>
+        </p:nvPicPr>
+        <p:blipFill rotWithShape="1">
+          <a:blip r:embed="rId3">
+            <a:extLst>
+              <a:ext uri="{28A0092B-C50C-407E-A947-70E740481C1C}">
+                <a14:useLocalDpi xmlns:a14="http://schemas.microsoft.com/office/drawing/2010/main" val="0"/>
+              </a:ext>
+            </a:extLst>
+          </a:blip>
+          <a:srcRect l="30908" t="31389" r="40674" b="36482"/>
+          <a:stretch/>
+        </p:blipFill>
+        <p:spPr bwMode="auto">
+          <a:xfrm>
+            <a:off x="4524035" y="3844280"/>
+            <a:ext cx="3096344" cy="2185392"/>
+          </a:xfrm>
+          <a:prstGeom prst="rect">
+            <a:avLst/>
+          </a:prstGeom>
+          <a:noFill/>
+          <a:extLst>
+            <a:ext uri="{909E8E84-426E-40DD-AFC4-6F175D3DCCD1}">
+              <a14:hiddenFill xmlns:a14="http://schemas.microsoft.com/office/drawing/2010/main">
+                <a:solidFill>
+                  <a:srgbClr val="FFFFFF"/>
+                </a:solidFill>
+              </a14:hiddenFill>
+            </a:ext>
+          </a:extLst>
+        </p:spPr>
+      </p:pic>
+      <p:pic>
+        <p:nvPicPr>
+          <p:cNvPr id="6" name="Picture 2">
+            <a:extLst>
+              <a:ext uri="{FF2B5EF4-FFF2-40B4-BE49-F238E27FC236}">
+                <a16:creationId xmlns:a16="http://schemas.microsoft.com/office/drawing/2014/main" id="{11950498-3B3D-4748-337A-2AE70A31000F}"/>
+              </a:ext>
+            </a:extLst>
+          </p:cNvPr>
+          <p:cNvPicPr>
+            <a:picLocks noChangeAspect="1" noChangeArrowheads="1"/>
+          </p:cNvPicPr>
+          <p:nvPr/>
+        </p:nvPicPr>
+        <p:blipFill rotWithShape="1">
+          <a:blip r:embed="rId3">
+            <a:extLst>
+              <a:ext uri="{28A0092B-C50C-407E-A947-70E740481C1C}">
+                <a14:useLocalDpi xmlns:a14="http://schemas.microsoft.com/office/drawing/2010/main" val="0"/>
+              </a:ext>
+            </a:extLst>
+          </a:blip>
+          <a:srcRect l="62554" t="31389" r="10504" b="36482"/>
+          <a:stretch/>
+        </p:blipFill>
+        <p:spPr bwMode="auto">
+          <a:xfrm>
+            <a:off x="8136646" y="3844280"/>
+            <a:ext cx="2935560" cy="2185392"/>
           </a:xfrm>
           <a:prstGeom prst="rect">
             <a:avLst/>
@@ -15829,6 +15964,216 @@
   <p:clrMapOvr>
     <a:masterClrMapping/>
   </p:clrMapOvr>
+  <p:timing>
+    <p:tnLst>
+      <p:par>
+        <p:cTn id="1" dur="indefinite" restart="never" nodeType="tmRoot">
+          <p:childTnLst>
+            <p:seq concurrent="1" nextAc="seek">
+              <p:cTn id="2" dur="indefinite" nodeType="mainSeq">
+                <p:childTnLst>
+                  <p:par>
+                    <p:cTn id="3" fill="hold">
+                      <p:stCondLst>
+                        <p:cond delay="indefinite"/>
+                      </p:stCondLst>
+                      <p:childTnLst>
+                        <p:par>
+                          <p:cTn id="4" fill="hold">
+                            <p:stCondLst>
+                              <p:cond delay="0"/>
+                            </p:stCondLst>
+                            <p:childTnLst>
+                              <p:par>
+                                <p:cTn id="5" presetID="1" presetClass="entr" presetSubtype="0" fill="hold" nodeType="clickEffect">
+                                  <p:stCondLst>
+                                    <p:cond delay="0"/>
+                                  </p:stCondLst>
+                                  <p:childTnLst>
+                                    <p:set>
+                                      <p:cBhvr>
+                                        <p:cTn id="6" dur="1" fill="hold">
+                                          <p:stCondLst>
+                                            <p:cond delay="0"/>
+                                          </p:stCondLst>
+                                        </p:cTn>
+                                        <p:tgtEl>
+                                          <p:spTgt spid="1026"/>
+                                        </p:tgtEl>
+                                        <p:attrNameLst>
+                                          <p:attrName>style.visibility</p:attrName>
+                                        </p:attrNameLst>
+                                      </p:cBhvr>
+                                      <p:to>
+                                        <p:strVal val="visible"/>
+                                      </p:to>
+                                    </p:set>
+                                  </p:childTnLst>
+                                </p:cTn>
+                              </p:par>
+                            </p:childTnLst>
+                          </p:cTn>
+                        </p:par>
+                      </p:childTnLst>
+                    </p:cTn>
+                  </p:par>
+                  <p:par>
+                    <p:cTn id="7" fill="hold">
+                      <p:stCondLst>
+                        <p:cond delay="indefinite"/>
+                      </p:stCondLst>
+                      <p:childTnLst>
+                        <p:par>
+                          <p:cTn id="8" fill="hold">
+                            <p:stCondLst>
+                              <p:cond delay="0"/>
+                            </p:stCondLst>
+                            <p:childTnLst>
+                              <p:par>
+                                <p:cTn id="9" presetID="1" presetClass="entr" presetSubtype="0" fill="hold" nodeType="clickEffect">
+                                  <p:stCondLst>
+                                    <p:cond delay="0"/>
+                                  </p:stCondLst>
+                                  <p:childTnLst>
+                                    <p:set>
+                                      <p:cBhvr>
+                                        <p:cTn id="10" dur="1" fill="hold">
+                                          <p:stCondLst>
+                                            <p:cond delay="0"/>
+                                          </p:stCondLst>
+                                        </p:cTn>
+                                        <p:tgtEl>
+                                          <p:spTgt spid="3"/>
+                                        </p:tgtEl>
+                                        <p:attrNameLst>
+                                          <p:attrName>style.visibility</p:attrName>
+                                        </p:attrNameLst>
+                                      </p:cBhvr>
+                                      <p:to>
+                                        <p:strVal val="visible"/>
+                                      </p:to>
+                                    </p:set>
+                                  </p:childTnLst>
+                                </p:cTn>
+                              </p:par>
+                            </p:childTnLst>
+                          </p:cTn>
+                        </p:par>
+                      </p:childTnLst>
+                    </p:cTn>
+                  </p:par>
+                  <p:par>
+                    <p:cTn id="11" fill="hold">
+                      <p:stCondLst>
+                        <p:cond delay="indefinite"/>
+                      </p:stCondLst>
+                      <p:childTnLst>
+                        <p:par>
+                          <p:cTn id="12" fill="hold">
+                            <p:stCondLst>
+                              <p:cond delay="0"/>
+                            </p:stCondLst>
+                            <p:childTnLst>
+                              <p:par>
+                                <p:cTn id="13" presetID="1" presetClass="entr" presetSubtype="0" fill="hold" nodeType="clickEffect">
+                                  <p:stCondLst>
+                                    <p:cond delay="0"/>
+                                  </p:stCondLst>
+                                  <p:childTnLst>
+                                    <p:set>
+                                      <p:cBhvr>
+                                        <p:cTn id="14" dur="1" fill="hold">
+                                          <p:stCondLst>
+                                            <p:cond delay="0"/>
+                                          </p:stCondLst>
+                                        </p:cTn>
+                                        <p:tgtEl>
+                                          <p:spTgt spid="5"/>
+                                        </p:tgtEl>
+                                        <p:attrNameLst>
+                                          <p:attrName>style.visibility</p:attrName>
+                                        </p:attrNameLst>
+                                      </p:cBhvr>
+                                      <p:to>
+                                        <p:strVal val="visible"/>
+                                      </p:to>
+                                    </p:set>
+                                  </p:childTnLst>
+                                </p:cTn>
+                              </p:par>
+                            </p:childTnLst>
+                          </p:cTn>
+                        </p:par>
+                      </p:childTnLst>
+                    </p:cTn>
+                  </p:par>
+                  <p:par>
+                    <p:cTn id="15" fill="hold">
+                      <p:stCondLst>
+                        <p:cond delay="indefinite"/>
+                      </p:stCondLst>
+                      <p:childTnLst>
+                        <p:par>
+                          <p:cTn id="16" fill="hold">
+                            <p:stCondLst>
+                              <p:cond delay="0"/>
+                            </p:stCondLst>
+                            <p:childTnLst>
+                              <p:par>
+                                <p:cTn id="17" presetID="1" presetClass="entr" presetSubtype="0" fill="hold" nodeType="clickEffect">
+                                  <p:stCondLst>
+                                    <p:cond delay="0"/>
+                                  </p:stCondLst>
+                                  <p:childTnLst>
+                                    <p:set>
+                                      <p:cBhvr>
+                                        <p:cTn id="18" dur="1" fill="hold">
+                                          <p:stCondLst>
+                                            <p:cond delay="0"/>
+                                          </p:stCondLst>
+                                        </p:cTn>
+                                        <p:tgtEl>
+                                          <p:spTgt spid="6"/>
+                                        </p:tgtEl>
+                                        <p:attrNameLst>
+                                          <p:attrName>style.visibility</p:attrName>
+                                        </p:attrNameLst>
+                                      </p:cBhvr>
+                                      <p:to>
+                                        <p:strVal val="visible"/>
+                                      </p:to>
+                                    </p:set>
+                                  </p:childTnLst>
+                                </p:cTn>
+                              </p:par>
+                            </p:childTnLst>
+                          </p:cTn>
+                        </p:par>
+                      </p:childTnLst>
+                    </p:cTn>
+                  </p:par>
+                </p:childTnLst>
+              </p:cTn>
+              <p:prevCondLst>
+                <p:cond evt="onPrev" delay="0">
+                  <p:tgtEl>
+                    <p:sldTgt/>
+                  </p:tgtEl>
+                </p:cond>
+              </p:prevCondLst>
+              <p:nextCondLst>
+                <p:cond evt="onNext" delay="0">
+                  <p:tgtEl>
+                    <p:sldTgt/>
+                  </p:tgtEl>
+                </p:cond>
+              </p:nextCondLst>
+            </p:seq>
+          </p:childTnLst>
+        </p:cTn>
+      </p:par>
+    </p:tnLst>
+  </p:timing>
 </p:sld>
 </file>
 
@@ -15929,13 +16274,103 @@
               </a:ext>
             </a:extLst>
           </a:blip>
-          <a:srcRect t="63518"/>
+          <a:srcRect t="63518" r="72357"/>
           <a:stretch/>
         </p:blipFill>
         <p:spPr bwMode="auto">
           <a:xfrm>
             <a:off x="781535" y="1628800"/>
-            <a:ext cx="10628929" cy="2420762"/>
+            <a:ext cx="2938201" cy="2420762"/>
+          </a:xfrm>
+          <a:prstGeom prst="rect">
+            <a:avLst/>
+          </a:prstGeom>
+          <a:noFill/>
+          <a:extLst>
+            <a:ext uri="{909E8E84-426E-40DD-AFC4-6F175D3DCCD1}">
+              <a14:hiddenFill xmlns:a14="http://schemas.microsoft.com/office/drawing/2010/main">
+                <a:solidFill>
+                  <a:srgbClr val="FFFFFF"/>
+                </a:solidFill>
+              </a14:hiddenFill>
+            </a:ext>
+          </a:extLst>
+        </p:spPr>
+      </p:pic>
+      <p:pic>
+        <p:nvPicPr>
+          <p:cNvPr id="5" name="Picture 2">
+            <a:extLst>
+              <a:ext uri="{FF2B5EF4-FFF2-40B4-BE49-F238E27FC236}">
+                <a16:creationId xmlns:a16="http://schemas.microsoft.com/office/drawing/2014/main" id="{8C69C4E1-BC36-0FE7-A5A6-6BD20539F664}"/>
+              </a:ext>
+            </a:extLst>
+          </p:cNvPr>
+          <p:cNvPicPr>
+            <a:picLocks noChangeAspect="1" noChangeArrowheads="1"/>
+          </p:cNvPicPr>
+          <p:nvPr/>
+        </p:nvPicPr>
+        <p:blipFill rotWithShape="1">
+          <a:blip r:embed="rId3">
+            <a:extLst>
+              <a:ext uri="{28A0092B-C50C-407E-A947-70E740481C1C}">
+                <a14:useLocalDpi xmlns:a14="http://schemas.microsoft.com/office/drawing/2010/main" val="0"/>
+              </a:ext>
+            </a:extLst>
+          </a:blip>
+          <a:srcRect l="30274" t="63518" r="40595"/>
+          <a:stretch/>
+        </p:blipFill>
+        <p:spPr bwMode="auto">
+          <a:xfrm>
+            <a:off x="4149944" y="1631152"/>
+            <a:ext cx="3096344" cy="2420762"/>
+          </a:xfrm>
+          <a:prstGeom prst="rect">
+            <a:avLst/>
+          </a:prstGeom>
+          <a:noFill/>
+          <a:extLst>
+            <a:ext uri="{909E8E84-426E-40DD-AFC4-6F175D3DCCD1}">
+              <a14:hiddenFill xmlns:a14="http://schemas.microsoft.com/office/drawing/2010/main">
+                <a:solidFill>
+                  <a:srgbClr val="FFFFFF"/>
+                </a:solidFill>
+              </a14:hiddenFill>
+            </a:ext>
+          </a:extLst>
+        </p:spPr>
+      </p:pic>
+      <p:pic>
+        <p:nvPicPr>
+          <p:cNvPr id="6" name="Picture 2">
+            <a:extLst>
+              <a:ext uri="{FF2B5EF4-FFF2-40B4-BE49-F238E27FC236}">
+                <a16:creationId xmlns:a16="http://schemas.microsoft.com/office/drawing/2014/main" id="{99174586-A47B-02AE-BA40-0E33FA1A9456}"/>
+              </a:ext>
+            </a:extLst>
+          </p:cNvPr>
+          <p:cNvPicPr>
+            <a:picLocks noChangeAspect="1" noChangeArrowheads="1"/>
+          </p:cNvPicPr>
+          <p:nvPr/>
+        </p:nvPicPr>
+        <p:blipFill rotWithShape="1">
+          <a:blip r:embed="rId3">
+            <a:extLst>
+              <a:ext uri="{28A0092B-C50C-407E-A947-70E740481C1C}">
+                <a14:useLocalDpi xmlns:a14="http://schemas.microsoft.com/office/drawing/2010/main" val="0"/>
+              </a:ext>
+            </a:extLst>
+          </a:blip>
+          <a:srcRect l="62037" t="63518"/>
+          <a:stretch/>
+        </p:blipFill>
+        <p:spPr bwMode="auto">
+          <a:xfrm>
+            <a:off x="7693290" y="1630713"/>
+            <a:ext cx="4035088" cy="2420762"/>
           </a:xfrm>
           <a:prstGeom prst="rect">
             <a:avLst/>
@@ -15962,6 +16397,171 @@
   <p:clrMapOvr>
     <a:masterClrMapping/>
   </p:clrMapOvr>
+  <p:timing>
+    <p:tnLst>
+      <p:par>
+        <p:cTn id="1" dur="indefinite" restart="never" nodeType="tmRoot">
+          <p:childTnLst>
+            <p:seq concurrent="1" nextAc="seek">
+              <p:cTn id="2" dur="indefinite" nodeType="mainSeq">
+                <p:childTnLst>
+                  <p:par>
+                    <p:cTn id="3" fill="hold">
+                      <p:stCondLst>
+                        <p:cond delay="indefinite"/>
+                      </p:stCondLst>
+                      <p:childTnLst>
+                        <p:par>
+                          <p:cTn id="4" fill="hold">
+                            <p:stCondLst>
+                              <p:cond delay="0"/>
+                            </p:stCondLst>
+                            <p:childTnLst>
+                              <p:par>
+                                <p:cTn id="5" presetID="1" presetClass="entr" presetSubtype="0" fill="hold" nodeType="clickEffect">
+                                  <p:stCondLst>
+                                    <p:cond delay="0"/>
+                                  </p:stCondLst>
+                                  <p:childTnLst>
+                                    <p:set>
+                                      <p:cBhvr>
+                                        <p:cTn id="6" dur="1" fill="hold">
+                                          <p:stCondLst>
+                                            <p:cond delay="0"/>
+                                          </p:stCondLst>
+                                        </p:cTn>
+                                        <p:tgtEl>
+                                          <p:spTgt spid="3"/>
+                                        </p:tgtEl>
+                                        <p:attrNameLst>
+                                          <p:attrName>style.visibility</p:attrName>
+                                        </p:attrNameLst>
+                                      </p:cBhvr>
+                                      <p:to>
+                                        <p:strVal val="visible"/>
+                                      </p:to>
+                                    </p:set>
+                                  </p:childTnLst>
+                                </p:cTn>
+                              </p:par>
+                            </p:childTnLst>
+                          </p:cTn>
+                        </p:par>
+                      </p:childTnLst>
+                    </p:cTn>
+                  </p:par>
+                  <p:par>
+                    <p:cTn id="7" fill="hold">
+                      <p:stCondLst>
+                        <p:cond delay="indefinite"/>
+                      </p:stCondLst>
+                      <p:childTnLst>
+                        <p:par>
+                          <p:cTn id="8" fill="hold">
+                            <p:stCondLst>
+                              <p:cond delay="0"/>
+                            </p:stCondLst>
+                            <p:childTnLst>
+                              <p:par>
+                                <p:cTn id="9" presetID="1" presetClass="entr" presetSubtype="0" fill="hold" nodeType="clickEffect">
+                                  <p:stCondLst>
+                                    <p:cond delay="0"/>
+                                  </p:stCondLst>
+                                  <p:childTnLst>
+                                    <p:set>
+                                      <p:cBhvr>
+                                        <p:cTn id="10" dur="1" fill="hold">
+                                          <p:stCondLst>
+                                            <p:cond delay="0"/>
+                                          </p:stCondLst>
+                                        </p:cTn>
+                                        <p:tgtEl>
+                                          <p:spTgt spid="5"/>
+                                        </p:tgtEl>
+                                        <p:attrNameLst>
+                                          <p:attrName>style.visibility</p:attrName>
+                                        </p:attrNameLst>
+                                      </p:cBhvr>
+                                      <p:to>
+                                        <p:strVal val="visible"/>
+                                      </p:to>
+                                    </p:set>
+                                  </p:childTnLst>
+                                </p:cTn>
+                              </p:par>
+                            </p:childTnLst>
+                          </p:cTn>
+                        </p:par>
+                      </p:childTnLst>
+                    </p:cTn>
+                  </p:par>
+                  <p:par>
+                    <p:cTn id="11" fill="hold">
+                      <p:stCondLst>
+                        <p:cond delay="indefinite"/>
+                      </p:stCondLst>
+                      <p:childTnLst>
+                        <p:par>
+                          <p:cTn id="12" fill="hold">
+                            <p:stCondLst>
+                              <p:cond delay="0"/>
+                            </p:stCondLst>
+                            <p:childTnLst>
+                              <p:par>
+                                <p:cTn id="13" presetID="1" presetClass="entr" presetSubtype="0" fill="hold" nodeType="clickEffect">
+                                  <p:stCondLst>
+                                    <p:cond delay="0"/>
+                                  </p:stCondLst>
+                                  <p:childTnLst>
+                                    <p:set>
+                                      <p:cBhvr>
+                                        <p:cTn id="14" dur="1" fill="hold">
+                                          <p:stCondLst>
+                                            <p:cond delay="0"/>
+                                          </p:stCondLst>
+                                        </p:cTn>
+                                        <p:tgtEl>
+                                          <p:spTgt spid="6"/>
+                                        </p:tgtEl>
+                                        <p:attrNameLst>
+                                          <p:attrName>style.visibility</p:attrName>
+                                        </p:attrNameLst>
+                                      </p:cBhvr>
+                                      <p:to>
+                                        <p:strVal val="visible"/>
+                                      </p:to>
+                                    </p:set>
+                                  </p:childTnLst>
+                                </p:cTn>
+                              </p:par>
+                            </p:childTnLst>
+                          </p:cTn>
+                        </p:par>
+                      </p:childTnLst>
+                    </p:cTn>
+                  </p:par>
+                </p:childTnLst>
+              </p:cTn>
+              <p:prevCondLst>
+                <p:cond evt="onPrev" delay="0">
+                  <p:tgtEl>
+                    <p:sldTgt/>
+                  </p:tgtEl>
+                </p:cond>
+              </p:prevCondLst>
+              <p:nextCondLst>
+                <p:cond evt="onNext" delay="0">
+                  <p:tgtEl>
+                    <p:sldTgt/>
+                  </p:tgtEl>
+                </p:cond>
+              </p:nextCondLst>
+            </p:seq>
+          </p:childTnLst>
+        </p:cTn>
+      </p:par>
+    </p:tnLst>
+  </p:timing>
 </p:sld>
 </file>
 
